--- a/translations/en-us/beginner/FinalChallenge.pptx
+++ b/translations/en-us/beginner/FinalChallenge.pptx
@@ -216,7 +216,7 @@
           <a:p>
             <a:fld id="{F8D9B3D7-15CB-9343-AA49-EFB5A8F33F18}" type="datetimeFigureOut">
               <a:rPr lang="en-US" smtClean="0"/>
-              <a:t>3/1/2015</a:t>
+              <a:t>11/14/15</a:t>
             </a:fld>
             <a:endParaRPr lang="en-US"/>
           </a:p>
@@ -382,7 +382,7 @@
           <a:p>
             <a:fld id="{FD3EFF1E-85A1-6640-AFB9-C38833E80A84}" type="datetimeFigureOut">
               <a:rPr lang="en-US" smtClean="0"/>
-              <a:t>3/1/2015</a:t>
+              <a:t>11/14/15</a:t>
             </a:fld>
             <a:endParaRPr lang="en-US"/>
           </a:p>
@@ -1096,7 +1096,7 @@
           <a:p>
             <a:fld id="{98977875-8CB1-8345-9F0C-E2C0AEE5DDC9}" type="datetime1">
               <a:rPr lang="en-US" smtClean="0"/>
-              <a:t>3/1/2015</a:t>
+              <a:t>11/14/15</a:t>
             </a:fld>
             <a:endParaRPr lang="en-US"/>
           </a:p>
@@ -1690,7 +1690,7 @@
           <a:p>
             <a:fld id="{F6DC8337-FEF1-9C4F-9B94-C4CC29FEEDCB}" type="datetime1">
               <a:rPr lang="en-US" smtClean="0"/>
-              <a:t>3/1/2015</a:t>
+              <a:t>11/14/15</a:t>
             </a:fld>
             <a:endParaRPr lang="en-US"/>
           </a:p>
@@ -1869,7 +1869,7 @@
           <a:p>
             <a:fld id="{B42DB3E7-3AFD-0D40-AF6A-A4A3391BA5D3}" type="datetime1">
               <a:rPr lang="en-US" smtClean="0"/>
-              <a:t>3/1/2015</a:t>
+              <a:t>11/14/15</a:t>
             </a:fld>
             <a:endParaRPr lang="en-US"/>
           </a:p>
@@ -2048,7 +2048,7 @@
           <a:p>
             <a:fld id="{E0D8F6E6-7F1E-FF49-A346-9F74402A4C27}" type="datetime1">
               <a:rPr lang="en-US" smtClean="0"/>
-              <a:t>3/1/2015</a:t>
+              <a:t>11/14/15</a:t>
             </a:fld>
             <a:endParaRPr lang="en-US"/>
           </a:p>
@@ -2306,7 +2306,7 @@
           <a:p>
             <a:fld id="{1B31C71C-BC17-6C42-AF7C-115179B22B91}" type="datetime1">
               <a:rPr lang="en-US" smtClean="0"/>
-              <a:t>3/1/2015</a:t>
+              <a:t>11/14/15</a:t>
             </a:fld>
             <a:endParaRPr lang="en-US"/>
           </a:p>
@@ -2598,7 +2598,7 @@
           <a:p>
             <a:fld id="{09FC0679-EC11-8047-9AC6-8326B1F10CDB}" type="datetime1">
               <a:rPr lang="en-US" smtClean="0"/>
-              <a:t>3/1/2015</a:t>
+              <a:t>11/14/15</a:t>
             </a:fld>
             <a:endParaRPr lang="en-US"/>
           </a:p>
@@ -3041,7 +3041,7 @@
           <a:p>
             <a:fld id="{BE25B38A-71FB-FA4B-A89F-44C39431BE17}" type="datetime1">
               <a:rPr lang="en-US" smtClean="0"/>
-              <a:t>3/1/2015</a:t>
+              <a:t>11/14/15</a:t>
             </a:fld>
             <a:endParaRPr lang="en-US"/>
           </a:p>
@@ -3158,7 +3158,7 @@
           <a:p>
             <a:fld id="{60F08FFF-51E7-B949-8C12-DD72996CE2FB}" type="datetime1">
               <a:rPr lang="en-US" smtClean="0"/>
-              <a:t>3/1/2015</a:t>
+              <a:t>11/14/15</a:t>
             </a:fld>
             <a:endParaRPr lang="en-US"/>
           </a:p>
@@ -3252,7 +3252,7 @@
           <a:p>
             <a:fld id="{DA1AC877-DA6A-494F-A066-D0A7F5E95D31}" type="datetime1">
               <a:rPr lang="en-US" smtClean="0"/>
-              <a:t>3/1/2015</a:t>
+              <a:t>11/14/15</a:t>
             </a:fld>
             <a:endParaRPr lang="en-US"/>
           </a:p>
@@ -3498,7 +3498,7 @@
           <a:p>
             <a:fld id="{B1497DFB-D3F8-4E4A-A46C-C3F901998BDB}" type="datetime1">
               <a:rPr lang="en-US" smtClean="0"/>
-              <a:t>3/1/2015</a:t>
+              <a:t>11/14/15</a:t>
             </a:fld>
             <a:endParaRPr lang="en-US"/>
           </a:p>
@@ -3796,7 +3796,7 @@
           <a:p>
             <a:fld id="{78DE06AB-8AE5-7247-A0CA-E19CB247BDC0}" type="datetime1">
               <a:rPr lang="en-US" smtClean="0"/>
-              <a:t>3/1/2015</a:t>
+              <a:t>11/14/15</a:t>
             </a:fld>
             <a:endParaRPr lang="en-US"/>
           </a:p>
@@ -4094,7 +4094,7 @@
           <a:p>
             <a:fld id="{3018E712-267D-EA4C-905C-040E5E25E716}" type="datetime1">
               <a:rPr lang="en-US" smtClean="0"/>
-              <a:t>3/1/2015</a:t>
+              <a:t>11/14/15</a:t>
             </a:fld>
             <a:endParaRPr lang="en-US"/>
           </a:p>
@@ -4978,36 +4978,6 @@
           </a:p>
         </p:txBody>
       </p:sp>
-      <p:pic>
-        <p:nvPicPr>
-          <p:cNvPr id="3" name="Picture 2" descr="Droidslogo2.png"/>
-          <p:cNvPicPr>
-            <a:picLocks noChangeAspect="1"/>
-          </p:cNvPicPr>
-          <p:nvPr/>
-        </p:nvPicPr>
-        <p:blipFill>
-          <a:blip r:embed="rId3">
-            <a:extLst>
-              <a:ext uri="{28A0092B-C50C-407E-A947-70E740481C1C}">
-                <a14:useLocalDpi xmlns:a14="http://schemas.microsoft.com/office/drawing/2010/main" val="0"/>
-              </a:ext>
-            </a:extLst>
-          </a:blip>
-          <a:stretch>
-            <a:fillRect/>
-          </a:stretch>
-        </p:blipFill>
-        <p:spPr>
-          <a:xfrm>
-            <a:off x="402306" y="5456830"/>
-            <a:ext cx="1085195" cy="1085195"/>
-          </a:xfrm>
-          <a:prstGeom prst="rect">
-            <a:avLst/>
-          </a:prstGeom>
-        </p:spPr>
-      </p:pic>
       <p:sp>
         <p:nvSpPr>
           <p:cNvPr id="4" name="TextBox 3"/>
@@ -5063,7 +5033,7 @@
           <p:nvPr/>
         </p:nvPicPr>
         <p:blipFill>
-          <a:blip r:embed="rId4">
+          <a:blip r:embed="rId3">
             <a:extLst>
               <a:ext uri="{28A0092B-C50C-407E-A947-70E740481C1C}">
                 <a14:useLocalDpi xmlns:a14="http://schemas.microsoft.com/office/drawing/2010/main" val="0"/>
@@ -5086,13 +5056,43 @@
           <a:noFill/>
           <a:extLst>
             <a:ext uri="{909E8E84-426E-40dd-AFC4-6F175D3DCCD1}">
-              <a14:hiddenFill xmlns:a14="http://schemas.microsoft.com/office/drawing/2010/main" xmlns="">
+              <a14:hiddenFill xmlns="" xmlns:a14="http://schemas.microsoft.com/office/drawing/2010/main">
                 <a:solidFill>
                   <a:srgbClr val="FFFFFF"/>
                 </a:solidFill>
               </a14:hiddenFill>
             </a:ext>
           </a:extLst>
+        </p:spPr>
+      </p:pic>
+      <p:pic>
+        <p:nvPicPr>
+          <p:cNvPr id="5" name="Picture 4"/>
+          <p:cNvPicPr>
+            <a:picLocks noChangeAspect="1"/>
+          </p:cNvPicPr>
+          <p:nvPr/>
+        </p:nvPicPr>
+        <p:blipFill>
+          <a:blip r:embed="rId4">
+            <a:extLst>
+              <a:ext uri="{28A0092B-C50C-407E-A947-70E740481C1C}">
+                <a14:useLocalDpi xmlns:a14="http://schemas.microsoft.com/office/drawing/2010/main" val="0"/>
+              </a:ext>
+            </a:extLst>
+          </a:blip>
+          <a:stretch>
+            <a:fillRect/>
+          </a:stretch>
+        </p:blipFill>
+        <p:spPr>
+          <a:xfrm>
+            <a:off x="341232" y="5297213"/>
+            <a:ext cx="1146269" cy="1096597"/>
+          </a:xfrm>
+          <a:prstGeom prst="rect">
+            <a:avLst/>
+          </a:prstGeom>
         </p:spPr>
       </p:pic>
     </p:spTree>
@@ -5206,23 +5206,7 @@
             </a:pPr>
             <a:r>
               <a:rPr lang="en-US" b="0" dirty="0" smtClean="0"/>
-              <a:t>Note that the electric tape colors do not match </a:t>
-            </a:r>
-            <a:r>
-              <a:rPr lang="en-US" b="0" dirty="0" smtClean="0"/>
-              <a:t>LEGO’s </a:t>
-            </a:r>
-            <a:r>
-              <a:rPr lang="en-US" b="0" dirty="0" smtClean="0"/>
-              <a:t>colors. So your sensors </a:t>
-            </a:r>
-            <a:r>
-              <a:rPr lang="en-US" b="0" dirty="0" smtClean="0"/>
-              <a:t>may </a:t>
-            </a:r>
-            <a:r>
-              <a:rPr lang="en-US" b="0" dirty="0" smtClean="0"/>
-              <a:t>have trouble reading those colors.</a:t>
+              <a:t>Note that the electric tape colors do not match LEGO’s colors. So your sensors may have trouble reading those colors.</a:t>
             </a:r>
           </a:p>
           <a:p>
@@ -6458,11 +6442,7 @@
             </a:pPr>
             <a:r>
               <a:rPr lang="en-US" dirty="0" smtClean="0"/>
-              <a:t>Go to the “do not touch this wall</a:t>
-            </a:r>
-            <a:r>
-              <a:rPr lang="en-US" dirty="0" smtClean="0"/>
-              <a:t>”.</a:t>
+              <a:t>Go to the “do not touch this wall”.</a:t>
             </a:r>
             <a:r>
               <a:rPr lang="en-US" dirty="0" smtClean="0">
@@ -6486,15 +6466,7 @@
                   <a:srgbClr val="FF0000"/>
                 </a:solidFill>
               </a:rPr>
-              <a:t>on’t </a:t>
-            </a:r>
-            <a:r>
-              <a:rPr lang="en-US" dirty="0" smtClean="0">
-                <a:solidFill>
-                  <a:srgbClr val="FF0000"/>
-                </a:solidFill>
-              </a:rPr>
-              <a:t>touch it.</a:t>
+              <a:t>on’t touch it.</a:t>
             </a:r>
           </a:p>
           <a:p>
@@ -6995,7 +6967,7 @@
           <a:noFill/>
           <a:extLst>
             <a:ext uri="{909E8E84-426E-40dd-AFC4-6F175D3DCCD1}">
-              <a14:hiddenFill xmlns:a14="http://schemas.microsoft.com/office/drawing/2010/main" xmlns="">
+              <a14:hiddenFill xmlns="" xmlns:a14="http://schemas.microsoft.com/office/drawing/2010/main">
                 <a:solidFill>
                   <a:srgbClr val="FFFFFF"/>
                 </a:solidFill>
@@ -7151,15 +7123,7 @@
             </a:br>
             <a:r>
               <a:rPr lang="en-US" dirty="0" smtClean="0"/>
-              <a:t>What sensor </a:t>
-            </a:r>
-            <a:r>
-              <a:rPr lang="en-US" dirty="0" smtClean="0"/>
-              <a:t>will </a:t>
-            </a:r>
-            <a:r>
-              <a:rPr lang="en-US" dirty="0" smtClean="0"/>
-              <a:t>you use?</a:t>
+              <a:t>What sensor will you use?</a:t>
             </a:r>
             <a:endParaRPr lang="en-US" dirty="0"/>
           </a:p>
@@ -7604,7 +7568,7 @@
           <a:effectLst/>
           <a:extLst>
             <a:ext uri="{91240B29-F687-4f45-9708-019B960494DF}">
-              <a14:hiddenLine xmlns:a14="http://schemas.microsoft.com/office/drawing/2010/main" xmlns="" w="9525">
+              <a14:hiddenLine xmlns="" xmlns:a14="http://schemas.microsoft.com/office/drawing/2010/main" w="9525">
                 <a:solidFill>
                   <a:schemeClr val="tx1"/>
                 </a:solidFill>
@@ -7614,7 +7578,7 @@
               </a14:hiddenLine>
             </a:ext>
             <a:ext uri="{AF507438-7753-43e0-B8FC-AC1667EBCBE1}">
-              <a14:hiddenEffects xmlns:a14="http://schemas.microsoft.com/office/drawing/2010/main" xmlns="">
+              <a14:hiddenEffects xmlns="" xmlns:a14="http://schemas.microsoft.com/office/drawing/2010/main">
                 <a:effectLst>
                   <a:outerShdw dist="35921" dir="2700000" algn="ctr" rotWithShape="0">
                     <a:schemeClr val="bg2"/>
@@ -7967,7 +7931,7 @@
           <a:noFill/>
           <a:extLst>
             <a:ext uri="{909E8E84-426E-40dd-AFC4-6F175D3DCCD1}">
-              <a14:hiddenFill xmlns:a14="http://schemas.microsoft.com/office/drawing/2010/main" xmlns="">
+              <a14:hiddenFill xmlns="" xmlns:a14="http://schemas.microsoft.com/office/drawing/2010/main">
                 <a:solidFill>
                   <a:srgbClr val="FFFFFF"/>
                 </a:solidFill>

--- a/translations/en-us/beginner/FinalChallenge.pptx
+++ b/translations/en-us/beginner/FinalChallenge.pptx
@@ -2,21 +2,23 @@
 <file path=ppt/presentation.xml><?xml version="1.0" encoding="utf-8"?>
 <p:presentation xmlns:a="http://schemas.openxmlformats.org/drawingml/2006/main" xmlns:r="http://schemas.openxmlformats.org/officeDocument/2006/relationships" xmlns:p="http://schemas.openxmlformats.org/presentationml/2006/main" showSpecialPlsOnTitleSld="0" saveSubsetFonts="1" autoCompressPictures="0">
   <p:sldMasterIdLst>
-    <p:sldMasterId id="2147483714" r:id="rId1"/>
+    <p:sldMasterId id="2147483726" r:id="rId1"/>
+    <p:sldMasterId id="2147483738" r:id="rId2"/>
   </p:sldMasterIdLst>
   <p:notesMasterIdLst>
-    <p:notesMasterId r:id="rId8"/>
+    <p:notesMasterId r:id="rId10"/>
   </p:notesMasterIdLst>
   <p:handoutMasterIdLst>
-    <p:handoutMasterId r:id="rId9"/>
+    <p:handoutMasterId r:id="rId11"/>
   </p:handoutMasterIdLst>
   <p:sldIdLst>
-    <p:sldId id="408" r:id="rId2"/>
-    <p:sldId id="412" r:id="rId3"/>
-    <p:sldId id="410" r:id="rId4"/>
-    <p:sldId id="403" r:id="rId5"/>
-    <p:sldId id="411" r:id="rId6"/>
-    <p:sldId id="409" r:id="rId7"/>
+    <p:sldId id="413" r:id="rId3"/>
+    <p:sldId id="412" r:id="rId4"/>
+    <p:sldId id="414" r:id="rId5"/>
+    <p:sldId id="410" r:id="rId6"/>
+    <p:sldId id="403" r:id="rId7"/>
+    <p:sldId id="411" r:id="rId8"/>
+    <p:sldId id="409" r:id="rId9"/>
   </p:sldIdLst>
   <p:sldSz cx="9144000" cy="6858000" type="screen4x3"/>
   <p:notesSz cx="6858000" cy="9144000"/>
@@ -216,7 +218,7 @@
           <a:p>
             <a:fld id="{F8D9B3D7-15CB-9343-AA49-EFB5A8F33F18}" type="datetimeFigureOut">
               <a:rPr lang="en-US" smtClean="0"/>
-              <a:t>11/14/15</a:t>
+              <a:t>7/4/16</a:t>
             </a:fld>
             <a:endParaRPr lang="en-US"/>
           </a:p>
@@ -382,7 +384,7 @@
           <a:p>
             <a:fld id="{FD3EFF1E-85A1-6640-AFB9-C38833E80A84}" type="datetimeFigureOut">
               <a:rPr lang="en-US" smtClean="0"/>
-              <a:t>11/14/15</a:t>
+              <a:t>7/4/16</a:t>
             </a:fld>
             <a:endParaRPr lang="en-US"/>
           </a:p>
@@ -716,7 +718,7 @@
           <a:p>
             <a:fld id="{13967457-1E83-1040-AFF7-8D09C473DBD5}" type="slidenum">
               <a:rPr lang="en-US" smtClean="0"/>
-              <a:t>1</a:t>
+              <a:t>4</a:t>
             </a:fld>
             <a:endParaRPr lang="en-US" dirty="0"/>
           </a:p>
@@ -725,7 +727,7 @@
     </p:spTree>
     <p:extLst>
       <p:ext uri="{BB962C8B-B14F-4D97-AF65-F5344CB8AC3E}">
-        <p14:creationId xmlns:p14="http://schemas.microsoft.com/office/powerpoint/2010/main" val="3924184732"/>
+        <p14:creationId xmlns:p14="http://schemas.microsoft.com/office/powerpoint/2010/main" val="4141144263"/>
       </p:ext>
     </p:extLst>
   </p:cSld>
@@ -800,91 +802,7 @@
           <a:p>
             <a:fld id="{13967457-1E83-1040-AFF7-8D09C473DBD5}" type="slidenum">
               <a:rPr lang="en-US" smtClean="0"/>
-              <a:t>3</a:t>
-            </a:fld>
-            <a:endParaRPr lang="en-US" dirty="0"/>
-          </a:p>
-        </p:txBody>
-      </p:sp>
-    </p:spTree>
-    <p:extLst>
-      <p:ext uri="{BB962C8B-B14F-4D97-AF65-F5344CB8AC3E}">
-        <p14:creationId xmlns:p14="http://schemas.microsoft.com/office/powerpoint/2010/main" val="4141144263"/>
-      </p:ext>
-    </p:extLst>
-  </p:cSld>
-  <p:clrMapOvr>
-    <a:masterClrMapping/>
-  </p:clrMapOvr>
-</p:notes>
-</file>
-
-<file path=ppt/notesSlides/notesSlide3.xml><?xml version="1.0" encoding="utf-8"?>
-<p:notes xmlns:a="http://schemas.openxmlformats.org/drawingml/2006/main" xmlns:r="http://schemas.openxmlformats.org/officeDocument/2006/relationships" xmlns:p="http://schemas.openxmlformats.org/presentationml/2006/main">
-  <p:cSld>
-    <p:spTree>
-      <p:nvGrpSpPr>
-        <p:cNvPr id="1" name=""/>
-        <p:cNvGrpSpPr/>
-        <p:nvPr/>
-      </p:nvGrpSpPr>
-      <p:grpSpPr>
-        <a:xfrm>
-          <a:off x="0" y="0"/>
-          <a:ext cx="0" cy="0"/>
-          <a:chOff x="0" y="0"/>
-          <a:chExt cx="0" cy="0"/>
-        </a:xfrm>
-      </p:grpSpPr>
-      <p:sp>
-        <p:nvSpPr>
-          <p:cNvPr id="2" name="Slide Image Placeholder 1"/>
-          <p:cNvSpPr>
-            <a:spLocks noGrp="1" noRot="1" noChangeAspect="1"/>
-          </p:cNvSpPr>
-          <p:nvPr>
-            <p:ph type="sldImg"/>
-          </p:nvPr>
-        </p:nvSpPr>
-        <p:spPr/>
-      </p:sp>
-      <p:sp>
-        <p:nvSpPr>
-          <p:cNvPr id="3" name="Notes Placeholder 2"/>
-          <p:cNvSpPr>
-            <a:spLocks noGrp="1"/>
-          </p:cNvSpPr>
-          <p:nvPr>
-            <p:ph type="body" idx="1"/>
-          </p:nvPr>
-        </p:nvSpPr>
-        <p:spPr/>
-        <p:txBody>
-          <a:bodyPr/>
-          <a:lstStyle/>
-          <a:p>
-            <a:endParaRPr lang="en-US" dirty="0"/>
-          </a:p>
-        </p:txBody>
-      </p:sp>
-      <p:sp>
-        <p:nvSpPr>
-          <p:cNvPr id="4" name="Slide Number Placeholder 3"/>
-          <p:cNvSpPr>
-            <a:spLocks noGrp="1"/>
-          </p:cNvSpPr>
-          <p:nvPr>
-            <p:ph type="sldNum" sz="quarter" idx="10"/>
-          </p:nvPr>
-        </p:nvSpPr>
-        <p:spPr/>
-        <p:txBody>
-          <a:bodyPr/>
-          <a:lstStyle/>
-          <a:p>
-            <a:fld id="{13967457-1E83-1040-AFF7-8D09C473DBD5}" type="slidenum">
-              <a:rPr lang="en-US" smtClean="0"/>
-              <a:t>4</a:t>
+              <a:t>5</a:t>
             </a:fld>
             <a:endParaRPr lang="en-US" dirty="0"/>
           </a:p>
@@ -904,7 +822,7 @@
 </file>
 
 <file path=ppt/slideLayouts/slideLayout1.xml><?xml version="1.0" encoding="utf-8"?>
-<p:sldLayout xmlns:a="http://schemas.openxmlformats.org/drawingml/2006/main" xmlns:r="http://schemas.openxmlformats.org/officeDocument/2006/relationships" xmlns:p="http://schemas.openxmlformats.org/presentationml/2006/main" showMasterSp="0" type="title" preserve="1">
+<p:sldLayout xmlns:a="http://schemas.openxmlformats.org/drawingml/2006/main" xmlns:r="http://schemas.openxmlformats.org/officeDocument/2006/relationships" xmlns:p="http://schemas.openxmlformats.org/presentationml/2006/main" showMasterSp="0" preserve="1">
   <p:cSld name="Title Slide">
     <p:spTree>
       <p:nvGrpSpPr>
@@ -922,67 +840,26 @@
       </p:grpSpPr>
       <p:sp>
         <p:nvSpPr>
-          <p:cNvPr id="2" name="Title 1"/>
-          <p:cNvSpPr>
-            <a:spLocks noGrp="1"/>
-          </p:cNvSpPr>
-          <p:nvPr>
-            <p:ph type="ctrTitle"/>
+          <p:cNvPr id="3" name="Subtitle 2"/>
+          <p:cNvSpPr>
+            <a:spLocks noGrp="1"/>
+          </p:cNvSpPr>
+          <p:nvPr>
+            <p:ph type="subTitle" idx="1"/>
           </p:nvPr>
         </p:nvSpPr>
         <p:spPr>
           <a:xfrm>
-            <a:off x="457200" y="228600"/>
-            <a:ext cx="7772400" cy="4571999"/>
-          </a:xfrm>
-        </p:spPr>
-        <p:txBody>
-          <a:bodyPr anchor="ctr">
-            <a:noAutofit/>
-          </a:bodyPr>
-          <a:lstStyle>
-            <a:lvl1pPr>
-              <a:lnSpc>
-                <a:spcPct val="100000"/>
-              </a:lnSpc>
-              <a:defRPr sz="8800" spc="-80" baseline="0">
-                <a:solidFill>
-                  <a:schemeClr val="tx1"/>
-                </a:solidFill>
-              </a:defRPr>
-            </a:lvl1pPr>
-          </a:lstStyle>
-          <a:p>
-            <a:r>
-              <a:rPr lang="en-US" smtClean="0"/>
-              <a:t>Click to edit Master title style</a:t>
-            </a:r>
-            <a:endParaRPr lang="en-US" dirty="0"/>
-          </a:p>
-        </p:txBody>
-      </p:sp>
-      <p:sp>
-        <p:nvSpPr>
-          <p:cNvPr id="3" name="Subtitle 2"/>
-          <p:cNvSpPr>
-            <a:spLocks noGrp="1"/>
-          </p:cNvSpPr>
-          <p:nvPr>
-            <p:ph type="subTitle" idx="1"/>
-          </p:nvPr>
-        </p:nvSpPr>
-        <p:spPr>
-          <a:xfrm>
-            <a:off x="457200" y="4800600"/>
+            <a:off x="1132517" y="3427224"/>
             <a:ext cx="6858000" cy="914400"/>
           </a:xfrm>
         </p:spPr>
         <p:txBody>
           <a:bodyPr/>
           <a:lstStyle>
-            <a:lvl1pPr marL="0" indent="0" algn="l">
-              <a:buNone/>
-              <a:defRPr b="0" cap="all" spc="120" baseline="0">
+            <a:lvl1pPr marL="0" indent="0" algn="ctr">
+              <a:buNone/>
+              <a:defRPr b="0" cap="none" spc="120" baseline="0">
                 <a:solidFill>
                   <a:schemeClr val="tx2"/>
                 </a:solidFill>
@@ -1094,9 +971,9 @@
           <a:bodyPr/>
           <a:lstStyle/>
           <a:p>
-            <a:fld id="{98977875-8CB1-8345-9F0C-E2C0AEE5DDC9}" type="datetime1">
-              <a:rPr lang="en-US" smtClean="0"/>
-              <a:t>11/14/15</a:t>
+            <a:fld id="{81304DA8-91BE-D84F-BC70-CF43F3D9CF36}" type="datetime1">
+              <a:rPr lang="en-US" smtClean="0"/>
+              <a:t>7/4/16</a:t>
             </a:fld>
             <a:endParaRPr lang="en-US"/>
           </a:p>
@@ -1112,14 +989,19 @@
             <p:ph type="ftr" sz="quarter" idx="11"/>
           </p:nvPr>
         </p:nvSpPr>
-        <p:spPr/>
+        <p:spPr>
+          <a:xfrm>
+            <a:off x="457200" y="6492875"/>
+            <a:ext cx="3945988" cy="282095"/>
+          </a:xfrm>
+        </p:spPr>
         <p:txBody>
           <a:bodyPr/>
           <a:lstStyle/>
           <a:p>
             <a:r>
               <a:rPr lang="en-US" smtClean="0"/>
-              <a:t>© EV3Lessons.com, 2015, (Last edit: 2/28/2015)</a:t>
+              <a:t>© EV3Lessons.com, 2016, (Last edit: 7/04/2016)</a:t>
             </a:r>
             <a:endParaRPr lang="en-US"/>
           </a:p>
@@ -1135,7 +1017,15 @@
             <p:ph type="sldNum" sz="quarter" idx="12"/>
           </p:nvPr>
         </p:nvSpPr>
-        <p:spPr/>
+        <p:spPr>
+          <a:xfrm>
+            <a:off x="8484242" y="6341733"/>
+            <a:ext cx="588319" cy="365125"/>
+          </a:xfrm>
+          <a:prstGeom prst="rect">
+            <a:avLst/>
+          </a:prstGeom>
+        </p:spPr>
         <p:txBody>
           <a:bodyPr/>
           <a:lstStyle>
@@ -1160,11 +1050,11 @@
         <p:nvSpPr>
           <p:cNvPr id="11" name="Rectangle 10"/>
           <p:cNvSpPr/>
-          <p:nvPr userDrawn="1"/>
+          <p:nvPr/>
         </p:nvSpPr>
         <p:spPr>
           <a:xfrm>
-            <a:off x="8996105" y="2895600"/>
+            <a:off x="8996106" y="2895600"/>
             <a:ext cx="147895" cy="3962400"/>
           </a:xfrm>
           <a:prstGeom prst="rect">
@@ -1193,117 +1083,16 @@
             <a:schemeClr val="lt1"/>
           </a:fontRef>
         </p:style>
-        <p:txBody>
-          <a:bodyPr/>
-          <a:lstStyle>
-            <a:defPPr>
-              <a:defRPr lang="en-US"/>
-            </a:defPPr>
-            <a:lvl1pPr marL="0" algn="l" defTabSz="457200" rtl="0" eaLnBrk="1" latinLnBrk="0" hangingPunct="1">
-              <a:defRPr sz="1800" kern="1200">
-                <a:solidFill>
-                  <a:schemeClr val="lt1"/>
-                </a:solidFill>
-                <a:latin typeface="+mn-lt"/>
-                <a:ea typeface="+mn-ea"/>
-                <a:cs typeface="+mn-cs"/>
-              </a:defRPr>
-            </a:lvl1pPr>
-            <a:lvl2pPr marL="457200" algn="l" defTabSz="457200" rtl="0" eaLnBrk="1" latinLnBrk="0" hangingPunct="1">
-              <a:defRPr sz="1800" kern="1200">
-                <a:solidFill>
-                  <a:schemeClr val="lt1"/>
-                </a:solidFill>
-                <a:latin typeface="+mn-lt"/>
-                <a:ea typeface="+mn-ea"/>
-                <a:cs typeface="+mn-cs"/>
-              </a:defRPr>
-            </a:lvl2pPr>
-            <a:lvl3pPr marL="914400" algn="l" defTabSz="457200" rtl="0" eaLnBrk="1" latinLnBrk="0" hangingPunct="1">
-              <a:defRPr sz="1800" kern="1200">
-                <a:solidFill>
-                  <a:schemeClr val="lt1"/>
-                </a:solidFill>
-                <a:latin typeface="+mn-lt"/>
-                <a:ea typeface="+mn-ea"/>
-                <a:cs typeface="+mn-cs"/>
-              </a:defRPr>
-            </a:lvl3pPr>
-            <a:lvl4pPr marL="1371600" algn="l" defTabSz="457200" rtl="0" eaLnBrk="1" latinLnBrk="0" hangingPunct="1">
-              <a:defRPr sz="1800" kern="1200">
-                <a:solidFill>
-                  <a:schemeClr val="lt1"/>
-                </a:solidFill>
-                <a:latin typeface="+mn-lt"/>
-                <a:ea typeface="+mn-ea"/>
-                <a:cs typeface="+mn-cs"/>
-              </a:defRPr>
-            </a:lvl4pPr>
-            <a:lvl5pPr marL="1828800" algn="l" defTabSz="457200" rtl="0" eaLnBrk="1" latinLnBrk="0" hangingPunct="1">
-              <a:defRPr sz="1800" kern="1200">
-                <a:solidFill>
-                  <a:schemeClr val="lt1"/>
-                </a:solidFill>
-                <a:latin typeface="+mn-lt"/>
-                <a:ea typeface="+mn-ea"/>
-                <a:cs typeface="+mn-cs"/>
-              </a:defRPr>
-            </a:lvl5pPr>
-            <a:lvl6pPr marL="2286000" algn="l" defTabSz="457200" rtl="0" eaLnBrk="1" latinLnBrk="0" hangingPunct="1">
-              <a:defRPr sz="1800" kern="1200">
-                <a:solidFill>
-                  <a:schemeClr val="lt1"/>
-                </a:solidFill>
-                <a:latin typeface="+mn-lt"/>
-                <a:ea typeface="+mn-ea"/>
-                <a:cs typeface="+mn-cs"/>
-              </a:defRPr>
-            </a:lvl6pPr>
-            <a:lvl7pPr marL="2743200" algn="l" defTabSz="457200" rtl="0" eaLnBrk="1" latinLnBrk="0" hangingPunct="1">
-              <a:defRPr sz="1800" kern="1200">
-                <a:solidFill>
-                  <a:schemeClr val="lt1"/>
-                </a:solidFill>
-                <a:latin typeface="+mn-lt"/>
-                <a:ea typeface="+mn-ea"/>
-                <a:cs typeface="+mn-cs"/>
-              </a:defRPr>
-            </a:lvl7pPr>
-            <a:lvl8pPr marL="3200400" algn="l" defTabSz="457200" rtl="0" eaLnBrk="1" latinLnBrk="0" hangingPunct="1">
-              <a:defRPr sz="1800" kern="1200">
-                <a:solidFill>
-                  <a:schemeClr val="lt1"/>
-                </a:solidFill>
-                <a:latin typeface="+mn-lt"/>
-                <a:ea typeface="+mn-ea"/>
-                <a:cs typeface="+mn-cs"/>
-              </a:defRPr>
-            </a:lvl8pPr>
-            <a:lvl9pPr marL="3657600" algn="l" defTabSz="457200" rtl="0" eaLnBrk="1" latinLnBrk="0" hangingPunct="1">
-              <a:defRPr sz="1800" kern="1200">
-                <a:solidFill>
-                  <a:schemeClr val="lt1"/>
-                </a:solidFill>
-                <a:latin typeface="+mn-lt"/>
-                <a:ea typeface="+mn-ea"/>
-                <a:cs typeface="+mn-cs"/>
-              </a:defRPr>
-            </a:lvl9pPr>
-          </a:lstStyle>
-          <a:p>
-            <a:endParaRPr lang="en-US"/>
-          </a:p>
-        </p:txBody>
       </p:sp>
       <p:sp>
         <p:nvSpPr>
           <p:cNvPr id="12" name="Rectangle 11"/>
           <p:cNvSpPr/>
-          <p:nvPr userDrawn="1"/>
+          <p:nvPr/>
         </p:nvSpPr>
         <p:spPr>
           <a:xfrm>
-            <a:off x="8959041" y="0"/>
+            <a:off x="8959042" y="0"/>
             <a:ext cx="184958" cy="2895600"/>
           </a:xfrm>
           <a:prstGeom prst="rect">
@@ -1332,117 +1121,16 @@
             <a:schemeClr val="lt1"/>
           </a:fontRef>
         </p:style>
-        <p:txBody>
-          <a:bodyPr/>
-          <a:lstStyle>
-            <a:defPPr>
-              <a:defRPr lang="en-US"/>
-            </a:defPPr>
-            <a:lvl1pPr marL="0" algn="l" defTabSz="457200" rtl="0" eaLnBrk="1" latinLnBrk="0" hangingPunct="1">
-              <a:defRPr sz="1800" kern="1200">
-                <a:solidFill>
-                  <a:schemeClr val="lt1"/>
-                </a:solidFill>
-                <a:latin typeface="+mn-lt"/>
-                <a:ea typeface="+mn-ea"/>
-                <a:cs typeface="+mn-cs"/>
-              </a:defRPr>
-            </a:lvl1pPr>
-            <a:lvl2pPr marL="457200" algn="l" defTabSz="457200" rtl="0" eaLnBrk="1" latinLnBrk="0" hangingPunct="1">
-              <a:defRPr sz="1800" kern="1200">
-                <a:solidFill>
-                  <a:schemeClr val="lt1"/>
-                </a:solidFill>
-                <a:latin typeface="+mn-lt"/>
-                <a:ea typeface="+mn-ea"/>
-                <a:cs typeface="+mn-cs"/>
-              </a:defRPr>
-            </a:lvl2pPr>
-            <a:lvl3pPr marL="914400" algn="l" defTabSz="457200" rtl="0" eaLnBrk="1" latinLnBrk="0" hangingPunct="1">
-              <a:defRPr sz="1800" kern="1200">
-                <a:solidFill>
-                  <a:schemeClr val="lt1"/>
-                </a:solidFill>
-                <a:latin typeface="+mn-lt"/>
-                <a:ea typeface="+mn-ea"/>
-                <a:cs typeface="+mn-cs"/>
-              </a:defRPr>
-            </a:lvl3pPr>
-            <a:lvl4pPr marL="1371600" algn="l" defTabSz="457200" rtl="0" eaLnBrk="1" latinLnBrk="0" hangingPunct="1">
-              <a:defRPr sz="1800" kern="1200">
-                <a:solidFill>
-                  <a:schemeClr val="lt1"/>
-                </a:solidFill>
-                <a:latin typeface="+mn-lt"/>
-                <a:ea typeface="+mn-ea"/>
-                <a:cs typeface="+mn-cs"/>
-              </a:defRPr>
-            </a:lvl4pPr>
-            <a:lvl5pPr marL="1828800" algn="l" defTabSz="457200" rtl="0" eaLnBrk="1" latinLnBrk="0" hangingPunct="1">
-              <a:defRPr sz="1800" kern="1200">
-                <a:solidFill>
-                  <a:schemeClr val="lt1"/>
-                </a:solidFill>
-                <a:latin typeface="+mn-lt"/>
-                <a:ea typeface="+mn-ea"/>
-                <a:cs typeface="+mn-cs"/>
-              </a:defRPr>
-            </a:lvl5pPr>
-            <a:lvl6pPr marL="2286000" algn="l" defTabSz="457200" rtl="0" eaLnBrk="1" latinLnBrk="0" hangingPunct="1">
-              <a:defRPr sz="1800" kern="1200">
-                <a:solidFill>
-                  <a:schemeClr val="lt1"/>
-                </a:solidFill>
-                <a:latin typeface="+mn-lt"/>
-                <a:ea typeface="+mn-ea"/>
-                <a:cs typeface="+mn-cs"/>
-              </a:defRPr>
-            </a:lvl6pPr>
-            <a:lvl7pPr marL="2743200" algn="l" defTabSz="457200" rtl="0" eaLnBrk="1" latinLnBrk="0" hangingPunct="1">
-              <a:defRPr sz="1800" kern="1200">
-                <a:solidFill>
-                  <a:schemeClr val="lt1"/>
-                </a:solidFill>
-                <a:latin typeface="+mn-lt"/>
-                <a:ea typeface="+mn-ea"/>
-                <a:cs typeface="+mn-cs"/>
-              </a:defRPr>
-            </a:lvl7pPr>
-            <a:lvl8pPr marL="3200400" algn="l" defTabSz="457200" rtl="0" eaLnBrk="1" latinLnBrk="0" hangingPunct="1">
-              <a:defRPr sz="1800" kern="1200">
-                <a:solidFill>
-                  <a:schemeClr val="lt1"/>
-                </a:solidFill>
-                <a:latin typeface="+mn-lt"/>
-                <a:ea typeface="+mn-ea"/>
-                <a:cs typeface="+mn-cs"/>
-              </a:defRPr>
-            </a:lvl8pPr>
-            <a:lvl9pPr marL="3657600" algn="l" defTabSz="457200" rtl="0" eaLnBrk="1" latinLnBrk="0" hangingPunct="1">
-              <a:defRPr sz="1800" kern="1200">
-                <a:solidFill>
-                  <a:schemeClr val="lt1"/>
-                </a:solidFill>
-                <a:latin typeface="+mn-lt"/>
-                <a:ea typeface="+mn-ea"/>
-                <a:cs typeface="+mn-cs"/>
-              </a:defRPr>
-            </a:lvl9pPr>
-          </a:lstStyle>
-          <a:p>
-            <a:endParaRPr lang="en-US"/>
-          </a:p>
-        </p:txBody>
       </p:sp>
       <p:sp>
         <p:nvSpPr>
           <p:cNvPr id="13" name="Rectangle 12"/>
           <p:cNvSpPr/>
-          <p:nvPr userDrawn="1"/>
+          <p:nvPr/>
         </p:nvSpPr>
         <p:spPr>
           <a:xfrm>
-            <a:off x="8923137" y="0"/>
+            <a:off x="8904666" y="0"/>
             <a:ext cx="91440" cy="6858000"/>
           </a:xfrm>
           <a:prstGeom prst="rect">
@@ -1471,6 +1159,155 @@
             <a:schemeClr val="lt1"/>
           </a:fontRef>
         </p:style>
+      </p:sp>
+      <p:pic>
+        <p:nvPicPr>
+          <p:cNvPr id="10" name="Picture 2" descr="EV3Lessons.com"/>
+          <p:cNvPicPr>
+            <a:picLocks noChangeAspect="1" noChangeArrowheads="1"/>
+          </p:cNvPicPr>
+          <p:nvPr/>
+        </p:nvPicPr>
+        <p:blipFill>
+          <a:blip r:embed="rId2">
+            <a:extLst>
+              <a:ext uri="{28A0092B-C50C-407E-A947-70E740481C1C}">
+                <a14:useLocalDpi xmlns:a14="http://schemas.microsoft.com/office/drawing/2010/main"/>
+              </a:ext>
+            </a:extLst>
+          </a:blip>
+          <a:srcRect/>
+          <a:stretch>
+            <a:fillRect/>
+          </a:stretch>
+        </p:blipFill>
+        <p:spPr bwMode="auto">
+          <a:xfrm>
+            <a:off x="690896" y="400415"/>
+            <a:ext cx="7741243" cy="2875320"/>
+          </a:xfrm>
+          <a:prstGeom prst="rect">
+            <a:avLst/>
+          </a:prstGeom>
+          <a:noFill/>
+          <a:extLst>
+            <a:ext uri="{909E8E84-426E-40dd-AFC4-6F175D3DCCD1}">
+              <a14:hiddenFill xmlns:a14="http://schemas.microsoft.com/office/drawing/2010/main" xmlns="">
+                <a:solidFill>
+                  <a:srgbClr val="FFFFFF"/>
+                </a:solidFill>
+              </a14:hiddenFill>
+            </a:ext>
+          </a:extLst>
+        </p:spPr>
+      </p:pic>
+      <p:sp>
+        <p:nvSpPr>
+          <p:cNvPr id="14" name="Title 1"/>
+          <p:cNvSpPr>
+            <a:spLocks noGrp="1"/>
+          </p:cNvSpPr>
+          <p:nvPr>
+            <p:ph type="ctrTitle" hasCustomPrompt="1"/>
+          </p:nvPr>
+        </p:nvSpPr>
+        <p:spPr>
+          <a:xfrm>
+            <a:off x="502903" y="5741850"/>
+            <a:ext cx="8117227" cy="602769"/>
+          </a:xfrm>
+        </p:spPr>
+        <p:txBody>
+          <a:bodyPr>
+            <a:noAutofit/>
+          </a:bodyPr>
+          <a:lstStyle>
+            <a:lvl1pPr>
+              <a:defRPr sz="2800"/>
+            </a:lvl1pPr>
+          </a:lstStyle>
+          <a:p>
+            <a:pPr algn="ctr"/>
+            <a:r>
+              <a:rPr lang="en-US" sz="3200" dirty="0" smtClean="0"/>
+              <a:t>BEGINNER PROGRAMMING LESSON</a:t>
+            </a:r>
+            <a:endParaRPr lang="en-US" sz="3200" dirty="0"/>
+          </a:p>
+        </p:txBody>
+      </p:sp>
+      <p:sp>
+        <p:nvSpPr>
+          <p:cNvPr id="15" name="TextBox 14"/>
+          <p:cNvSpPr txBox="1"/>
+          <p:nvPr/>
+        </p:nvSpPr>
+        <p:spPr>
+          <a:xfrm>
+            <a:off x="2078568" y="4119917"/>
+            <a:ext cx="4965896" cy="369332"/>
+          </a:xfrm>
+          <a:prstGeom prst="rect">
+            <a:avLst/>
+          </a:prstGeom>
+          <a:noFill/>
+        </p:spPr>
+        <p:txBody>
+          <a:bodyPr wrap="square" rtlCol="0">
+            <a:spAutoFit/>
+          </a:bodyPr>
+          <a:lstStyle/>
+          <a:p>
+            <a:pPr algn="ctr"/>
+            <a:r>
+              <a:rPr lang="en-US" dirty="0" smtClean="0"/>
+              <a:t>By Sanjay and Arvind </a:t>
+            </a:r>
+            <a:r>
+              <a:rPr lang="en-US" dirty="0" err="1" smtClean="0"/>
+              <a:t>Seshan</a:t>
+            </a:r>
+            <a:endParaRPr lang="en-US" dirty="0"/>
+          </a:p>
+        </p:txBody>
+      </p:sp>
+      <p:sp>
+        <p:nvSpPr>
+          <p:cNvPr id="16" name="Rectangle 15"/>
+          <p:cNvSpPr/>
+          <p:nvPr userDrawn="1"/>
+        </p:nvSpPr>
+        <p:spPr>
+          <a:xfrm>
+            <a:off x="8996105" y="2895600"/>
+            <a:ext cx="147895" cy="3962400"/>
+          </a:xfrm>
+          <a:prstGeom prst="rect">
+            <a:avLst/>
+          </a:prstGeom>
+          <a:solidFill>
+            <a:srgbClr val="92D050"/>
+          </a:solidFill>
+          <a:ln>
+            <a:noFill/>
+          </a:ln>
+        </p:spPr>
+        <p:style>
+          <a:lnRef idx="2">
+            <a:schemeClr val="accent1">
+              <a:shade val="50000"/>
+            </a:schemeClr>
+          </a:lnRef>
+          <a:fillRef idx="1">
+            <a:schemeClr val="accent1"/>
+          </a:fillRef>
+          <a:effectRef idx="0">
+            <a:schemeClr val="accent1"/>
+          </a:effectRef>
+          <a:fontRef idx="minor">
+            <a:schemeClr val="lt1"/>
+          </a:fontRef>
+        </p:style>
         <p:txBody>
           <a:bodyPr/>
           <a:lstStyle>
@@ -1573,11 +1410,301 @@
           </a:p>
         </p:txBody>
       </p:sp>
+      <p:sp>
+        <p:nvSpPr>
+          <p:cNvPr id="17" name="Rectangle 16"/>
+          <p:cNvSpPr/>
+          <p:nvPr userDrawn="1"/>
+        </p:nvSpPr>
+        <p:spPr>
+          <a:xfrm>
+            <a:off x="8959041" y="0"/>
+            <a:ext cx="184958" cy="2895600"/>
+          </a:xfrm>
+          <a:prstGeom prst="rect">
+            <a:avLst/>
+          </a:prstGeom>
+          <a:solidFill>
+            <a:srgbClr val="7030A0"/>
+          </a:solidFill>
+          <a:ln>
+            <a:noFill/>
+          </a:ln>
+        </p:spPr>
+        <p:style>
+          <a:lnRef idx="2">
+            <a:schemeClr val="accent1">
+              <a:shade val="50000"/>
+            </a:schemeClr>
+          </a:lnRef>
+          <a:fillRef idx="1">
+            <a:schemeClr val="accent1"/>
+          </a:fillRef>
+          <a:effectRef idx="0">
+            <a:schemeClr val="accent1"/>
+          </a:effectRef>
+          <a:fontRef idx="minor">
+            <a:schemeClr val="lt1"/>
+          </a:fontRef>
+        </p:style>
+        <p:txBody>
+          <a:bodyPr/>
+          <a:lstStyle>
+            <a:defPPr>
+              <a:defRPr lang="en-US"/>
+            </a:defPPr>
+            <a:lvl1pPr marL="0" algn="l" defTabSz="457200" rtl="0" eaLnBrk="1" latinLnBrk="0" hangingPunct="1">
+              <a:defRPr sz="1800" kern="1200">
+                <a:solidFill>
+                  <a:schemeClr val="lt1"/>
+                </a:solidFill>
+                <a:latin typeface="+mn-lt"/>
+                <a:ea typeface="+mn-ea"/>
+                <a:cs typeface="+mn-cs"/>
+              </a:defRPr>
+            </a:lvl1pPr>
+            <a:lvl2pPr marL="457200" algn="l" defTabSz="457200" rtl="0" eaLnBrk="1" latinLnBrk="0" hangingPunct="1">
+              <a:defRPr sz="1800" kern="1200">
+                <a:solidFill>
+                  <a:schemeClr val="lt1"/>
+                </a:solidFill>
+                <a:latin typeface="+mn-lt"/>
+                <a:ea typeface="+mn-ea"/>
+                <a:cs typeface="+mn-cs"/>
+              </a:defRPr>
+            </a:lvl2pPr>
+            <a:lvl3pPr marL="914400" algn="l" defTabSz="457200" rtl="0" eaLnBrk="1" latinLnBrk="0" hangingPunct="1">
+              <a:defRPr sz="1800" kern="1200">
+                <a:solidFill>
+                  <a:schemeClr val="lt1"/>
+                </a:solidFill>
+                <a:latin typeface="+mn-lt"/>
+                <a:ea typeface="+mn-ea"/>
+                <a:cs typeface="+mn-cs"/>
+              </a:defRPr>
+            </a:lvl3pPr>
+            <a:lvl4pPr marL="1371600" algn="l" defTabSz="457200" rtl="0" eaLnBrk="1" latinLnBrk="0" hangingPunct="1">
+              <a:defRPr sz="1800" kern="1200">
+                <a:solidFill>
+                  <a:schemeClr val="lt1"/>
+                </a:solidFill>
+                <a:latin typeface="+mn-lt"/>
+                <a:ea typeface="+mn-ea"/>
+                <a:cs typeface="+mn-cs"/>
+              </a:defRPr>
+            </a:lvl4pPr>
+            <a:lvl5pPr marL="1828800" algn="l" defTabSz="457200" rtl="0" eaLnBrk="1" latinLnBrk="0" hangingPunct="1">
+              <a:defRPr sz="1800" kern="1200">
+                <a:solidFill>
+                  <a:schemeClr val="lt1"/>
+                </a:solidFill>
+                <a:latin typeface="+mn-lt"/>
+                <a:ea typeface="+mn-ea"/>
+                <a:cs typeface="+mn-cs"/>
+              </a:defRPr>
+            </a:lvl5pPr>
+            <a:lvl6pPr marL="2286000" algn="l" defTabSz="457200" rtl="0" eaLnBrk="1" latinLnBrk="0" hangingPunct="1">
+              <a:defRPr sz="1800" kern="1200">
+                <a:solidFill>
+                  <a:schemeClr val="lt1"/>
+                </a:solidFill>
+                <a:latin typeface="+mn-lt"/>
+                <a:ea typeface="+mn-ea"/>
+                <a:cs typeface="+mn-cs"/>
+              </a:defRPr>
+            </a:lvl6pPr>
+            <a:lvl7pPr marL="2743200" algn="l" defTabSz="457200" rtl="0" eaLnBrk="1" latinLnBrk="0" hangingPunct="1">
+              <a:defRPr sz="1800" kern="1200">
+                <a:solidFill>
+                  <a:schemeClr val="lt1"/>
+                </a:solidFill>
+                <a:latin typeface="+mn-lt"/>
+                <a:ea typeface="+mn-ea"/>
+                <a:cs typeface="+mn-cs"/>
+              </a:defRPr>
+            </a:lvl7pPr>
+            <a:lvl8pPr marL="3200400" algn="l" defTabSz="457200" rtl="0" eaLnBrk="1" latinLnBrk="0" hangingPunct="1">
+              <a:defRPr sz="1800" kern="1200">
+                <a:solidFill>
+                  <a:schemeClr val="lt1"/>
+                </a:solidFill>
+                <a:latin typeface="+mn-lt"/>
+                <a:ea typeface="+mn-ea"/>
+                <a:cs typeface="+mn-cs"/>
+              </a:defRPr>
+            </a:lvl8pPr>
+            <a:lvl9pPr marL="3657600" algn="l" defTabSz="457200" rtl="0" eaLnBrk="1" latinLnBrk="0" hangingPunct="1">
+              <a:defRPr sz="1800" kern="1200">
+                <a:solidFill>
+                  <a:schemeClr val="lt1"/>
+                </a:solidFill>
+                <a:latin typeface="+mn-lt"/>
+                <a:ea typeface="+mn-ea"/>
+                <a:cs typeface="+mn-cs"/>
+              </a:defRPr>
+            </a:lvl9pPr>
+          </a:lstStyle>
+          <a:p>
+            <a:endParaRPr lang="en-US"/>
+          </a:p>
+        </p:txBody>
+      </p:sp>
+      <p:sp>
+        <p:nvSpPr>
+          <p:cNvPr id="18" name="Rectangle 17"/>
+          <p:cNvSpPr/>
+          <p:nvPr userDrawn="1"/>
+        </p:nvSpPr>
+        <p:spPr>
+          <a:xfrm>
+            <a:off x="8923137" y="0"/>
+            <a:ext cx="91440" cy="6858000"/>
+          </a:xfrm>
+          <a:prstGeom prst="rect">
+            <a:avLst/>
+          </a:prstGeom>
+          <a:solidFill>
+            <a:srgbClr val="0070C0"/>
+          </a:solidFill>
+          <a:ln>
+            <a:noFill/>
+          </a:ln>
+        </p:spPr>
+        <p:style>
+          <a:lnRef idx="2">
+            <a:schemeClr val="accent1">
+              <a:shade val="50000"/>
+            </a:schemeClr>
+          </a:lnRef>
+          <a:fillRef idx="1">
+            <a:schemeClr val="accent1"/>
+          </a:fillRef>
+          <a:effectRef idx="0">
+            <a:schemeClr val="accent1"/>
+          </a:effectRef>
+          <a:fontRef idx="minor">
+            <a:schemeClr val="lt1"/>
+          </a:fontRef>
+        </p:style>
+        <p:txBody>
+          <a:bodyPr/>
+          <a:lstStyle>
+            <a:defPPr>
+              <a:defRPr lang="en-US"/>
+            </a:defPPr>
+            <a:lvl1pPr marL="0" algn="l" defTabSz="457200" rtl="0" eaLnBrk="1" latinLnBrk="0" hangingPunct="1">
+              <a:defRPr sz="1800" kern="1200">
+                <a:solidFill>
+                  <a:schemeClr val="lt1"/>
+                </a:solidFill>
+                <a:latin typeface="+mn-lt"/>
+                <a:ea typeface="+mn-ea"/>
+                <a:cs typeface="+mn-cs"/>
+              </a:defRPr>
+            </a:lvl1pPr>
+            <a:lvl2pPr marL="457200" algn="l" defTabSz="457200" rtl="0" eaLnBrk="1" latinLnBrk="0" hangingPunct="1">
+              <a:defRPr sz="1800" kern="1200">
+                <a:solidFill>
+                  <a:schemeClr val="lt1"/>
+                </a:solidFill>
+                <a:latin typeface="+mn-lt"/>
+                <a:ea typeface="+mn-ea"/>
+                <a:cs typeface="+mn-cs"/>
+              </a:defRPr>
+            </a:lvl2pPr>
+            <a:lvl3pPr marL="914400" algn="l" defTabSz="457200" rtl="0" eaLnBrk="1" latinLnBrk="0" hangingPunct="1">
+              <a:defRPr sz="1800" kern="1200">
+                <a:solidFill>
+                  <a:schemeClr val="lt1"/>
+                </a:solidFill>
+                <a:latin typeface="+mn-lt"/>
+                <a:ea typeface="+mn-ea"/>
+                <a:cs typeface="+mn-cs"/>
+              </a:defRPr>
+            </a:lvl3pPr>
+            <a:lvl4pPr marL="1371600" algn="l" defTabSz="457200" rtl="0" eaLnBrk="1" latinLnBrk="0" hangingPunct="1">
+              <a:defRPr sz="1800" kern="1200">
+                <a:solidFill>
+                  <a:schemeClr val="lt1"/>
+                </a:solidFill>
+                <a:latin typeface="+mn-lt"/>
+                <a:ea typeface="+mn-ea"/>
+                <a:cs typeface="+mn-cs"/>
+              </a:defRPr>
+            </a:lvl4pPr>
+            <a:lvl5pPr marL="1828800" algn="l" defTabSz="457200" rtl="0" eaLnBrk="1" latinLnBrk="0" hangingPunct="1">
+              <a:defRPr sz="1800" kern="1200">
+                <a:solidFill>
+                  <a:schemeClr val="lt1"/>
+                </a:solidFill>
+                <a:latin typeface="+mn-lt"/>
+                <a:ea typeface="+mn-ea"/>
+                <a:cs typeface="+mn-cs"/>
+              </a:defRPr>
+            </a:lvl5pPr>
+            <a:lvl6pPr marL="2286000" algn="l" defTabSz="457200" rtl="0" eaLnBrk="1" latinLnBrk="0" hangingPunct="1">
+              <a:defRPr sz="1800" kern="1200">
+                <a:solidFill>
+                  <a:schemeClr val="lt1"/>
+                </a:solidFill>
+                <a:latin typeface="+mn-lt"/>
+                <a:ea typeface="+mn-ea"/>
+                <a:cs typeface="+mn-cs"/>
+              </a:defRPr>
+            </a:lvl6pPr>
+            <a:lvl7pPr marL="2743200" algn="l" defTabSz="457200" rtl="0" eaLnBrk="1" latinLnBrk="0" hangingPunct="1">
+              <a:defRPr sz="1800" kern="1200">
+                <a:solidFill>
+                  <a:schemeClr val="lt1"/>
+                </a:solidFill>
+                <a:latin typeface="+mn-lt"/>
+                <a:ea typeface="+mn-ea"/>
+                <a:cs typeface="+mn-cs"/>
+              </a:defRPr>
+            </a:lvl7pPr>
+            <a:lvl8pPr marL="3200400" algn="l" defTabSz="457200" rtl="0" eaLnBrk="1" latinLnBrk="0" hangingPunct="1">
+              <a:defRPr sz="1800" kern="1200">
+                <a:solidFill>
+                  <a:schemeClr val="lt1"/>
+                </a:solidFill>
+                <a:latin typeface="+mn-lt"/>
+                <a:ea typeface="+mn-ea"/>
+                <a:cs typeface="+mn-cs"/>
+              </a:defRPr>
+            </a:lvl8pPr>
+            <a:lvl9pPr marL="3657600" algn="l" defTabSz="457200" rtl="0" eaLnBrk="1" latinLnBrk="0" hangingPunct="1">
+              <a:defRPr sz="1800" kern="1200">
+                <a:solidFill>
+                  <a:schemeClr val="lt1"/>
+                </a:solidFill>
+                <a:latin typeface="+mn-lt"/>
+                <a:ea typeface="+mn-ea"/>
+                <a:cs typeface="+mn-cs"/>
+              </a:defRPr>
+            </a:lvl9pPr>
+          </a:lstStyle>
+          <a:p>
+            <a:endParaRPr lang="en-US"/>
+          </a:p>
+        </p:txBody>
+      </p:sp>
     </p:spTree>
+    <p:extLst>
+      <p:ext uri="{BB962C8B-B14F-4D97-AF65-F5344CB8AC3E}">
+        <p14:creationId xmlns:p14="http://schemas.microsoft.com/office/powerpoint/2010/main" val="423625976"/>
+      </p:ext>
+    </p:extLst>
   </p:cSld>
   <p:clrMapOvr>
     <a:masterClrMapping/>
   </p:clrMapOvr>
+  <p:timing>
+    <p:tnLst>
+      <p:par>
+        <p:cTn id="1" dur="indefinite" restart="never" nodeType="tmRoot"/>
+      </p:par>
+    </p:tnLst>
+  </p:timing>
 </p:sldLayout>
 </file>
 
@@ -1688,9 +1815,9 @@
           <a:bodyPr/>
           <a:lstStyle/>
           <a:p>
-            <a:fld id="{F6DC8337-FEF1-9C4F-9B94-C4CC29FEEDCB}" type="datetime1">
-              <a:rPr lang="en-US" smtClean="0"/>
-              <a:t>11/14/15</a:t>
+            <a:fld id="{CD1A5814-EB5C-5C43-8893-E3A1E466D3A0}" type="datetime1">
+              <a:rPr lang="en-US" smtClean="0"/>
+              <a:t>7/4/16</a:t>
             </a:fld>
             <a:endParaRPr lang="en-US"/>
           </a:p>
@@ -1713,7 +1840,7 @@
           <a:p>
             <a:r>
               <a:rPr lang="en-US" smtClean="0"/>
-              <a:t>© EV3Lessons.com, 2015, (Last edit: 2/28/2015)</a:t>
+              <a:t>© EV3Lessons.com, 2016, (Last edit: 7/04/2016)</a:t>
             </a:r>
             <a:endParaRPr lang="en-US"/>
           </a:p>
@@ -1729,7 +1856,15 @@
             <p:ph type="sldNum" sz="quarter" idx="12"/>
           </p:nvPr>
         </p:nvSpPr>
-        <p:spPr/>
+        <p:spPr>
+          <a:xfrm rot="16200000">
+            <a:off x="8227377" y="5885497"/>
+            <a:ext cx="1315721" cy="365125"/>
+          </a:xfrm>
+          <a:prstGeom prst="rect">
+            <a:avLst/>
+          </a:prstGeom>
+        </p:spPr>
         <p:txBody>
           <a:bodyPr/>
           <a:lstStyle/>
@@ -1743,6 +1878,11 @@
         </p:txBody>
       </p:sp>
     </p:spTree>
+    <p:extLst>
+      <p:ext uri="{BB962C8B-B14F-4D97-AF65-F5344CB8AC3E}">
+        <p14:creationId xmlns:p14="http://schemas.microsoft.com/office/powerpoint/2010/main" val="1966723354"/>
+      </p:ext>
+    </p:extLst>
   </p:cSld>
   <p:clrMapOvr>
     <a:masterClrMapping/>
@@ -1867,9 +2007,9 @@
           <a:bodyPr/>
           <a:lstStyle/>
           <a:p>
-            <a:fld id="{B42DB3E7-3AFD-0D40-AF6A-A4A3391BA5D3}" type="datetime1">
-              <a:rPr lang="en-US" smtClean="0"/>
-              <a:t>11/14/15</a:t>
+            <a:fld id="{74C6241F-BC3C-2D49-96A4-7629CBD53E4A}" type="datetime1">
+              <a:rPr lang="en-US" smtClean="0"/>
+              <a:t>7/4/16</a:t>
             </a:fld>
             <a:endParaRPr lang="en-US"/>
           </a:p>
@@ -1892,7 +2032,7 @@
           <a:p>
             <a:r>
               <a:rPr lang="en-US" smtClean="0"/>
-              <a:t>© EV3Lessons.com, 2015, (Last edit: 2/28/2015)</a:t>
+              <a:t>© EV3Lessons.com, 2016, (Last edit: 7/04/2016)</a:t>
             </a:r>
             <a:endParaRPr lang="en-US"/>
           </a:p>
@@ -1908,7 +2048,15 @@
             <p:ph type="sldNum" sz="quarter" idx="12"/>
           </p:nvPr>
         </p:nvSpPr>
-        <p:spPr/>
+        <p:spPr>
+          <a:xfrm rot="16200000">
+            <a:off x="8227377" y="5885497"/>
+            <a:ext cx="1315721" cy="365125"/>
+          </a:xfrm>
+          <a:prstGeom prst="rect">
+            <a:avLst/>
+          </a:prstGeom>
+        </p:spPr>
         <p:txBody>
           <a:bodyPr/>
           <a:lstStyle/>
@@ -1922,6 +2070,1740 @@
         </p:txBody>
       </p:sp>
     </p:spTree>
+    <p:extLst>
+      <p:ext uri="{BB962C8B-B14F-4D97-AF65-F5344CB8AC3E}">
+        <p14:creationId xmlns:p14="http://schemas.microsoft.com/office/powerpoint/2010/main" val="651116054"/>
+      </p:ext>
+    </p:extLst>
+  </p:cSld>
+  <p:clrMapOvr>
+    <a:masterClrMapping/>
+  </p:clrMapOvr>
+</p:sldLayout>
+</file>
+
+<file path=ppt/slideLayouts/slideLayout12.xml><?xml version="1.0" encoding="utf-8"?>
+<p:sldLayout xmlns:a="http://schemas.openxmlformats.org/drawingml/2006/main" xmlns:r="http://schemas.openxmlformats.org/officeDocument/2006/relationships" xmlns:p="http://schemas.openxmlformats.org/presentationml/2006/main" type="title" preserve="1">
+  <p:cSld name="Title Slide">
+    <p:spTree>
+      <p:nvGrpSpPr>
+        <p:cNvPr id="1" name=""/>
+        <p:cNvGrpSpPr/>
+        <p:nvPr/>
+      </p:nvGrpSpPr>
+      <p:grpSpPr>
+        <a:xfrm>
+          <a:off x="0" y="0"/>
+          <a:ext cx="0" cy="0"/>
+          <a:chOff x="0" y="0"/>
+          <a:chExt cx="0" cy="0"/>
+        </a:xfrm>
+      </p:grpSpPr>
+      <p:sp>
+        <p:nvSpPr>
+          <p:cNvPr id="2" name="Title 1"/>
+          <p:cNvSpPr>
+            <a:spLocks noGrp="1"/>
+          </p:cNvSpPr>
+          <p:nvPr>
+            <p:ph type="ctrTitle"/>
+          </p:nvPr>
+        </p:nvSpPr>
+        <p:spPr>
+          <a:xfrm>
+            <a:off x="1143000" y="1122363"/>
+            <a:ext cx="6858000" cy="2387600"/>
+          </a:xfrm>
+        </p:spPr>
+        <p:txBody>
+          <a:bodyPr anchor="b"/>
+          <a:lstStyle>
+            <a:lvl1pPr algn="ctr">
+              <a:defRPr sz="6000"/>
+            </a:lvl1pPr>
+          </a:lstStyle>
+          <a:p>
+            <a:r>
+              <a:rPr lang="en-US" smtClean="0"/>
+              <a:t>Click to edit Master title style</a:t>
+            </a:r>
+            <a:endParaRPr lang="en-US"/>
+          </a:p>
+        </p:txBody>
+      </p:sp>
+      <p:sp>
+        <p:nvSpPr>
+          <p:cNvPr id="3" name="Subtitle 2"/>
+          <p:cNvSpPr>
+            <a:spLocks noGrp="1"/>
+          </p:cNvSpPr>
+          <p:nvPr>
+            <p:ph type="subTitle" idx="1"/>
+          </p:nvPr>
+        </p:nvSpPr>
+        <p:spPr>
+          <a:xfrm>
+            <a:off x="1143000" y="3602038"/>
+            <a:ext cx="6858000" cy="1655762"/>
+          </a:xfrm>
+        </p:spPr>
+        <p:txBody>
+          <a:bodyPr/>
+          <a:lstStyle>
+            <a:lvl1pPr marL="0" indent="0" algn="ctr">
+              <a:buNone/>
+              <a:defRPr sz="2400"/>
+            </a:lvl1pPr>
+            <a:lvl2pPr marL="457200" indent="0" algn="ctr">
+              <a:buNone/>
+              <a:defRPr sz="2000"/>
+            </a:lvl2pPr>
+            <a:lvl3pPr marL="914400" indent="0" algn="ctr">
+              <a:buNone/>
+              <a:defRPr sz="1800"/>
+            </a:lvl3pPr>
+            <a:lvl4pPr marL="1371600" indent="0" algn="ctr">
+              <a:buNone/>
+              <a:defRPr sz="1600"/>
+            </a:lvl4pPr>
+            <a:lvl5pPr marL="1828800" indent="0" algn="ctr">
+              <a:buNone/>
+              <a:defRPr sz="1600"/>
+            </a:lvl5pPr>
+            <a:lvl6pPr marL="2286000" indent="0" algn="ctr">
+              <a:buNone/>
+              <a:defRPr sz="1600"/>
+            </a:lvl6pPr>
+            <a:lvl7pPr marL="2743200" indent="0" algn="ctr">
+              <a:buNone/>
+              <a:defRPr sz="1600"/>
+            </a:lvl7pPr>
+            <a:lvl8pPr marL="3200400" indent="0" algn="ctr">
+              <a:buNone/>
+              <a:defRPr sz="1600"/>
+            </a:lvl8pPr>
+            <a:lvl9pPr marL="3657600" indent="0" algn="ctr">
+              <a:buNone/>
+              <a:defRPr sz="1600"/>
+            </a:lvl9pPr>
+          </a:lstStyle>
+          <a:p>
+            <a:r>
+              <a:rPr lang="en-US" smtClean="0"/>
+              <a:t>Click to edit Master subtitle style</a:t>
+            </a:r>
+            <a:endParaRPr lang="en-US"/>
+          </a:p>
+        </p:txBody>
+      </p:sp>
+      <p:sp>
+        <p:nvSpPr>
+          <p:cNvPr id="4" name="Date Placeholder 3"/>
+          <p:cNvSpPr>
+            <a:spLocks noGrp="1"/>
+          </p:cNvSpPr>
+          <p:nvPr>
+            <p:ph type="dt" sz="half" idx="10"/>
+          </p:nvPr>
+        </p:nvSpPr>
+        <p:spPr/>
+        <p:txBody>
+          <a:bodyPr/>
+          <a:lstStyle/>
+          <a:p>
+            <a:fld id="{361BA138-36EF-EB49-B244-DC7F7EB12E8E}" type="datetime1">
+              <a:rPr lang="en-US" smtClean="0"/>
+              <a:t>7/4/16</a:t>
+            </a:fld>
+            <a:endParaRPr lang="en-US"/>
+          </a:p>
+        </p:txBody>
+      </p:sp>
+      <p:sp>
+        <p:nvSpPr>
+          <p:cNvPr id="5" name="Footer Placeholder 4"/>
+          <p:cNvSpPr>
+            <a:spLocks noGrp="1"/>
+          </p:cNvSpPr>
+          <p:nvPr>
+            <p:ph type="ftr" sz="quarter" idx="11"/>
+          </p:nvPr>
+        </p:nvSpPr>
+        <p:spPr/>
+        <p:txBody>
+          <a:bodyPr/>
+          <a:lstStyle/>
+          <a:p>
+            <a:r>
+              <a:rPr lang="en-US" smtClean="0"/>
+              <a:t>© EV3Lessons.com, 2016, (Last edit: 7/04/2016)</a:t>
+            </a:r>
+            <a:endParaRPr lang="en-US"/>
+          </a:p>
+        </p:txBody>
+      </p:sp>
+      <p:sp>
+        <p:nvSpPr>
+          <p:cNvPr id="6" name="Slide Number Placeholder 5"/>
+          <p:cNvSpPr>
+            <a:spLocks noGrp="1"/>
+          </p:cNvSpPr>
+          <p:nvPr>
+            <p:ph type="sldNum" sz="quarter" idx="12"/>
+          </p:nvPr>
+        </p:nvSpPr>
+        <p:spPr/>
+        <p:txBody>
+          <a:bodyPr/>
+          <a:lstStyle/>
+          <a:p>
+            <a:fld id="{DE42E464-3EB8-43C8-8768-9E2AD4F497B7}" type="slidenum">
+              <a:rPr lang="en-US" smtClean="0"/>
+              <a:t>‹#›</a:t>
+            </a:fld>
+            <a:endParaRPr lang="en-US"/>
+          </a:p>
+        </p:txBody>
+      </p:sp>
+    </p:spTree>
+    <p:extLst>
+      <p:ext uri="{BB962C8B-B14F-4D97-AF65-F5344CB8AC3E}">
+        <p14:creationId xmlns:p14="http://schemas.microsoft.com/office/powerpoint/2010/main" val="1219054291"/>
+      </p:ext>
+    </p:extLst>
+  </p:cSld>
+  <p:clrMapOvr>
+    <a:masterClrMapping/>
+  </p:clrMapOvr>
+</p:sldLayout>
+</file>
+
+<file path=ppt/slideLayouts/slideLayout13.xml><?xml version="1.0" encoding="utf-8"?>
+<p:sldLayout xmlns:a="http://schemas.openxmlformats.org/drawingml/2006/main" xmlns:r="http://schemas.openxmlformats.org/officeDocument/2006/relationships" xmlns:p="http://schemas.openxmlformats.org/presentationml/2006/main" type="obj" preserve="1">
+  <p:cSld name="Title and Content">
+    <p:spTree>
+      <p:nvGrpSpPr>
+        <p:cNvPr id="1" name=""/>
+        <p:cNvGrpSpPr/>
+        <p:nvPr/>
+      </p:nvGrpSpPr>
+      <p:grpSpPr>
+        <a:xfrm>
+          <a:off x="0" y="0"/>
+          <a:ext cx="0" cy="0"/>
+          <a:chOff x="0" y="0"/>
+          <a:chExt cx="0" cy="0"/>
+        </a:xfrm>
+      </p:grpSpPr>
+      <p:sp>
+        <p:nvSpPr>
+          <p:cNvPr id="2" name="Title 1"/>
+          <p:cNvSpPr>
+            <a:spLocks noGrp="1"/>
+          </p:cNvSpPr>
+          <p:nvPr>
+            <p:ph type="title"/>
+          </p:nvPr>
+        </p:nvSpPr>
+        <p:spPr/>
+        <p:txBody>
+          <a:bodyPr/>
+          <a:lstStyle/>
+          <a:p>
+            <a:r>
+              <a:rPr lang="en-US" smtClean="0"/>
+              <a:t>Click to edit Master title style</a:t>
+            </a:r>
+            <a:endParaRPr lang="en-US"/>
+          </a:p>
+        </p:txBody>
+      </p:sp>
+      <p:sp>
+        <p:nvSpPr>
+          <p:cNvPr id="3" name="Content Placeholder 2"/>
+          <p:cNvSpPr>
+            <a:spLocks noGrp="1"/>
+          </p:cNvSpPr>
+          <p:nvPr>
+            <p:ph idx="1"/>
+          </p:nvPr>
+        </p:nvSpPr>
+        <p:spPr/>
+        <p:txBody>
+          <a:bodyPr/>
+          <a:lstStyle/>
+          <a:p>
+            <a:pPr lvl="0"/>
+            <a:r>
+              <a:rPr lang="en-US" smtClean="0"/>
+              <a:t>Click to edit Master text styles</a:t>
+            </a:r>
+          </a:p>
+          <a:p>
+            <a:pPr lvl="1"/>
+            <a:r>
+              <a:rPr lang="en-US" smtClean="0"/>
+              <a:t>Second level</a:t>
+            </a:r>
+          </a:p>
+          <a:p>
+            <a:pPr lvl="2"/>
+            <a:r>
+              <a:rPr lang="en-US" smtClean="0"/>
+              <a:t>Third level</a:t>
+            </a:r>
+          </a:p>
+          <a:p>
+            <a:pPr lvl="3"/>
+            <a:r>
+              <a:rPr lang="en-US" smtClean="0"/>
+              <a:t>Fourth level</a:t>
+            </a:r>
+          </a:p>
+          <a:p>
+            <a:pPr lvl="4"/>
+            <a:r>
+              <a:rPr lang="en-US" smtClean="0"/>
+              <a:t>Fifth level</a:t>
+            </a:r>
+            <a:endParaRPr lang="en-US"/>
+          </a:p>
+        </p:txBody>
+      </p:sp>
+      <p:sp>
+        <p:nvSpPr>
+          <p:cNvPr id="4" name="Date Placeholder 3"/>
+          <p:cNvSpPr>
+            <a:spLocks noGrp="1"/>
+          </p:cNvSpPr>
+          <p:nvPr>
+            <p:ph type="dt" sz="half" idx="10"/>
+          </p:nvPr>
+        </p:nvSpPr>
+        <p:spPr/>
+        <p:txBody>
+          <a:bodyPr/>
+          <a:lstStyle/>
+          <a:p>
+            <a:fld id="{42258BE9-0262-064A-B226-10710A049D36}" type="datetime1">
+              <a:rPr lang="en-US" smtClean="0"/>
+              <a:t>7/4/16</a:t>
+            </a:fld>
+            <a:endParaRPr lang="en-US"/>
+          </a:p>
+        </p:txBody>
+      </p:sp>
+      <p:sp>
+        <p:nvSpPr>
+          <p:cNvPr id="5" name="Footer Placeholder 4"/>
+          <p:cNvSpPr>
+            <a:spLocks noGrp="1"/>
+          </p:cNvSpPr>
+          <p:nvPr>
+            <p:ph type="ftr" sz="quarter" idx="11"/>
+          </p:nvPr>
+        </p:nvSpPr>
+        <p:spPr/>
+        <p:txBody>
+          <a:bodyPr/>
+          <a:lstStyle/>
+          <a:p>
+            <a:r>
+              <a:rPr lang="en-US" smtClean="0"/>
+              <a:t>© EV3Lessons.com, 2016, (Last edit: 7/04/2016)</a:t>
+            </a:r>
+            <a:endParaRPr lang="en-US"/>
+          </a:p>
+        </p:txBody>
+      </p:sp>
+      <p:sp>
+        <p:nvSpPr>
+          <p:cNvPr id="6" name="Slide Number Placeholder 5"/>
+          <p:cNvSpPr>
+            <a:spLocks noGrp="1"/>
+          </p:cNvSpPr>
+          <p:nvPr>
+            <p:ph type="sldNum" sz="quarter" idx="12"/>
+          </p:nvPr>
+        </p:nvSpPr>
+        <p:spPr/>
+        <p:txBody>
+          <a:bodyPr/>
+          <a:lstStyle/>
+          <a:p>
+            <a:fld id="{DE42E464-3EB8-43C8-8768-9E2AD4F497B7}" type="slidenum">
+              <a:rPr lang="en-US" smtClean="0"/>
+              <a:t>‹#›</a:t>
+            </a:fld>
+            <a:endParaRPr lang="en-US"/>
+          </a:p>
+        </p:txBody>
+      </p:sp>
+    </p:spTree>
+    <p:extLst>
+      <p:ext uri="{BB962C8B-B14F-4D97-AF65-F5344CB8AC3E}">
+        <p14:creationId xmlns:p14="http://schemas.microsoft.com/office/powerpoint/2010/main" val="1651476457"/>
+      </p:ext>
+    </p:extLst>
+  </p:cSld>
+  <p:clrMapOvr>
+    <a:masterClrMapping/>
+  </p:clrMapOvr>
+</p:sldLayout>
+</file>
+
+<file path=ppt/slideLayouts/slideLayout14.xml><?xml version="1.0" encoding="utf-8"?>
+<p:sldLayout xmlns:a="http://schemas.openxmlformats.org/drawingml/2006/main" xmlns:r="http://schemas.openxmlformats.org/officeDocument/2006/relationships" xmlns:p="http://schemas.openxmlformats.org/presentationml/2006/main" type="secHead" preserve="1">
+  <p:cSld name="Section Header">
+    <p:spTree>
+      <p:nvGrpSpPr>
+        <p:cNvPr id="1" name=""/>
+        <p:cNvGrpSpPr/>
+        <p:nvPr/>
+      </p:nvGrpSpPr>
+      <p:grpSpPr>
+        <a:xfrm>
+          <a:off x="0" y="0"/>
+          <a:ext cx="0" cy="0"/>
+          <a:chOff x="0" y="0"/>
+          <a:chExt cx="0" cy="0"/>
+        </a:xfrm>
+      </p:grpSpPr>
+      <p:sp>
+        <p:nvSpPr>
+          <p:cNvPr id="2" name="Title 1"/>
+          <p:cNvSpPr>
+            <a:spLocks noGrp="1"/>
+          </p:cNvSpPr>
+          <p:nvPr>
+            <p:ph type="title"/>
+          </p:nvPr>
+        </p:nvSpPr>
+        <p:spPr>
+          <a:xfrm>
+            <a:off x="623888" y="1709738"/>
+            <a:ext cx="7886700" cy="2852737"/>
+          </a:xfrm>
+        </p:spPr>
+        <p:txBody>
+          <a:bodyPr anchor="b"/>
+          <a:lstStyle>
+            <a:lvl1pPr>
+              <a:defRPr sz="6000"/>
+            </a:lvl1pPr>
+          </a:lstStyle>
+          <a:p>
+            <a:r>
+              <a:rPr lang="en-US" smtClean="0"/>
+              <a:t>Click to edit Master title style</a:t>
+            </a:r>
+            <a:endParaRPr lang="en-US"/>
+          </a:p>
+        </p:txBody>
+      </p:sp>
+      <p:sp>
+        <p:nvSpPr>
+          <p:cNvPr id="3" name="Text Placeholder 2"/>
+          <p:cNvSpPr>
+            <a:spLocks noGrp="1"/>
+          </p:cNvSpPr>
+          <p:nvPr>
+            <p:ph type="body" idx="1"/>
+          </p:nvPr>
+        </p:nvSpPr>
+        <p:spPr>
+          <a:xfrm>
+            <a:off x="623888" y="4589463"/>
+            <a:ext cx="7886700" cy="1500187"/>
+          </a:xfrm>
+        </p:spPr>
+        <p:txBody>
+          <a:bodyPr/>
+          <a:lstStyle>
+            <a:lvl1pPr marL="0" indent="0">
+              <a:buNone/>
+              <a:defRPr sz="2400">
+                <a:solidFill>
+                  <a:schemeClr val="tx1">
+                    <a:tint val="75000"/>
+                  </a:schemeClr>
+                </a:solidFill>
+              </a:defRPr>
+            </a:lvl1pPr>
+            <a:lvl2pPr marL="457200" indent="0">
+              <a:buNone/>
+              <a:defRPr sz="2000">
+                <a:solidFill>
+                  <a:schemeClr val="tx1">
+                    <a:tint val="75000"/>
+                  </a:schemeClr>
+                </a:solidFill>
+              </a:defRPr>
+            </a:lvl2pPr>
+            <a:lvl3pPr marL="914400" indent="0">
+              <a:buNone/>
+              <a:defRPr sz="1800">
+                <a:solidFill>
+                  <a:schemeClr val="tx1">
+                    <a:tint val="75000"/>
+                  </a:schemeClr>
+                </a:solidFill>
+              </a:defRPr>
+            </a:lvl3pPr>
+            <a:lvl4pPr marL="1371600" indent="0">
+              <a:buNone/>
+              <a:defRPr sz="1600">
+                <a:solidFill>
+                  <a:schemeClr val="tx1">
+                    <a:tint val="75000"/>
+                  </a:schemeClr>
+                </a:solidFill>
+              </a:defRPr>
+            </a:lvl4pPr>
+            <a:lvl5pPr marL="1828800" indent="0">
+              <a:buNone/>
+              <a:defRPr sz="1600">
+                <a:solidFill>
+                  <a:schemeClr val="tx1">
+                    <a:tint val="75000"/>
+                  </a:schemeClr>
+                </a:solidFill>
+              </a:defRPr>
+            </a:lvl5pPr>
+            <a:lvl6pPr marL="2286000" indent="0">
+              <a:buNone/>
+              <a:defRPr sz="1600">
+                <a:solidFill>
+                  <a:schemeClr val="tx1">
+                    <a:tint val="75000"/>
+                  </a:schemeClr>
+                </a:solidFill>
+              </a:defRPr>
+            </a:lvl6pPr>
+            <a:lvl7pPr marL="2743200" indent="0">
+              <a:buNone/>
+              <a:defRPr sz="1600">
+                <a:solidFill>
+                  <a:schemeClr val="tx1">
+                    <a:tint val="75000"/>
+                  </a:schemeClr>
+                </a:solidFill>
+              </a:defRPr>
+            </a:lvl7pPr>
+            <a:lvl8pPr marL="3200400" indent="0">
+              <a:buNone/>
+              <a:defRPr sz="1600">
+                <a:solidFill>
+                  <a:schemeClr val="tx1">
+                    <a:tint val="75000"/>
+                  </a:schemeClr>
+                </a:solidFill>
+              </a:defRPr>
+            </a:lvl8pPr>
+            <a:lvl9pPr marL="3657600" indent="0">
+              <a:buNone/>
+              <a:defRPr sz="1600">
+                <a:solidFill>
+                  <a:schemeClr val="tx1">
+                    <a:tint val="75000"/>
+                  </a:schemeClr>
+                </a:solidFill>
+              </a:defRPr>
+            </a:lvl9pPr>
+          </a:lstStyle>
+          <a:p>
+            <a:pPr lvl="0"/>
+            <a:r>
+              <a:rPr lang="en-US" smtClean="0"/>
+              <a:t>Click to edit Master text styles</a:t>
+            </a:r>
+          </a:p>
+        </p:txBody>
+      </p:sp>
+      <p:sp>
+        <p:nvSpPr>
+          <p:cNvPr id="4" name="Date Placeholder 3"/>
+          <p:cNvSpPr>
+            <a:spLocks noGrp="1"/>
+          </p:cNvSpPr>
+          <p:nvPr>
+            <p:ph type="dt" sz="half" idx="10"/>
+          </p:nvPr>
+        </p:nvSpPr>
+        <p:spPr/>
+        <p:txBody>
+          <a:bodyPr/>
+          <a:lstStyle/>
+          <a:p>
+            <a:fld id="{3CE214CE-5CD9-7748-B7E2-9EB59D6E682B}" type="datetime1">
+              <a:rPr lang="en-US" smtClean="0"/>
+              <a:t>7/4/16</a:t>
+            </a:fld>
+            <a:endParaRPr lang="en-US"/>
+          </a:p>
+        </p:txBody>
+      </p:sp>
+      <p:sp>
+        <p:nvSpPr>
+          <p:cNvPr id="5" name="Footer Placeholder 4"/>
+          <p:cNvSpPr>
+            <a:spLocks noGrp="1"/>
+          </p:cNvSpPr>
+          <p:nvPr>
+            <p:ph type="ftr" sz="quarter" idx="11"/>
+          </p:nvPr>
+        </p:nvSpPr>
+        <p:spPr/>
+        <p:txBody>
+          <a:bodyPr/>
+          <a:lstStyle/>
+          <a:p>
+            <a:r>
+              <a:rPr lang="en-US" smtClean="0"/>
+              <a:t>© EV3Lessons.com, 2016, (Last edit: 7/04/2016)</a:t>
+            </a:r>
+            <a:endParaRPr lang="en-US"/>
+          </a:p>
+        </p:txBody>
+      </p:sp>
+      <p:sp>
+        <p:nvSpPr>
+          <p:cNvPr id="6" name="Slide Number Placeholder 5"/>
+          <p:cNvSpPr>
+            <a:spLocks noGrp="1"/>
+          </p:cNvSpPr>
+          <p:nvPr>
+            <p:ph type="sldNum" sz="quarter" idx="12"/>
+          </p:nvPr>
+        </p:nvSpPr>
+        <p:spPr/>
+        <p:txBody>
+          <a:bodyPr/>
+          <a:lstStyle/>
+          <a:p>
+            <a:fld id="{DE42E464-3EB8-43C8-8768-9E2AD4F497B7}" type="slidenum">
+              <a:rPr lang="en-US" smtClean="0"/>
+              <a:t>‹#›</a:t>
+            </a:fld>
+            <a:endParaRPr lang="en-US"/>
+          </a:p>
+        </p:txBody>
+      </p:sp>
+    </p:spTree>
+    <p:extLst>
+      <p:ext uri="{BB962C8B-B14F-4D97-AF65-F5344CB8AC3E}">
+        <p14:creationId xmlns:p14="http://schemas.microsoft.com/office/powerpoint/2010/main" val="138675324"/>
+      </p:ext>
+    </p:extLst>
+  </p:cSld>
+  <p:clrMapOvr>
+    <a:masterClrMapping/>
+  </p:clrMapOvr>
+</p:sldLayout>
+</file>
+
+<file path=ppt/slideLayouts/slideLayout15.xml><?xml version="1.0" encoding="utf-8"?>
+<p:sldLayout xmlns:a="http://schemas.openxmlformats.org/drawingml/2006/main" xmlns:r="http://schemas.openxmlformats.org/officeDocument/2006/relationships" xmlns:p="http://schemas.openxmlformats.org/presentationml/2006/main" type="twoObj" preserve="1">
+  <p:cSld name="Two Content">
+    <p:spTree>
+      <p:nvGrpSpPr>
+        <p:cNvPr id="1" name=""/>
+        <p:cNvGrpSpPr/>
+        <p:nvPr/>
+      </p:nvGrpSpPr>
+      <p:grpSpPr>
+        <a:xfrm>
+          <a:off x="0" y="0"/>
+          <a:ext cx="0" cy="0"/>
+          <a:chOff x="0" y="0"/>
+          <a:chExt cx="0" cy="0"/>
+        </a:xfrm>
+      </p:grpSpPr>
+      <p:sp>
+        <p:nvSpPr>
+          <p:cNvPr id="2" name="Title 1"/>
+          <p:cNvSpPr>
+            <a:spLocks noGrp="1"/>
+          </p:cNvSpPr>
+          <p:nvPr>
+            <p:ph type="title"/>
+          </p:nvPr>
+        </p:nvSpPr>
+        <p:spPr/>
+        <p:txBody>
+          <a:bodyPr/>
+          <a:lstStyle/>
+          <a:p>
+            <a:r>
+              <a:rPr lang="en-US" smtClean="0"/>
+              <a:t>Click to edit Master title style</a:t>
+            </a:r>
+            <a:endParaRPr lang="en-US"/>
+          </a:p>
+        </p:txBody>
+      </p:sp>
+      <p:sp>
+        <p:nvSpPr>
+          <p:cNvPr id="3" name="Content Placeholder 2"/>
+          <p:cNvSpPr>
+            <a:spLocks noGrp="1"/>
+          </p:cNvSpPr>
+          <p:nvPr>
+            <p:ph sz="half" idx="1"/>
+          </p:nvPr>
+        </p:nvSpPr>
+        <p:spPr>
+          <a:xfrm>
+            <a:off x="628650" y="1825625"/>
+            <a:ext cx="3867150" cy="4351338"/>
+          </a:xfrm>
+        </p:spPr>
+        <p:txBody>
+          <a:bodyPr/>
+          <a:lstStyle/>
+          <a:p>
+            <a:pPr lvl="0"/>
+            <a:r>
+              <a:rPr lang="en-US" smtClean="0"/>
+              <a:t>Click to edit Master text styles</a:t>
+            </a:r>
+          </a:p>
+          <a:p>
+            <a:pPr lvl="1"/>
+            <a:r>
+              <a:rPr lang="en-US" smtClean="0"/>
+              <a:t>Second level</a:t>
+            </a:r>
+          </a:p>
+          <a:p>
+            <a:pPr lvl="2"/>
+            <a:r>
+              <a:rPr lang="en-US" smtClean="0"/>
+              <a:t>Third level</a:t>
+            </a:r>
+          </a:p>
+          <a:p>
+            <a:pPr lvl="3"/>
+            <a:r>
+              <a:rPr lang="en-US" smtClean="0"/>
+              <a:t>Fourth level</a:t>
+            </a:r>
+          </a:p>
+          <a:p>
+            <a:pPr lvl="4"/>
+            <a:r>
+              <a:rPr lang="en-US" smtClean="0"/>
+              <a:t>Fifth level</a:t>
+            </a:r>
+            <a:endParaRPr lang="en-US"/>
+          </a:p>
+        </p:txBody>
+      </p:sp>
+      <p:sp>
+        <p:nvSpPr>
+          <p:cNvPr id="4" name="Content Placeholder 3"/>
+          <p:cNvSpPr>
+            <a:spLocks noGrp="1"/>
+          </p:cNvSpPr>
+          <p:nvPr>
+            <p:ph sz="half" idx="2"/>
+          </p:nvPr>
+        </p:nvSpPr>
+        <p:spPr>
+          <a:xfrm>
+            <a:off x="4648200" y="1825625"/>
+            <a:ext cx="3867150" cy="4351338"/>
+          </a:xfrm>
+        </p:spPr>
+        <p:txBody>
+          <a:bodyPr/>
+          <a:lstStyle/>
+          <a:p>
+            <a:pPr lvl="0"/>
+            <a:r>
+              <a:rPr lang="en-US" smtClean="0"/>
+              <a:t>Click to edit Master text styles</a:t>
+            </a:r>
+          </a:p>
+          <a:p>
+            <a:pPr lvl="1"/>
+            <a:r>
+              <a:rPr lang="en-US" smtClean="0"/>
+              <a:t>Second level</a:t>
+            </a:r>
+          </a:p>
+          <a:p>
+            <a:pPr lvl="2"/>
+            <a:r>
+              <a:rPr lang="en-US" smtClean="0"/>
+              <a:t>Third level</a:t>
+            </a:r>
+          </a:p>
+          <a:p>
+            <a:pPr lvl="3"/>
+            <a:r>
+              <a:rPr lang="en-US" smtClean="0"/>
+              <a:t>Fourth level</a:t>
+            </a:r>
+          </a:p>
+          <a:p>
+            <a:pPr lvl="4"/>
+            <a:r>
+              <a:rPr lang="en-US" smtClean="0"/>
+              <a:t>Fifth level</a:t>
+            </a:r>
+            <a:endParaRPr lang="en-US"/>
+          </a:p>
+        </p:txBody>
+      </p:sp>
+      <p:sp>
+        <p:nvSpPr>
+          <p:cNvPr id="5" name="Date Placeholder 4"/>
+          <p:cNvSpPr>
+            <a:spLocks noGrp="1"/>
+          </p:cNvSpPr>
+          <p:nvPr>
+            <p:ph type="dt" sz="half" idx="10"/>
+          </p:nvPr>
+        </p:nvSpPr>
+        <p:spPr/>
+        <p:txBody>
+          <a:bodyPr/>
+          <a:lstStyle/>
+          <a:p>
+            <a:fld id="{0311AD66-07C7-7846-BD7D-06164D63E6C5}" type="datetime1">
+              <a:rPr lang="en-US" smtClean="0"/>
+              <a:t>7/4/16</a:t>
+            </a:fld>
+            <a:endParaRPr lang="en-US"/>
+          </a:p>
+        </p:txBody>
+      </p:sp>
+      <p:sp>
+        <p:nvSpPr>
+          <p:cNvPr id="6" name="Footer Placeholder 5"/>
+          <p:cNvSpPr>
+            <a:spLocks noGrp="1"/>
+          </p:cNvSpPr>
+          <p:nvPr>
+            <p:ph type="ftr" sz="quarter" idx="11"/>
+          </p:nvPr>
+        </p:nvSpPr>
+        <p:spPr/>
+        <p:txBody>
+          <a:bodyPr/>
+          <a:lstStyle/>
+          <a:p>
+            <a:r>
+              <a:rPr lang="en-US" smtClean="0"/>
+              <a:t>© EV3Lessons.com, 2016, (Last edit: 7/04/2016)</a:t>
+            </a:r>
+            <a:endParaRPr lang="en-US"/>
+          </a:p>
+        </p:txBody>
+      </p:sp>
+      <p:sp>
+        <p:nvSpPr>
+          <p:cNvPr id="7" name="Slide Number Placeholder 6"/>
+          <p:cNvSpPr>
+            <a:spLocks noGrp="1"/>
+          </p:cNvSpPr>
+          <p:nvPr>
+            <p:ph type="sldNum" sz="quarter" idx="12"/>
+          </p:nvPr>
+        </p:nvSpPr>
+        <p:spPr/>
+        <p:txBody>
+          <a:bodyPr/>
+          <a:lstStyle/>
+          <a:p>
+            <a:fld id="{DE42E464-3EB8-43C8-8768-9E2AD4F497B7}" type="slidenum">
+              <a:rPr lang="en-US" smtClean="0"/>
+              <a:t>‹#›</a:t>
+            </a:fld>
+            <a:endParaRPr lang="en-US"/>
+          </a:p>
+        </p:txBody>
+      </p:sp>
+    </p:spTree>
+    <p:extLst>
+      <p:ext uri="{BB962C8B-B14F-4D97-AF65-F5344CB8AC3E}">
+        <p14:creationId xmlns:p14="http://schemas.microsoft.com/office/powerpoint/2010/main" val="696413473"/>
+      </p:ext>
+    </p:extLst>
+  </p:cSld>
+  <p:clrMapOvr>
+    <a:masterClrMapping/>
+  </p:clrMapOvr>
+</p:sldLayout>
+</file>
+
+<file path=ppt/slideLayouts/slideLayout16.xml><?xml version="1.0" encoding="utf-8"?>
+<p:sldLayout xmlns:a="http://schemas.openxmlformats.org/drawingml/2006/main" xmlns:r="http://schemas.openxmlformats.org/officeDocument/2006/relationships" xmlns:p="http://schemas.openxmlformats.org/presentationml/2006/main" type="twoTxTwoObj" preserve="1">
+  <p:cSld name="Comparison">
+    <p:spTree>
+      <p:nvGrpSpPr>
+        <p:cNvPr id="1" name=""/>
+        <p:cNvGrpSpPr/>
+        <p:nvPr/>
+      </p:nvGrpSpPr>
+      <p:grpSpPr>
+        <a:xfrm>
+          <a:off x="0" y="0"/>
+          <a:ext cx="0" cy="0"/>
+          <a:chOff x="0" y="0"/>
+          <a:chExt cx="0" cy="0"/>
+        </a:xfrm>
+      </p:grpSpPr>
+      <p:sp>
+        <p:nvSpPr>
+          <p:cNvPr id="2" name="Title 1"/>
+          <p:cNvSpPr>
+            <a:spLocks noGrp="1"/>
+          </p:cNvSpPr>
+          <p:nvPr>
+            <p:ph type="title"/>
+          </p:nvPr>
+        </p:nvSpPr>
+        <p:spPr>
+          <a:xfrm>
+            <a:off x="630238" y="365125"/>
+            <a:ext cx="7886700" cy="1325563"/>
+          </a:xfrm>
+        </p:spPr>
+        <p:txBody>
+          <a:bodyPr/>
+          <a:lstStyle/>
+          <a:p>
+            <a:r>
+              <a:rPr lang="en-US" smtClean="0"/>
+              <a:t>Click to edit Master title style</a:t>
+            </a:r>
+            <a:endParaRPr lang="en-US"/>
+          </a:p>
+        </p:txBody>
+      </p:sp>
+      <p:sp>
+        <p:nvSpPr>
+          <p:cNvPr id="3" name="Text Placeholder 2"/>
+          <p:cNvSpPr>
+            <a:spLocks noGrp="1"/>
+          </p:cNvSpPr>
+          <p:nvPr>
+            <p:ph type="body" idx="1"/>
+          </p:nvPr>
+        </p:nvSpPr>
+        <p:spPr>
+          <a:xfrm>
+            <a:off x="630238" y="1681163"/>
+            <a:ext cx="3868737" cy="823912"/>
+          </a:xfrm>
+        </p:spPr>
+        <p:txBody>
+          <a:bodyPr anchor="b"/>
+          <a:lstStyle>
+            <a:lvl1pPr marL="0" indent="0">
+              <a:buNone/>
+              <a:defRPr sz="2400" b="1"/>
+            </a:lvl1pPr>
+            <a:lvl2pPr marL="457200" indent="0">
+              <a:buNone/>
+              <a:defRPr sz="2000" b="1"/>
+            </a:lvl2pPr>
+            <a:lvl3pPr marL="914400" indent="0">
+              <a:buNone/>
+              <a:defRPr sz="1800" b="1"/>
+            </a:lvl3pPr>
+            <a:lvl4pPr marL="1371600" indent="0">
+              <a:buNone/>
+              <a:defRPr sz="1600" b="1"/>
+            </a:lvl4pPr>
+            <a:lvl5pPr marL="1828800" indent="0">
+              <a:buNone/>
+              <a:defRPr sz="1600" b="1"/>
+            </a:lvl5pPr>
+            <a:lvl6pPr marL="2286000" indent="0">
+              <a:buNone/>
+              <a:defRPr sz="1600" b="1"/>
+            </a:lvl6pPr>
+            <a:lvl7pPr marL="2743200" indent="0">
+              <a:buNone/>
+              <a:defRPr sz="1600" b="1"/>
+            </a:lvl7pPr>
+            <a:lvl8pPr marL="3200400" indent="0">
+              <a:buNone/>
+              <a:defRPr sz="1600" b="1"/>
+            </a:lvl8pPr>
+            <a:lvl9pPr marL="3657600" indent="0">
+              <a:buNone/>
+              <a:defRPr sz="1600" b="1"/>
+            </a:lvl9pPr>
+          </a:lstStyle>
+          <a:p>
+            <a:pPr lvl="0"/>
+            <a:r>
+              <a:rPr lang="en-US" smtClean="0"/>
+              <a:t>Click to edit Master text styles</a:t>
+            </a:r>
+          </a:p>
+        </p:txBody>
+      </p:sp>
+      <p:sp>
+        <p:nvSpPr>
+          <p:cNvPr id="4" name="Content Placeholder 3"/>
+          <p:cNvSpPr>
+            <a:spLocks noGrp="1"/>
+          </p:cNvSpPr>
+          <p:nvPr>
+            <p:ph sz="half" idx="2"/>
+          </p:nvPr>
+        </p:nvSpPr>
+        <p:spPr>
+          <a:xfrm>
+            <a:off x="630238" y="2505075"/>
+            <a:ext cx="3868737" cy="3684588"/>
+          </a:xfrm>
+        </p:spPr>
+        <p:txBody>
+          <a:bodyPr/>
+          <a:lstStyle/>
+          <a:p>
+            <a:pPr lvl="0"/>
+            <a:r>
+              <a:rPr lang="en-US" smtClean="0"/>
+              <a:t>Click to edit Master text styles</a:t>
+            </a:r>
+          </a:p>
+          <a:p>
+            <a:pPr lvl="1"/>
+            <a:r>
+              <a:rPr lang="en-US" smtClean="0"/>
+              <a:t>Second level</a:t>
+            </a:r>
+          </a:p>
+          <a:p>
+            <a:pPr lvl="2"/>
+            <a:r>
+              <a:rPr lang="en-US" smtClean="0"/>
+              <a:t>Third level</a:t>
+            </a:r>
+          </a:p>
+          <a:p>
+            <a:pPr lvl="3"/>
+            <a:r>
+              <a:rPr lang="en-US" smtClean="0"/>
+              <a:t>Fourth level</a:t>
+            </a:r>
+          </a:p>
+          <a:p>
+            <a:pPr lvl="4"/>
+            <a:r>
+              <a:rPr lang="en-US" smtClean="0"/>
+              <a:t>Fifth level</a:t>
+            </a:r>
+            <a:endParaRPr lang="en-US"/>
+          </a:p>
+        </p:txBody>
+      </p:sp>
+      <p:sp>
+        <p:nvSpPr>
+          <p:cNvPr id="5" name="Text Placeholder 4"/>
+          <p:cNvSpPr>
+            <a:spLocks noGrp="1"/>
+          </p:cNvSpPr>
+          <p:nvPr>
+            <p:ph type="body" sz="quarter" idx="3"/>
+          </p:nvPr>
+        </p:nvSpPr>
+        <p:spPr>
+          <a:xfrm>
+            <a:off x="4629150" y="1681163"/>
+            <a:ext cx="3887788" cy="823912"/>
+          </a:xfrm>
+        </p:spPr>
+        <p:txBody>
+          <a:bodyPr anchor="b"/>
+          <a:lstStyle>
+            <a:lvl1pPr marL="0" indent="0">
+              <a:buNone/>
+              <a:defRPr sz="2400" b="1"/>
+            </a:lvl1pPr>
+            <a:lvl2pPr marL="457200" indent="0">
+              <a:buNone/>
+              <a:defRPr sz="2000" b="1"/>
+            </a:lvl2pPr>
+            <a:lvl3pPr marL="914400" indent="0">
+              <a:buNone/>
+              <a:defRPr sz="1800" b="1"/>
+            </a:lvl3pPr>
+            <a:lvl4pPr marL="1371600" indent="0">
+              <a:buNone/>
+              <a:defRPr sz="1600" b="1"/>
+            </a:lvl4pPr>
+            <a:lvl5pPr marL="1828800" indent="0">
+              <a:buNone/>
+              <a:defRPr sz="1600" b="1"/>
+            </a:lvl5pPr>
+            <a:lvl6pPr marL="2286000" indent="0">
+              <a:buNone/>
+              <a:defRPr sz="1600" b="1"/>
+            </a:lvl6pPr>
+            <a:lvl7pPr marL="2743200" indent="0">
+              <a:buNone/>
+              <a:defRPr sz="1600" b="1"/>
+            </a:lvl7pPr>
+            <a:lvl8pPr marL="3200400" indent="0">
+              <a:buNone/>
+              <a:defRPr sz="1600" b="1"/>
+            </a:lvl8pPr>
+            <a:lvl9pPr marL="3657600" indent="0">
+              <a:buNone/>
+              <a:defRPr sz="1600" b="1"/>
+            </a:lvl9pPr>
+          </a:lstStyle>
+          <a:p>
+            <a:pPr lvl="0"/>
+            <a:r>
+              <a:rPr lang="en-US" smtClean="0"/>
+              <a:t>Click to edit Master text styles</a:t>
+            </a:r>
+          </a:p>
+        </p:txBody>
+      </p:sp>
+      <p:sp>
+        <p:nvSpPr>
+          <p:cNvPr id="6" name="Content Placeholder 5"/>
+          <p:cNvSpPr>
+            <a:spLocks noGrp="1"/>
+          </p:cNvSpPr>
+          <p:nvPr>
+            <p:ph sz="quarter" idx="4"/>
+          </p:nvPr>
+        </p:nvSpPr>
+        <p:spPr>
+          <a:xfrm>
+            <a:off x="4629150" y="2505075"/>
+            <a:ext cx="3887788" cy="3684588"/>
+          </a:xfrm>
+        </p:spPr>
+        <p:txBody>
+          <a:bodyPr/>
+          <a:lstStyle/>
+          <a:p>
+            <a:pPr lvl="0"/>
+            <a:r>
+              <a:rPr lang="en-US" smtClean="0"/>
+              <a:t>Click to edit Master text styles</a:t>
+            </a:r>
+          </a:p>
+          <a:p>
+            <a:pPr lvl="1"/>
+            <a:r>
+              <a:rPr lang="en-US" smtClean="0"/>
+              <a:t>Second level</a:t>
+            </a:r>
+          </a:p>
+          <a:p>
+            <a:pPr lvl="2"/>
+            <a:r>
+              <a:rPr lang="en-US" smtClean="0"/>
+              <a:t>Third level</a:t>
+            </a:r>
+          </a:p>
+          <a:p>
+            <a:pPr lvl="3"/>
+            <a:r>
+              <a:rPr lang="en-US" smtClean="0"/>
+              <a:t>Fourth level</a:t>
+            </a:r>
+          </a:p>
+          <a:p>
+            <a:pPr lvl="4"/>
+            <a:r>
+              <a:rPr lang="en-US" smtClean="0"/>
+              <a:t>Fifth level</a:t>
+            </a:r>
+            <a:endParaRPr lang="en-US"/>
+          </a:p>
+        </p:txBody>
+      </p:sp>
+      <p:sp>
+        <p:nvSpPr>
+          <p:cNvPr id="7" name="Date Placeholder 6"/>
+          <p:cNvSpPr>
+            <a:spLocks noGrp="1"/>
+          </p:cNvSpPr>
+          <p:nvPr>
+            <p:ph type="dt" sz="half" idx="10"/>
+          </p:nvPr>
+        </p:nvSpPr>
+        <p:spPr/>
+        <p:txBody>
+          <a:bodyPr/>
+          <a:lstStyle/>
+          <a:p>
+            <a:fld id="{C7590DDF-86FE-EB42-BEC9-3B5CC66C661A}" type="datetime1">
+              <a:rPr lang="en-US" smtClean="0"/>
+              <a:t>7/4/16</a:t>
+            </a:fld>
+            <a:endParaRPr lang="en-US"/>
+          </a:p>
+        </p:txBody>
+      </p:sp>
+      <p:sp>
+        <p:nvSpPr>
+          <p:cNvPr id="8" name="Footer Placeholder 7"/>
+          <p:cNvSpPr>
+            <a:spLocks noGrp="1"/>
+          </p:cNvSpPr>
+          <p:nvPr>
+            <p:ph type="ftr" sz="quarter" idx="11"/>
+          </p:nvPr>
+        </p:nvSpPr>
+        <p:spPr/>
+        <p:txBody>
+          <a:bodyPr/>
+          <a:lstStyle/>
+          <a:p>
+            <a:r>
+              <a:rPr lang="en-US" smtClean="0"/>
+              <a:t>© EV3Lessons.com, 2016, (Last edit: 7/04/2016)</a:t>
+            </a:r>
+            <a:endParaRPr lang="en-US"/>
+          </a:p>
+        </p:txBody>
+      </p:sp>
+      <p:sp>
+        <p:nvSpPr>
+          <p:cNvPr id="9" name="Slide Number Placeholder 8"/>
+          <p:cNvSpPr>
+            <a:spLocks noGrp="1"/>
+          </p:cNvSpPr>
+          <p:nvPr>
+            <p:ph type="sldNum" sz="quarter" idx="12"/>
+          </p:nvPr>
+        </p:nvSpPr>
+        <p:spPr/>
+        <p:txBody>
+          <a:bodyPr/>
+          <a:lstStyle/>
+          <a:p>
+            <a:fld id="{DE42E464-3EB8-43C8-8768-9E2AD4F497B7}" type="slidenum">
+              <a:rPr lang="en-US" smtClean="0"/>
+              <a:t>‹#›</a:t>
+            </a:fld>
+            <a:endParaRPr lang="en-US"/>
+          </a:p>
+        </p:txBody>
+      </p:sp>
+    </p:spTree>
+    <p:extLst>
+      <p:ext uri="{BB962C8B-B14F-4D97-AF65-F5344CB8AC3E}">
+        <p14:creationId xmlns:p14="http://schemas.microsoft.com/office/powerpoint/2010/main" val="835364561"/>
+      </p:ext>
+    </p:extLst>
+  </p:cSld>
+  <p:clrMapOvr>
+    <a:masterClrMapping/>
+  </p:clrMapOvr>
+</p:sldLayout>
+</file>
+
+<file path=ppt/slideLayouts/slideLayout17.xml><?xml version="1.0" encoding="utf-8"?>
+<p:sldLayout xmlns:a="http://schemas.openxmlformats.org/drawingml/2006/main" xmlns:r="http://schemas.openxmlformats.org/officeDocument/2006/relationships" xmlns:p="http://schemas.openxmlformats.org/presentationml/2006/main" type="titleOnly" preserve="1">
+  <p:cSld name="Title Only">
+    <p:spTree>
+      <p:nvGrpSpPr>
+        <p:cNvPr id="1" name=""/>
+        <p:cNvGrpSpPr/>
+        <p:nvPr/>
+      </p:nvGrpSpPr>
+      <p:grpSpPr>
+        <a:xfrm>
+          <a:off x="0" y="0"/>
+          <a:ext cx="0" cy="0"/>
+          <a:chOff x="0" y="0"/>
+          <a:chExt cx="0" cy="0"/>
+        </a:xfrm>
+      </p:grpSpPr>
+      <p:sp>
+        <p:nvSpPr>
+          <p:cNvPr id="2" name="Title 1"/>
+          <p:cNvSpPr>
+            <a:spLocks noGrp="1"/>
+          </p:cNvSpPr>
+          <p:nvPr>
+            <p:ph type="title"/>
+          </p:nvPr>
+        </p:nvSpPr>
+        <p:spPr/>
+        <p:txBody>
+          <a:bodyPr/>
+          <a:lstStyle/>
+          <a:p>
+            <a:r>
+              <a:rPr lang="en-US" smtClean="0"/>
+              <a:t>Click to edit Master title style</a:t>
+            </a:r>
+            <a:endParaRPr lang="en-US"/>
+          </a:p>
+        </p:txBody>
+      </p:sp>
+      <p:sp>
+        <p:nvSpPr>
+          <p:cNvPr id="3" name="Date Placeholder 2"/>
+          <p:cNvSpPr>
+            <a:spLocks noGrp="1"/>
+          </p:cNvSpPr>
+          <p:nvPr>
+            <p:ph type="dt" sz="half" idx="10"/>
+          </p:nvPr>
+        </p:nvSpPr>
+        <p:spPr/>
+        <p:txBody>
+          <a:bodyPr/>
+          <a:lstStyle/>
+          <a:p>
+            <a:fld id="{871A44A7-58F8-574B-9177-DF89F5712002}" type="datetime1">
+              <a:rPr lang="en-US" smtClean="0"/>
+              <a:t>7/4/16</a:t>
+            </a:fld>
+            <a:endParaRPr lang="en-US"/>
+          </a:p>
+        </p:txBody>
+      </p:sp>
+      <p:sp>
+        <p:nvSpPr>
+          <p:cNvPr id="4" name="Footer Placeholder 3"/>
+          <p:cNvSpPr>
+            <a:spLocks noGrp="1"/>
+          </p:cNvSpPr>
+          <p:nvPr>
+            <p:ph type="ftr" sz="quarter" idx="11"/>
+          </p:nvPr>
+        </p:nvSpPr>
+        <p:spPr/>
+        <p:txBody>
+          <a:bodyPr/>
+          <a:lstStyle/>
+          <a:p>
+            <a:r>
+              <a:rPr lang="en-US" smtClean="0"/>
+              <a:t>© EV3Lessons.com, 2016, (Last edit: 7/04/2016)</a:t>
+            </a:r>
+            <a:endParaRPr lang="en-US"/>
+          </a:p>
+        </p:txBody>
+      </p:sp>
+      <p:sp>
+        <p:nvSpPr>
+          <p:cNvPr id="5" name="Slide Number Placeholder 4"/>
+          <p:cNvSpPr>
+            <a:spLocks noGrp="1"/>
+          </p:cNvSpPr>
+          <p:nvPr>
+            <p:ph type="sldNum" sz="quarter" idx="12"/>
+          </p:nvPr>
+        </p:nvSpPr>
+        <p:spPr/>
+        <p:txBody>
+          <a:bodyPr/>
+          <a:lstStyle/>
+          <a:p>
+            <a:fld id="{DE42E464-3EB8-43C8-8768-9E2AD4F497B7}" type="slidenum">
+              <a:rPr lang="en-US" smtClean="0"/>
+              <a:t>‹#›</a:t>
+            </a:fld>
+            <a:endParaRPr lang="en-US"/>
+          </a:p>
+        </p:txBody>
+      </p:sp>
+    </p:spTree>
+    <p:extLst>
+      <p:ext uri="{BB962C8B-B14F-4D97-AF65-F5344CB8AC3E}">
+        <p14:creationId xmlns:p14="http://schemas.microsoft.com/office/powerpoint/2010/main" val="1871576288"/>
+      </p:ext>
+    </p:extLst>
+  </p:cSld>
+  <p:clrMapOvr>
+    <a:masterClrMapping/>
+  </p:clrMapOvr>
+</p:sldLayout>
+</file>
+
+<file path=ppt/slideLayouts/slideLayout18.xml><?xml version="1.0" encoding="utf-8"?>
+<p:sldLayout xmlns:a="http://schemas.openxmlformats.org/drawingml/2006/main" xmlns:r="http://schemas.openxmlformats.org/officeDocument/2006/relationships" xmlns:p="http://schemas.openxmlformats.org/presentationml/2006/main" type="blank" preserve="1">
+  <p:cSld name="Blank">
+    <p:spTree>
+      <p:nvGrpSpPr>
+        <p:cNvPr id="1" name=""/>
+        <p:cNvGrpSpPr/>
+        <p:nvPr/>
+      </p:nvGrpSpPr>
+      <p:grpSpPr>
+        <a:xfrm>
+          <a:off x="0" y="0"/>
+          <a:ext cx="0" cy="0"/>
+          <a:chOff x="0" y="0"/>
+          <a:chExt cx="0" cy="0"/>
+        </a:xfrm>
+      </p:grpSpPr>
+      <p:sp>
+        <p:nvSpPr>
+          <p:cNvPr id="2" name="Date Placeholder 1"/>
+          <p:cNvSpPr>
+            <a:spLocks noGrp="1"/>
+          </p:cNvSpPr>
+          <p:nvPr>
+            <p:ph type="dt" sz="half" idx="10"/>
+          </p:nvPr>
+        </p:nvSpPr>
+        <p:spPr/>
+        <p:txBody>
+          <a:bodyPr/>
+          <a:lstStyle/>
+          <a:p>
+            <a:fld id="{463E8BD3-5D28-B748-8169-60ADEC58A485}" type="datetime1">
+              <a:rPr lang="en-US" smtClean="0"/>
+              <a:t>7/4/16</a:t>
+            </a:fld>
+            <a:endParaRPr lang="en-US"/>
+          </a:p>
+        </p:txBody>
+      </p:sp>
+      <p:sp>
+        <p:nvSpPr>
+          <p:cNvPr id="3" name="Footer Placeholder 2"/>
+          <p:cNvSpPr>
+            <a:spLocks noGrp="1"/>
+          </p:cNvSpPr>
+          <p:nvPr>
+            <p:ph type="ftr" sz="quarter" idx="11"/>
+          </p:nvPr>
+        </p:nvSpPr>
+        <p:spPr/>
+        <p:txBody>
+          <a:bodyPr/>
+          <a:lstStyle/>
+          <a:p>
+            <a:r>
+              <a:rPr lang="en-US" smtClean="0"/>
+              <a:t>© EV3Lessons.com, 2016, (Last edit: 7/04/2016)</a:t>
+            </a:r>
+            <a:endParaRPr lang="en-US"/>
+          </a:p>
+        </p:txBody>
+      </p:sp>
+      <p:sp>
+        <p:nvSpPr>
+          <p:cNvPr id="4" name="Slide Number Placeholder 3"/>
+          <p:cNvSpPr>
+            <a:spLocks noGrp="1"/>
+          </p:cNvSpPr>
+          <p:nvPr>
+            <p:ph type="sldNum" sz="quarter" idx="12"/>
+          </p:nvPr>
+        </p:nvSpPr>
+        <p:spPr/>
+        <p:txBody>
+          <a:bodyPr/>
+          <a:lstStyle/>
+          <a:p>
+            <a:fld id="{DE42E464-3EB8-43C8-8768-9E2AD4F497B7}" type="slidenum">
+              <a:rPr lang="en-US" smtClean="0"/>
+              <a:t>‹#›</a:t>
+            </a:fld>
+            <a:endParaRPr lang="en-US"/>
+          </a:p>
+        </p:txBody>
+      </p:sp>
+    </p:spTree>
+    <p:extLst>
+      <p:ext uri="{BB962C8B-B14F-4D97-AF65-F5344CB8AC3E}">
+        <p14:creationId xmlns:p14="http://schemas.microsoft.com/office/powerpoint/2010/main" val="1389694807"/>
+      </p:ext>
+    </p:extLst>
+  </p:cSld>
+  <p:clrMapOvr>
+    <a:masterClrMapping/>
+  </p:clrMapOvr>
+</p:sldLayout>
+</file>
+
+<file path=ppt/slideLayouts/slideLayout19.xml><?xml version="1.0" encoding="utf-8"?>
+<p:sldLayout xmlns:a="http://schemas.openxmlformats.org/drawingml/2006/main" xmlns:r="http://schemas.openxmlformats.org/officeDocument/2006/relationships" xmlns:p="http://schemas.openxmlformats.org/presentationml/2006/main" type="objTx" preserve="1">
+  <p:cSld name="Content with Caption">
+    <p:spTree>
+      <p:nvGrpSpPr>
+        <p:cNvPr id="1" name=""/>
+        <p:cNvGrpSpPr/>
+        <p:nvPr/>
+      </p:nvGrpSpPr>
+      <p:grpSpPr>
+        <a:xfrm>
+          <a:off x="0" y="0"/>
+          <a:ext cx="0" cy="0"/>
+          <a:chOff x="0" y="0"/>
+          <a:chExt cx="0" cy="0"/>
+        </a:xfrm>
+      </p:grpSpPr>
+      <p:sp>
+        <p:nvSpPr>
+          <p:cNvPr id="2" name="Title 1"/>
+          <p:cNvSpPr>
+            <a:spLocks noGrp="1"/>
+          </p:cNvSpPr>
+          <p:nvPr>
+            <p:ph type="title"/>
+          </p:nvPr>
+        </p:nvSpPr>
+        <p:spPr>
+          <a:xfrm>
+            <a:off x="630238" y="457200"/>
+            <a:ext cx="2949575" cy="1600200"/>
+          </a:xfrm>
+        </p:spPr>
+        <p:txBody>
+          <a:bodyPr anchor="b"/>
+          <a:lstStyle>
+            <a:lvl1pPr>
+              <a:defRPr sz="3200"/>
+            </a:lvl1pPr>
+          </a:lstStyle>
+          <a:p>
+            <a:r>
+              <a:rPr lang="en-US" smtClean="0"/>
+              <a:t>Click to edit Master title style</a:t>
+            </a:r>
+            <a:endParaRPr lang="en-US"/>
+          </a:p>
+        </p:txBody>
+      </p:sp>
+      <p:sp>
+        <p:nvSpPr>
+          <p:cNvPr id="3" name="Content Placeholder 2"/>
+          <p:cNvSpPr>
+            <a:spLocks noGrp="1"/>
+          </p:cNvSpPr>
+          <p:nvPr>
+            <p:ph idx="1"/>
+          </p:nvPr>
+        </p:nvSpPr>
+        <p:spPr>
+          <a:xfrm>
+            <a:off x="3887788" y="987425"/>
+            <a:ext cx="4629150" cy="4873625"/>
+          </a:xfrm>
+        </p:spPr>
+        <p:txBody>
+          <a:bodyPr/>
+          <a:lstStyle>
+            <a:lvl1pPr>
+              <a:defRPr sz="3200"/>
+            </a:lvl1pPr>
+            <a:lvl2pPr>
+              <a:defRPr sz="2800"/>
+            </a:lvl2pPr>
+            <a:lvl3pPr>
+              <a:defRPr sz="2400"/>
+            </a:lvl3pPr>
+            <a:lvl4pPr>
+              <a:defRPr sz="2000"/>
+            </a:lvl4pPr>
+            <a:lvl5pPr>
+              <a:defRPr sz="2000"/>
+            </a:lvl5pPr>
+            <a:lvl6pPr>
+              <a:defRPr sz="2000"/>
+            </a:lvl6pPr>
+            <a:lvl7pPr>
+              <a:defRPr sz="2000"/>
+            </a:lvl7pPr>
+            <a:lvl8pPr>
+              <a:defRPr sz="2000"/>
+            </a:lvl8pPr>
+            <a:lvl9pPr>
+              <a:defRPr sz="2000"/>
+            </a:lvl9pPr>
+          </a:lstStyle>
+          <a:p>
+            <a:pPr lvl="0"/>
+            <a:r>
+              <a:rPr lang="en-US" smtClean="0"/>
+              <a:t>Click to edit Master text styles</a:t>
+            </a:r>
+          </a:p>
+          <a:p>
+            <a:pPr lvl="1"/>
+            <a:r>
+              <a:rPr lang="en-US" smtClean="0"/>
+              <a:t>Second level</a:t>
+            </a:r>
+          </a:p>
+          <a:p>
+            <a:pPr lvl="2"/>
+            <a:r>
+              <a:rPr lang="en-US" smtClean="0"/>
+              <a:t>Third level</a:t>
+            </a:r>
+          </a:p>
+          <a:p>
+            <a:pPr lvl="3"/>
+            <a:r>
+              <a:rPr lang="en-US" smtClean="0"/>
+              <a:t>Fourth level</a:t>
+            </a:r>
+          </a:p>
+          <a:p>
+            <a:pPr lvl="4"/>
+            <a:r>
+              <a:rPr lang="en-US" smtClean="0"/>
+              <a:t>Fifth level</a:t>
+            </a:r>
+            <a:endParaRPr lang="en-US"/>
+          </a:p>
+        </p:txBody>
+      </p:sp>
+      <p:sp>
+        <p:nvSpPr>
+          <p:cNvPr id="4" name="Text Placeholder 3"/>
+          <p:cNvSpPr>
+            <a:spLocks noGrp="1"/>
+          </p:cNvSpPr>
+          <p:nvPr>
+            <p:ph type="body" sz="half" idx="2"/>
+          </p:nvPr>
+        </p:nvSpPr>
+        <p:spPr>
+          <a:xfrm>
+            <a:off x="630238" y="2057400"/>
+            <a:ext cx="2949575" cy="3811588"/>
+          </a:xfrm>
+        </p:spPr>
+        <p:txBody>
+          <a:bodyPr/>
+          <a:lstStyle>
+            <a:lvl1pPr marL="0" indent="0">
+              <a:buNone/>
+              <a:defRPr sz="1600"/>
+            </a:lvl1pPr>
+            <a:lvl2pPr marL="457200" indent="0">
+              <a:buNone/>
+              <a:defRPr sz="1400"/>
+            </a:lvl2pPr>
+            <a:lvl3pPr marL="914400" indent="0">
+              <a:buNone/>
+              <a:defRPr sz="1200"/>
+            </a:lvl3pPr>
+            <a:lvl4pPr marL="1371600" indent="0">
+              <a:buNone/>
+              <a:defRPr sz="1000"/>
+            </a:lvl4pPr>
+            <a:lvl5pPr marL="1828800" indent="0">
+              <a:buNone/>
+              <a:defRPr sz="1000"/>
+            </a:lvl5pPr>
+            <a:lvl6pPr marL="2286000" indent="0">
+              <a:buNone/>
+              <a:defRPr sz="1000"/>
+            </a:lvl6pPr>
+            <a:lvl7pPr marL="2743200" indent="0">
+              <a:buNone/>
+              <a:defRPr sz="1000"/>
+            </a:lvl7pPr>
+            <a:lvl8pPr marL="3200400" indent="0">
+              <a:buNone/>
+              <a:defRPr sz="1000"/>
+            </a:lvl8pPr>
+            <a:lvl9pPr marL="3657600" indent="0">
+              <a:buNone/>
+              <a:defRPr sz="1000"/>
+            </a:lvl9pPr>
+          </a:lstStyle>
+          <a:p>
+            <a:pPr lvl="0"/>
+            <a:r>
+              <a:rPr lang="en-US" smtClean="0"/>
+              <a:t>Click to edit Master text styles</a:t>
+            </a:r>
+          </a:p>
+        </p:txBody>
+      </p:sp>
+      <p:sp>
+        <p:nvSpPr>
+          <p:cNvPr id="5" name="Date Placeholder 4"/>
+          <p:cNvSpPr>
+            <a:spLocks noGrp="1"/>
+          </p:cNvSpPr>
+          <p:nvPr>
+            <p:ph type="dt" sz="half" idx="10"/>
+          </p:nvPr>
+        </p:nvSpPr>
+        <p:spPr/>
+        <p:txBody>
+          <a:bodyPr/>
+          <a:lstStyle/>
+          <a:p>
+            <a:fld id="{F2E1E608-A730-9F41-B145-F3D6C32D1769}" type="datetime1">
+              <a:rPr lang="en-US" smtClean="0"/>
+              <a:t>7/4/16</a:t>
+            </a:fld>
+            <a:endParaRPr lang="en-US"/>
+          </a:p>
+        </p:txBody>
+      </p:sp>
+      <p:sp>
+        <p:nvSpPr>
+          <p:cNvPr id="6" name="Footer Placeholder 5"/>
+          <p:cNvSpPr>
+            <a:spLocks noGrp="1"/>
+          </p:cNvSpPr>
+          <p:nvPr>
+            <p:ph type="ftr" sz="quarter" idx="11"/>
+          </p:nvPr>
+        </p:nvSpPr>
+        <p:spPr/>
+        <p:txBody>
+          <a:bodyPr/>
+          <a:lstStyle/>
+          <a:p>
+            <a:r>
+              <a:rPr lang="en-US" smtClean="0"/>
+              <a:t>© EV3Lessons.com, 2016, (Last edit: 7/04/2016)</a:t>
+            </a:r>
+            <a:endParaRPr lang="en-US"/>
+          </a:p>
+        </p:txBody>
+      </p:sp>
+      <p:sp>
+        <p:nvSpPr>
+          <p:cNvPr id="7" name="Slide Number Placeholder 6"/>
+          <p:cNvSpPr>
+            <a:spLocks noGrp="1"/>
+          </p:cNvSpPr>
+          <p:nvPr>
+            <p:ph type="sldNum" sz="quarter" idx="12"/>
+          </p:nvPr>
+        </p:nvSpPr>
+        <p:spPr/>
+        <p:txBody>
+          <a:bodyPr/>
+          <a:lstStyle/>
+          <a:p>
+            <a:fld id="{DE42E464-3EB8-43C8-8768-9E2AD4F497B7}" type="slidenum">
+              <a:rPr lang="en-US" smtClean="0"/>
+              <a:t>‹#›</a:t>
+            </a:fld>
+            <a:endParaRPr lang="en-US"/>
+          </a:p>
+        </p:txBody>
+      </p:sp>
+    </p:spTree>
+    <p:extLst>
+      <p:ext uri="{BB962C8B-B14F-4D97-AF65-F5344CB8AC3E}">
+        <p14:creationId xmlns:p14="http://schemas.microsoft.com/office/powerpoint/2010/main" val="568476477"/>
+      </p:ext>
+    </p:extLst>
   </p:cSld>
   <p:clrMapOvr>
     <a:masterClrMapping/>
@@ -2046,9 +3928,9 @@
           <a:bodyPr/>
           <a:lstStyle/>
           <a:p>
-            <a:fld id="{E0D8F6E6-7F1E-FF49-A346-9F74402A4C27}" type="datetime1">
-              <a:rPr lang="en-US" smtClean="0"/>
-              <a:t>11/14/15</a:t>
+            <a:fld id="{9B654988-891D-234B-9FFE-78D7B2394916}" type="datetime1">
+              <a:rPr lang="en-US" smtClean="0"/>
+              <a:t>7/4/16</a:t>
             </a:fld>
             <a:endParaRPr lang="en-US"/>
           </a:p>
@@ -2071,7 +3953,7 @@
           <a:p>
             <a:r>
               <a:rPr lang="en-US" smtClean="0"/>
-              <a:t>© EV3Lessons.com, 2015, (Last edit: 2/28/2015)</a:t>
+              <a:t>© EV3Lessons.com, 2016, (Last edit: 7/04/2016)</a:t>
             </a:r>
             <a:endParaRPr lang="en-US"/>
           </a:p>
@@ -2089,9 +3971,12 @@
         </p:nvSpPr>
         <p:spPr>
           <a:xfrm>
-            <a:off x="8381522" y="6269672"/>
-            <a:ext cx="642303" cy="365125"/>
-          </a:xfrm>
+            <a:off x="8457383" y="6376457"/>
+            <a:ext cx="627256" cy="365125"/>
+          </a:xfrm>
+          <a:prstGeom prst="rect">
+            <a:avLst/>
+          </a:prstGeom>
         </p:spPr>
         <p:txBody>
           <a:bodyPr/>
@@ -2106,6 +3991,637 @@
         </p:txBody>
       </p:sp>
     </p:spTree>
+    <p:extLst>
+      <p:ext uri="{BB962C8B-B14F-4D97-AF65-F5344CB8AC3E}">
+        <p14:creationId xmlns:p14="http://schemas.microsoft.com/office/powerpoint/2010/main" val="973488827"/>
+      </p:ext>
+    </p:extLst>
+  </p:cSld>
+  <p:clrMapOvr>
+    <a:masterClrMapping/>
+  </p:clrMapOvr>
+  <p:timing>
+    <p:tnLst>
+      <p:par>
+        <p:cTn id="1" dur="indefinite" restart="never" nodeType="tmRoot"/>
+      </p:par>
+    </p:tnLst>
+  </p:timing>
+</p:sldLayout>
+</file>
+
+<file path=ppt/slideLayouts/slideLayout20.xml><?xml version="1.0" encoding="utf-8"?>
+<p:sldLayout xmlns:a="http://schemas.openxmlformats.org/drawingml/2006/main" xmlns:r="http://schemas.openxmlformats.org/officeDocument/2006/relationships" xmlns:p="http://schemas.openxmlformats.org/presentationml/2006/main" type="picTx" preserve="1">
+  <p:cSld name="Picture with Caption">
+    <p:spTree>
+      <p:nvGrpSpPr>
+        <p:cNvPr id="1" name=""/>
+        <p:cNvGrpSpPr/>
+        <p:nvPr/>
+      </p:nvGrpSpPr>
+      <p:grpSpPr>
+        <a:xfrm>
+          <a:off x="0" y="0"/>
+          <a:ext cx="0" cy="0"/>
+          <a:chOff x="0" y="0"/>
+          <a:chExt cx="0" cy="0"/>
+        </a:xfrm>
+      </p:grpSpPr>
+      <p:sp>
+        <p:nvSpPr>
+          <p:cNvPr id="2" name="Title 1"/>
+          <p:cNvSpPr>
+            <a:spLocks noGrp="1"/>
+          </p:cNvSpPr>
+          <p:nvPr>
+            <p:ph type="title"/>
+          </p:nvPr>
+        </p:nvSpPr>
+        <p:spPr>
+          <a:xfrm>
+            <a:off x="630238" y="457200"/>
+            <a:ext cx="2949575" cy="1600200"/>
+          </a:xfrm>
+        </p:spPr>
+        <p:txBody>
+          <a:bodyPr anchor="b"/>
+          <a:lstStyle>
+            <a:lvl1pPr>
+              <a:defRPr sz="3200"/>
+            </a:lvl1pPr>
+          </a:lstStyle>
+          <a:p>
+            <a:r>
+              <a:rPr lang="en-US" smtClean="0"/>
+              <a:t>Click to edit Master title style</a:t>
+            </a:r>
+            <a:endParaRPr lang="en-US"/>
+          </a:p>
+        </p:txBody>
+      </p:sp>
+      <p:sp>
+        <p:nvSpPr>
+          <p:cNvPr id="3" name="Picture Placeholder 2"/>
+          <p:cNvSpPr>
+            <a:spLocks noGrp="1"/>
+          </p:cNvSpPr>
+          <p:nvPr>
+            <p:ph type="pic" idx="1"/>
+          </p:nvPr>
+        </p:nvSpPr>
+        <p:spPr>
+          <a:xfrm>
+            <a:off x="3887788" y="987425"/>
+            <a:ext cx="4629150" cy="4873625"/>
+          </a:xfrm>
+        </p:spPr>
+        <p:txBody>
+          <a:bodyPr/>
+          <a:lstStyle>
+            <a:lvl1pPr marL="0" indent="0">
+              <a:buNone/>
+              <a:defRPr sz="3200"/>
+            </a:lvl1pPr>
+            <a:lvl2pPr marL="457200" indent="0">
+              <a:buNone/>
+              <a:defRPr sz="2800"/>
+            </a:lvl2pPr>
+            <a:lvl3pPr marL="914400" indent="0">
+              <a:buNone/>
+              <a:defRPr sz="2400"/>
+            </a:lvl3pPr>
+            <a:lvl4pPr marL="1371600" indent="0">
+              <a:buNone/>
+              <a:defRPr sz="2000"/>
+            </a:lvl4pPr>
+            <a:lvl5pPr marL="1828800" indent="0">
+              <a:buNone/>
+              <a:defRPr sz="2000"/>
+            </a:lvl5pPr>
+            <a:lvl6pPr marL="2286000" indent="0">
+              <a:buNone/>
+              <a:defRPr sz="2000"/>
+            </a:lvl6pPr>
+            <a:lvl7pPr marL="2743200" indent="0">
+              <a:buNone/>
+              <a:defRPr sz="2000"/>
+            </a:lvl7pPr>
+            <a:lvl8pPr marL="3200400" indent="0">
+              <a:buNone/>
+              <a:defRPr sz="2000"/>
+            </a:lvl8pPr>
+            <a:lvl9pPr marL="3657600" indent="0">
+              <a:buNone/>
+              <a:defRPr sz="2000"/>
+            </a:lvl9pPr>
+          </a:lstStyle>
+          <a:p>
+            <a:r>
+              <a:rPr lang="en-US" smtClean="0"/>
+              <a:t>Drag picture to placeholder or click icon to add</a:t>
+            </a:r>
+            <a:endParaRPr lang="en-US"/>
+          </a:p>
+        </p:txBody>
+      </p:sp>
+      <p:sp>
+        <p:nvSpPr>
+          <p:cNvPr id="4" name="Text Placeholder 3"/>
+          <p:cNvSpPr>
+            <a:spLocks noGrp="1"/>
+          </p:cNvSpPr>
+          <p:nvPr>
+            <p:ph type="body" sz="half" idx="2"/>
+          </p:nvPr>
+        </p:nvSpPr>
+        <p:spPr>
+          <a:xfrm>
+            <a:off x="630238" y="2057400"/>
+            <a:ext cx="2949575" cy="3811588"/>
+          </a:xfrm>
+        </p:spPr>
+        <p:txBody>
+          <a:bodyPr/>
+          <a:lstStyle>
+            <a:lvl1pPr marL="0" indent="0">
+              <a:buNone/>
+              <a:defRPr sz="1600"/>
+            </a:lvl1pPr>
+            <a:lvl2pPr marL="457200" indent="0">
+              <a:buNone/>
+              <a:defRPr sz="1400"/>
+            </a:lvl2pPr>
+            <a:lvl3pPr marL="914400" indent="0">
+              <a:buNone/>
+              <a:defRPr sz="1200"/>
+            </a:lvl3pPr>
+            <a:lvl4pPr marL="1371600" indent="0">
+              <a:buNone/>
+              <a:defRPr sz="1000"/>
+            </a:lvl4pPr>
+            <a:lvl5pPr marL="1828800" indent="0">
+              <a:buNone/>
+              <a:defRPr sz="1000"/>
+            </a:lvl5pPr>
+            <a:lvl6pPr marL="2286000" indent="0">
+              <a:buNone/>
+              <a:defRPr sz="1000"/>
+            </a:lvl6pPr>
+            <a:lvl7pPr marL="2743200" indent="0">
+              <a:buNone/>
+              <a:defRPr sz="1000"/>
+            </a:lvl7pPr>
+            <a:lvl8pPr marL="3200400" indent="0">
+              <a:buNone/>
+              <a:defRPr sz="1000"/>
+            </a:lvl8pPr>
+            <a:lvl9pPr marL="3657600" indent="0">
+              <a:buNone/>
+              <a:defRPr sz="1000"/>
+            </a:lvl9pPr>
+          </a:lstStyle>
+          <a:p>
+            <a:pPr lvl="0"/>
+            <a:r>
+              <a:rPr lang="en-US" smtClean="0"/>
+              <a:t>Click to edit Master text styles</a:t>
+            </a:r>
+          </a:p>
+        </p:txBody>
+      </p:sp>
+      <p:sp>
+        <p:nvSpPr>
+          <p:cNvPr id="5" name="Date Placeholder 4"/>
+          <p:cNvSpPr>
+            <a:spLocks noGrp="1"/>
+          </p:cNvSpPr>
+          <p:nvPr>
+            <p:ph type="dt" sz="half" idx="10"/>
+          </p:nvPr>
+        </p:nvSpPr>
+        <p:spPr/>
+        <p:txBody>
+          <a:bodyPr/>
+          <a:lstStyle/>
+          <a:p>
+            <a:fld id="{A3862105-26FA-1243-88AE-A609CEBBD0B9}" type="datetime1">
+              <a:rPr lang="en-US" smtClean="0"/>
+              <a:t>7/4/16</a:t>
+            </a:fld>
+            <a:endParaRPr lang="en-US"/>
+          </a:p>
+        </p:txBody>
+      </p:sp>
+      <p:sp>
+        <p:nvSpPr>
+          <p:cNvPr id="6" name="Footer Placeholder 5"/>
+          <p:cNvSpPr>
+            <a:spLocks noGrp="1"/>
+          </p:cNvSpPr>
+          <p:nvPr>
+            <p:ph type="ftr" sz="quarter" idx="11"/>
+          </p:nvPr>
+        </p:nvSpPr>
+        <p:spPr/>
+        <p:txBody>
+          <a:bodyPr/>
+          <a:lstStyle/>
+          <a:p>
+            <a:r>
+              <a:rPr lang="en-US" smtClean="0"/>
+              <a:t>© EV3Lessons.com, 2016, (Last edit: 7/04/2016)</a:t>
+            </a:r>
+            <a:endParaRPr lang="en-US"/>
+          </a:p>
+        </p:txBody>
+      </p:sp>
+      <p:sp>
+        <p:nvSpPr>
+          <p:cNvPr id="7" name="Slide Number Placeholder 6"/>
+          <p:cNvSpPr>
+            <a:spLocks noGrp="1"/>
+          </p:cNvSpPr>
+          <p:nvPr>
+            <p:ph type="sldNum" sz="quarter" idx="12"/>
+          </p:nvPr>
+        </p:nvSpPr>
+        <p:spPr/>
+        <p:txBody>
+          <a:bodyPr/>
+          <a:lstStyle/>
+          <a:p>
+            <a:fld id="{DE42E464-3EB8-43C8-8768-9E2AD4F497B7}" type="slidenum">
+              <a:rPr lang="en-US" smtClean="0"/>
+              <a:t>‹#›</a:t>
+            </a:fld>
+            <a:endParaRPr lang="en-US"/>
+          </a:p>
+        </p:txBody>
+      </p:sp>
+    </p:spTree>
+    <p:extLst>
+      <p:ext uri="{BB962C8B-B14F-4D97-AF65-F5344CB8AC3E}">
+        <p14:creationId xmlns:p14="http://schemas.microsoft.com/office/powerpoint/2010/main" val="229403436"/>
+      </p:ext>
+    </p:extLst>
+  </p:cSld>
+  <p:clrMapOvr>
+    <a:masterClrMapping/>
+  </p:clrMapOvr>
+</p:sldLayout>
+</file>
+
+<file path=ppt/slideLayouts/slideLayout21.xml><?xml version="1.0" encoding="utf-8"?>
+<p:sldLayout xmlns:a="http://schemas.openxmlformats.org/drawingml/2006/main" xmlns:r="http://schemas.openxmlformats.org/officeDocument/2006/relationships" xmlns:p="http://schemas.openxmlformats.org/presentationml/2006/main" type="vertTx" preserve="1">
+  <p:cSld name="Title and Vertical Text">
+    <p:spTree>
+      <p:nvGrpSpPr>
+        <p:cNvPr id="1" name=""/>
+        <p:cNvGrpSpPr/>
+        <p:nvPr/>
+      </p:nvGrpSpPr>
+      <p:grpSpPr>
+        <a:xfrm>
+          <a:off x="0" y="0"/>
+          <a:ext cx="0" cy="0"/>
+          <a:chOff x="0" y="0"/>
+          <a:chExt cx="0" cy="0"/>
+        </a:xfrm>
+      </p:grpSpPr>
+      <p:sp>
+        <p:nvSpPr>
+          <p:cNvPr id="2" name="Title 1"/>
+          <p:cNvSpPr>
+            <a:spLocks noGrp="1"/>
+          </p:cNvSpPr>
+          <p:nvPr>
+            <p:ph type="title"/>
+          </p:nvPr>
+        </p:nvSpPr>
+        <p:spPr/>
+        <p:txBody>
+          <a:bodyPr/>
+          <a:lstStyle/>
+          <a:p>
+            <a:r>
+              <a:rPr lang="en-US" smtClean="0"/>
+              <a:t>Click to edit Master title style</a:t>
+            </a:r>
+            <a:endParaRPr lang="en-US"/>
+          </a:p>
+        </p:txBody>
+      </p:sp>
+      <p:sp>
+        <p:nvSpPr>
+          <p:cNvPr id="3" name="Vertical Text Placeholder 2"/>
+          <p:cNvSpPr>
+            <a:spLocks noGrp="1"/>
+          </p:cNvSpPr>
+          <p:nvPr>
+            <p:ph type="body" orient="vert" idx="1"/>
+          </p:nvPr>
+        </p:nvSpPr>
+        <p:spPr/>
+        <p:txBody>
+          <a:bodyPr vert="eaVert"/>
+          <a:lstStyle/>
+          <a:p>
+            <a:pPr lvl="0"/>
+            <a:r>
+              <a:rPr lang="en-US" smtClean="0"/>
+              <a:t>Click to edit Master text styles</a:t>
+            </a:r>
+          </a:p>
+          <a:p>
+            <a:pPr lvl="1"/>
+            <a:r>
+              <a:rPr lang="en-US" smtClean="0"/>
+              <a:t>Second level</a:t>
+            </a:r>
+          </a:p>
+          <a:p>
+            <a:pPr lvl="2"/>
+            <a:r>
+              <a:rPr lang="en-US" smtClean="0"/>
+              <a:t>Third level</a:t>
+            </a:r>
+          </a:p>
+          <a:p>
+            <a:pPr lvl="3"/>
+            <a:r>
+              <a:rPr lang="en-US" smtClean="0"/>
+              <a:t>Fourth level</a:t>
+            </a:r>
+          </a:p>
+          <a:p>
+            <a:pPr lvl="4"/>
+            <a:r>
+              <a:rPr lang="en-US" smtClean="0"/>
+              <a:t>Fifth level</a:t>
+            </a:r>
+            <a:endParaRPr lang="en-US"/>
+          </a:p>
+        </p:txBody>
+      </p:sp>
+      <p:sp>
+        <p:nvSpPr>
+          <p:cNvPr id="4" name="Date Placeholder 3"/>
+          <p:cNvSpPr>
+            <a:spLocks noGrp="1"/>
+          </p:cNvSpPr>
+          <p:nvPr>
+            <p:ph type="dt" sz="half" idx="10"/>
+          </p:nvPr>
+        </p:nvSpPr>
+        <p:spPr/>
+        <p:txBody>
+          <a:bodyPr/>
+          <a:lstStyle/>
+          <a:p>
+            <a:fld id="{07FD21FC-6D4E-A54C-B703-0B0020577B95}" type="datetime1">
+              <a:rPr lang="en-US" smtClean="0"/>
+              <a:t>7/4/16</a:t>
+            </a:fld>
+            <a:endParaRPr lang="en-US"/>
+          </a:p>
+        </p:txBody>
+      </p:sp>
+      <p:sp>
+        <p:nvSpPr>
+          <p:cNvPr id="5" name="Footer Placeholder 4"/>
+          <p:cNvSpPr>
+            <a:spLocks noGrp="1"/>
+          </p:cNvSpPr>
+          <p:nvPr>
+            <p:ph type="ftr" sz="quarter" idx="11"/>
+          </p:nvPr>
+        </p:nvSpPr>
+        <p:spPr/>
+        <p:txBody>
+          <a:bodyPr/>
+          <a:lstStyle/>
+          <a:p>
+            <a:r>
+              <a:rPr lang="en-US" smtClean="0"/>
+              <a:t>© EV3Lessons.com, 2016, (Last edit: 7/04/2016)</a:t>
+            </a:r>
+            <a:endParaRPr lang="en-US"/>
+          </a:p>
+        </p:txBody>
+      </p:sp>
+      <p:sp>
+        <p:nvSpPr>
+          <p:cNvPr id="6" name="Slide Number Placeholder 5"/>
+          <p:cNvSpPr>
+            <a:spLocks noGrp="1"/>
+          </p:cNvSpPr>
+          <p:nvPr>
+            <p:ph type="sldNum" sz="quarter" idx="12"/>
+          </p:nvPr>
+        </p:nvSpPr>
+        <p:spPr/>
+        <p:txBody>
+          <a:bodyPr/>
+          <a:lstStyle/>
+          <a:p>
+            <a:fld id="{DE42E464-3EB8-43C8-8768-9E2AD4F497B7}" type="slidenum">
+              <a:rPr lang="en-US" smtClean="0"/>
+              <a:t>‹#›</a:t>
+            </a:fld>
+            <a:endParaRPr lang="en-US"/>
+          </a:p>
+        </p:txBody>
+      </p:sp>
+    </p:spTree>
+    <p:extLst>
+      <p:ext uri="{BB962C8B-B14F-4D97-AF65-F5344CB8AC3E}">
+        <p14:creationId xmlns:p14="http://schemas.microsoft.com/office/powerpoint/2010/main" val="850402487"/>
+      </p:ext>
+    </p:extLst>
+  </p:cSld>
+  <p:clrMapOvr>
+    <a:masterClrMapping/>
+  </p:clrMapOvr>
+</p:sldLayout>
+</file>
+
+<file path=ppt/slideLayouts/slideLayout22.xml><?xml version="1.0" encoding="utf-8"?>
+<p:sldLayout xmlns:a="http://schemas.openxmlformats.org/drawingml/2006/main" xmlns:r="http://schemas.openxmlformats.org/officeDocument/2006/relationships" xmlns:p="http://schemas.openxmlformats.org/presentationml/2006/main" type="vertTitleAndTx" preserve="1">
+  <p:cSld name="Vertical Title and Text">
+    <p:spTree>
+      <p:nvGrpSpPr>
+        <p:cNvPr id="1" name=""/>
+        <p:cNvGrpSpPr/>
+        <p:nvPr/>
+      </p:nvGrpSpPr>
+      <p:grpSpPr>
+        <a:xfrm>
+          <a:off x="0" y="0"/>
+          <a:ext cx="0" cy="0"/>
+          <a:chOff x="0" y="0"/>
+          <a:chExt cx="0" cy="0"/>
+        </a:xfrm>
+      </p:grpSpPr>
+      <p:sp>
+        <p:nvSpPr>
+          <p:cNvPr id="2" name="Vertical Title 1"/>
+          <p:cNvSpPr>
+            <a:spLocks noGrp="1"/>
+          </p:cNvSpPr>
+          <p:nvPr>
+            <p:ph type="title" orient="vert"/>
+          </p:nvPr>
+        </p:nvSpPr>
+        <p:spPr>
+          <a:xfrm>
+            <a:off x="6543675" y="365125"/>
+            <a:ext cx="1971675" cy="5811838"/>
+          </a:xfrm>
+        </p:spPr>
+        <p:txBody>
+          <a:bodyPr vert="eaVert"/>
+          <a:lstStyle/>
+          <a:p>
+            <a:r>
+              <a:rPr lang="en-US" smtClean="0"/>
+              <a:t>Click to edit Master title style</a:t>
+            </a:r>
+            <a:endParaRPr lang="en-US"/>
+          </a:p>
+        </p:txBody>
+      </p:sp>
+      <p:sp>
+        <p:nvSpPr>
+          <p:cNvPr id="3" name="Vertical Text Placeholder 2"/>
+          <p:cNvSpPr>
+            <a:spLocks noGrp="1"/>
+          </p:cNvSpPr>
+          <p:nvPr>
+            <p:ph type="body" orient="vert" idx="1"/>
+          </p:nvPr>
+        </p:nvSpPr>
+        <p:spPr>
+          <a:xfrm>
+            <a:off x="628650" y="365125"/>
+            <a:ext cx="5762625" cy="5811838"/>
+          </a:xfrm>
+        </p:spPr>
+        <p:txBody>
+          <a:bodyPr vert="eaVert"/>
+          <a:lstStyle/>
+          <a:p>
+            <a:pPr lvl="0"/>
+            <a:r>
+              <a:rPr lang="en-US" smtClean="0"/>
+              <a:t>Click to edit Master text styles</a:t>
+            </a:r>
+          </a:p>
+          <a:p>
+            <a:pPr lvl="1"/>
+            <a:r>
+              <a:rPr lang="en-US" smtClean="0"/>
+              <a:t>Second level</a:t>
+            </a:r>
+          </a:p>
+          <a:p>
+            <a:pPr lvl="2"/>
+            <a:r>
+              <a:rPr lang="en-US" smtClean="0"/>
+              <a:t>Third level</a:t>
+            </a:r>
+          </a:p>
+          <a:p>
+            <a:pPr lvl="3"/>
+            <a:r>
+              <a:rPr lang="en-US" smtClean="0"/>
+              <a:t>Fourth level</a:t>
+            </a:r>
+          </a:p>
+          <a:p>
+            <a:pPr lvl="4"/>
+            <a:r>
+              <a:rPr lang="en-US" smtClean="0"/>
+              <a:t>Fifth level</a:t>
+            </a:r>
+            <a:endParaRPr lang="en-US"/>
+          </a:p>
+        </p:txBody>
+      </p:sp>
+      <p:sp>
+        <p:nvSpPr>
+          <p:cNvPr id="4" name="Date Placeholder 3"/>
+          <p:cNvSpPr>
+            <a:spLocks noGrp="1"/>
+          </p:cNvSpPr>
+          <p:nvPr>
+            <p:ph type="dt" sz="half" idx="10"/>
+          </p:nvPr>
+        </p:nvSpPr>
+        <p:spPr/>
+        <p:txBody>
+          <a:bodyPr/>
+          <a:lstStyle/>
+          <a:p>
+            <a:fld id="{31F350DF-993E-FF43-B073-67B20C34026A}" type="datetime1">
+              <a:rPr lang="en-US" smtClean="0"/>
+              <a:t>7/4/16</a:t>
+            </a:fld>
+            <a:endParaRPr lang="en-US"/>
+          </a:p>
+        </p:txBody>
+      </p:sp>
+      <p:sp>
+        <p:nvSpPr>
+          <p:cNvPr id="5" name="Footer Placeholder 4"/>
+          <p:cNvSpPr>
+            <a:spLocks noGrp="1"/>
+          </p:cNvSpPr>
+          <p:nvPr>
+            <p:ph type="ftr" sz="quarter" idx="11"/>
+          </p:nvPr>
+        </p:nvSpPr>
+        <p:spPr/>
+        <p:txBody>
+          <a:bodyPr/>
+          <a:lstStyle/>
+          <a:p>
+            <a:r>
+              <a:rPr lang="en-US" smtClean="0"/>
+              <a:t>© EV3Lessons.com, 2016, (Last edit: 7/04/2016)</a:t>
+            </a:r>
+            <a:endParaRPr lang="en-US"/>
+          </a:p>
+        </p:txBody>
+      </p:sp>
+      <p:sp>
+        <p:nvSpPr>
+          <p:cNvPr id="6" name="Slide Number Placeholder 5"/>
+          <p:cNvSpPr>
+            <a:spLocks noGrp="1"/>
+          </p:cNvSpPr>
+          <p:nvPr>
+            <p:ph type="sldNum" sz="quarter" idx="12"/>
+          </p:nvPr>
+        </p:nvSpPr>
+        <p:spPr/>
+        <p:txBody>
+          <a:bodyPr/>
+          <a:lstStyle/>
+          <a:p>
+            <a:fld id="{DE42E464-3EB8-43C8-8768-9E2AD4F497B7}" type="slidenum">
+              <a:rPr lang="en-US" smtClean="0"/>
+              <a:t>‹#›</a:t>
+            </a:fld>
+            <a:endParaRPr lang="en-US"/>
+          </a:p>
+        </p:txBody>
+      </p:sp>
+    </p:spTree>
+    <p:extLst>
+      <p:ext uri="{BB962C8B-B14F-4D97-AF65-F5344CB8AC3E}">
+        <p14:creationId xmlns:p14="http://schemas.microsoft.com/office/powerpoint/2010/main" val="1210928224"/>
+      </p:ext>
+    </p:extLst>
   </p:cSld>
   <p:clrMapOvr>
     <a:masterClrMapping/>
@@ -2304,9 +4820,9 @@
           <a:bodyPr/>
           <a:lstStyle/>
           <a:p>
-            <a:fld id="{1B31C71C-BC17-6C42-AF7C-115179B22B91}" type="datetime1">
-              <a:rPr lang="en-US" smtClean="0"/>
-              <a:t>11/14/15</a:t>
+            <a:fld id="{08796818-ED79-4B47-A2D9-D4E5F8DADCDC}" type="datetime1">
+              <a:rPr lang="en-US" smtClean="0"/>
+              <a:t>7/4/16</a:t>
             </a:fld>
             <a:endParaRPr lang="en-US"/>
           </a:p>
@@ -2322,7 +4838,15 @@
             <p:ph type="sldNum" sz="quarter" idx="11"/>
           </p:nvPr>
         </p:nvSpPr>
-        <p:spPr/>
+        <p:spPr>
+          <a:xfrm rot="16200000">
+            <a:off x="8227377" y="5885497"/>
+            <a:ext cx="1315721" cy="365125"/>
+          </a:xfrm>
+          <a:prstGeom prst="rect">
+            <a:avLst/>
+          </a:prstGeom>
+        </p:spPr>
         <p:txBody>
           <a:bodyPr/>
           <a:lstStyle/>
@@ -2352,13 +4876,18 @@
           <a:p>
             <a:r>
               <a:rPr lang="en-US" smtClean="0"/>
-              <a:t>© EV3Lessons.com, 2015, (Last edit: 2/28/2015)</a:t>
+              <a:t>© EV3Lessons.com, 2016, (Last edit: 7/04/2016)</a:t>
             </a:r>
             <a:endParaRPr lang="en-US"/>
           </a:p>
         </p:txBody>
       </p:sp>
     </p:spTree>
+    <p:extLst>
+      <p:ext uri="{BB962C8B-B14F-4D97-AF65-F5344CB8AC3E}">
+        <p14:creationId xmlns:p14="http://schemas.microsoft.com/office/powerpoint/2010/main" val="1896292543"/>
+      </p:ext>
+    </p:extLst>
   </p:cSld>
   <p:clrMapOvr>
     <a:masterClrMapping/>
@@ -2546,35 +5075,35 @@
           <a:p>
             <a:pPr lvl="0"/>
             <a:r>
-              <a:rPr lang="en-US" dirty="0" smtClean="0"/>
+              <a:rPr lang="en-US" smtClean="0"/>
               <a:t>Click to edit Master text styles</a:t>
             </a:r>
           </a:p>
           <a:p>
             <a:pPr lvl="1"/>
             <a:r>
-              <a:rPr lang="en-US" dirty="0" smtClean="0"/>
+              <a:rPr lang="en-US" smtClean="0"/>
               <a:t>Second level</a:t>
             </a:r>
           </a:p>
           <a:p>
             <a:pPr lvl="2"/>
             <a:r>
-              <a:rPr lang="en-US" dirty="0" smtClean="0"/>
+              <a:rPr lang="en-US" smtClean="0"/>
               <a:t>Third level</a:t>
             </a:r>
           </a:p>
           <a:p>
             <a:pPr lvl="3"/>
             <a:r>
-              <a:rPr lang="en-US" dirty="0" smtClean="0"/>
+              <a:rPr lang="en-US" smtClean="0"/>
               <a:t>Fourth level</a:t>
             </a:r>
           </a:p>
           <a:p>
             <a:pPr lvl="4"/>
             <a:r>
-              <a:rPr lang="en-US" dirty="0" smtClean="0"/>
+              <a:rPr lang="en-US" smtClean="0"/>
               <a:t>Fifth level</a:t>
             </a:r>
             <a:endParaRPr lang="en-US" dirty="0"/>
@@ -2596,9 +5125,9 @@
           <a:bodyPr/>
           <a:lstStyle/>
           <a:p>
-            <a:fld id="{09FC0679-EC11-8047-9AC6-8326B1F10CDB}" type="datetime1">
-              <a:rPr lang="en-US" smtClean="0"/>
-              <a:t>11/14/15</a:t>
+            <a:fld id="{B737E19C-D2C9-DE49-B914-0C9ED0DBA0C9}" type="datetime1">
+              <a:rPr lang="en-US" smtClean="0"/>
+              <a:t>7/4/16</a:t>
             </a:fld>
             <a:endParaRPr lang="en-US"/>
           </a:p>
@@ -2621,7 +5150,7 @@
           <a:p>
             <a:r>
               <a:rPr lang="en-US" smtClean="0"/>
-              <a:t>© EV3Lessons.com, 2015, (Last edit: 2/28/2015)</a:t>
+              <a:t>© EV3Lessons.com, 2016, (Last edit: 7/04/2016)</a:t>
             </a:r>
             <a:endParaRPr lang="en-US"/>
           </a:p>
@@ -2637,7 +5166,15 @@
             <p:ph type="sldNum" sz="quarter" idx="12"/>
           </p:nvPr>
         </p:nvSpPr>
-        <p:spPr/>
+        <p:spPr>
+          <a:xfrm>
+            <a:off x="8477026" y="6358106"/>
+            <a:ext cx="666974" cy="365125"/>
+          </a:xfrm>
+          <a:prstGeom prst="rect">
+            <a:avLst/>
+          </a:prstGeom>
+        </p:spPr>
         <p:txBody>
           <a:bodyPr/>
           <a:lstStyle/>
@@ -2651,10 +5188,22 @@
         </p:txBody>
       </p:sp>
     </p:spTree>
+    <p:extLst>
+      <p:ext uri="{BB962C8B-B14F-4D97-AF65-F5344CB8AC3E}">
+        <p14:creationId xmlns:p14="http://schemas.microsoft.com/office/powerpoint/2010/main" val="183965074"/>
+      </p:ext>
+    </p:extLst>
   </p:cSld>
   <p:clrMapOvr>
     <a:masterClrMapping/>
   </p:clrMapOvr>
+  <p:timing>
+    <p:tnLst>
+      <p:par>
+        <p:cTn id="1" dur="indefinite" restart="never" nodeType="tmRoot"/>
+      </p:par>
+    </p:tnLst>
+  </p:timing>
 </p:sldLayout>
 </file>
 
@@ -3039,9 +5588,9 @@
           <a:bodyPr/>
           <a:lstStyle/>
           <a:p>
-            <a:fld id="{BE25B38A-71FB-FA4B-A89F-44C39431BE17}" type="datetime1">
-              <a:rPr lang="en-US" smtClean="0"/>
-              <a:t>11/14/15</a:t>
+            <a:fld id="{828F08B8-8BE0-4F49-B12B-68092BB9602D}" type="datetime1">
+              <a:rPr lang="en-US" smtClean="0"/>
+              <a:t>7/4/16</a:t>
             </a:fld>
             <a:endParaRPr lang="en-US"/>
           </a:p>
@@ -3064,7 +5613,7 @@
           <a:p>
             <a:r>
               <a:rPr lang="en-US" smtClean="0"/>
-              <a:t>© EV3Lessons.com, 2015, (Last edit: 2/28/2015)</a:t>
+              <a:t>© EV3Lessons.com, 2016, (Last edit: 7/04/2016)</a:t>
             </a:r>
             <a:endParaRPr lang="en-US"/>
           </a:p>
@@ -3072,7 +5621,7 @@
       </p:sp>
       <p:sp>
         <p:nvSpPr>
-          <p:cNvPr id="9" name="Slide Number Placeholder 8"/>
+          <p:cNvPr id="10" name="Slide Number Placeholder 6"/>
           <p:cNvSpPr>
             <a:spLocks noGrp="1"/>
           </p:cNvSpPr>
@@ -3080,7 +5629,15 @@
             <p:ph type="sldNum" sz="quarter" idx="12"/>
           </p:nvPr>
         </p:nvSpPr>
-        <p:spPr/>
+        <p:spPr>
+          <a:xfrm>
+            <a:off x="8477026" y="6358106"/>
+            <a:ext cx="666974" cy="365125"/>
+          </a:xfrm>
+          <a:prstGeom prst="rect">
+            <a:avLst/>
+          </a:prstGeom>
+        </p:spPr>
         <p:txBody>
           <a:bodyPr/>
           <a:lstStyle/>
@@ -3094,10 +5651,22 @@
         </p:txBody>
       </p:sp>
     </p:spTree>
+    <p:extLst>
+      <p:ext uri="{BB962C8B-B14F-4D97-AF65-F5344CB8AC3E}">
+        <p14:creationId xmlns:p14="http://schemas.microsoft.com/office/powerpoint/2010/main" val="1672030685"/>
+      </p:ext>
+    </p:extLst>
   </p:cSld>
   <p:clrMapOvr>
     <a:masterClrMapping/>
   </p:clrMapOvr>
+  <p:timing>
+    <p:tnLst>
+      <p:par>
+        <p:cTn id="1" dur="indefinite" restart="never" nodeType="tmRoot"/>
+      </p:par>
+    </p:tnLst>
+  </p:timing>
 </p:sldLayout>
 </file>
 
@@ -3156,9 +5725,9 @@
           <a:bodyPr/>
           <a:lstStyle/>
           <a:p>
-            <a:fld id="{60F08FFF-51E7-B949-8C12-DD72996CE2FB}" type="datetime1">
-              <a:rPr lang="en-US" smtClean="0"/>
-              <a:t>11/14/15</a:t>
+            <a:fld id="{6C0131A1-3BD9-0144-81D0-7FEB34905A5D}" type="datetime1">
+              <a:rPr lang="en-US" smtClean="0"/>
+              <a:t>7/4/16</a:t>
             </a:fld>
             <a:endParaRPr lang="en-US"/>
           </a:p>
@@ -3181,7 +5750,7 @@
           <a:p>
             <a:r>
               <a:rPr lang="en-US" smtClean="0"/>
-              <a:t>© EV3Lessons.com, 2015, (Last edit: 2/28/2015)</a:t>
+              <a:t>© EV3Lessons.com, 2016, (Last edit: 7/04/2016)</a:t>
             </a:r>
             <a:endParaRPr lang="en-US"/>
           </a:p>
@@ -3189,7 +5758,7 @@
       </p:sp>
       <p:sp>
         <p:nvSpPr>
-          <p:cNvPr id="5" name="Slide Number Placeholder 4"/>
+          <p:cNvPr id="6" name="Slide Number Placeholder 6"/>
           <p:cNvSpPr>
             <a:spLocks noGrp="1"/>
           </p:cNvSpPr>
@@ -3197,7 +5766,15 @@
             <p:ph type="sldNum" sz="quarter" idx="12"/>
           </p:nvPr>
         </p:nvSpPr>
-        <p:spPr/>
+        <p:spPr>
+          <a:xfrm>
+            <a:off x="8477026" y="6358106"/>
+            <a:ext cx="666974" cy="365125"/>
+          </a:xfrm>
+          <a:prstGeom prst="rect">
+            <a:avLst/>
+          </a:prstGeom>
+        </p:spPr>
         <p:txBody>
           <a:bodyPr/>
           <a:lstStyle/>
@@ -3211,10 +5788,22 @@
         </p:txBody>
       </p:sp>
     </p:spTree>
+    <p:extLst>
+      <p:ext uri="{BB962C8B-B14F-4D97-AF65-F5344CB8AC3E}">
+        <p14:creationId xmlns:p14="http://schemas.microsoft.com/office/powerpoint/2010/main" val="1996201800"/>
+      </p:ext>
+    </p:extLst>
   </p:cSld>
   <p:clrMapOvr>
     <a:masterClrMapping/>
   </p:clrMapOvr>
+  <p:timing>
+    <p:tnLst>
+      <p:par>
+        <p:cTn id="1" dur="indefinite" restart="never" nodeType="tmRoot"/>
+      </p:par>
+    </p:tnLst>
+  </p:timing>
 </p:sldLayout>
 </file>
 
@@ -3250,9 +5839,9 @@
           <a:bodyPr/>
           <a:lstStyle/>
           <a:p>
-            <a:fld id="{DA1AC877-DA6A-494F-A066-D0A7F5E95D31}" type="datetime1">
-              <a:rPr lang="en-US" smtClean="0"/>
-              <a:t>11/14/15</a:t>
+            <a:fld id="{FEAC6049-EC18-304C-A850-4A817AF10918}" type="datetime1">
+              <a:rPr lang="en-US" smtClean="0"/>
+              <a:t>7/4/16</a:t>
             </a:fld>
             <a:endParaRPr lang="en-US"/>
           </a:p>
@@ -3275,7 +5864,7 @@
           <a:p>
             <a:r>
               <a:rPr lang="en-US" smtClean="0"/>
-              <a:t>© EV3Lessons.com, 2015, (Last edit: 2/28/2015)</a:t>
+              <a:t>© EV3Lessons.com, 2016, (Last edit: 7/04/2016)</a:t>
             </a:r>
             <a:endParaRPr lang="en-US"/>
           </a:p>
@@ -3291,7 +5880,15 @@
             <p:ph type="sldNum" sz="quarter" idx="12"/>
           </p:nvPr>
         </p:nvSpPr>
-        <p:spPr/>
+        <p:spPr>
+          <a:xfrm rot="16200000">
+            <a:off x="8227377" y="5885497"/>
+            <a:ext cx="1315721" cy="365125"/>
+          </a:xfrm>
+          <a:prstGeom prst="rect">
+            <a:avLst/>
+          </a:prstGeom>
+        </p:spPr>
         <p:txBody>
           <a:bodyPr/>
           <a:lstStyle/>
@@ -3305,6 +5902,11 @@
         </p:txBody>
       </p:sp>
     </p:spTree>
+    <p:extLst>
+      <p:ext uri="{BB962C8B-B14F-4D97-AF65-F5344CB8AC3E}">
+        <p14:creationId xmlns:p14="http://schemas.microsoft.com/office/powerpoint/2010/main" val="26635519"/>
+      </p:ext>
+    </p:extLst>
   </p:cSld>
   <p:clrMapOvr>
     <a:masterClrMapping/>
@@ -3496,9 +6098,9 @@
           <a:bodyPr/>
           <a:lstStyle/>
           <a:p>
-            <a:fld id="{B1497DFB-D3F8-4E4A-A46C-C3F901998BDB}" type="datetime1">
-              <a:rPr lang="en-US" smtClean="0"/>
-              <a:t>11/14/15</a:t>
+            <a:fld id="{F7E2C4BB-7842-3B41-9752-C3E084454838}" type="datetime1">
+              <a:rPr lang="en-US" smtClean="0"/>
+              <a:t>7/4/16</a:t>
             </a:fld>
             <a:endParaRPr lang="en-US"/>
           </a:p>
@@ -3521,7 +6123,7 @@
           <a:p>
             <a:r>
               <a:rPr lang="en-US" smtClean="0"/>
-              <a:t>© EV3Lessons.com, 2015, (Last edit: 2/28/2015)</a:t>
+              <a:t>© EV3Lessons.com, 2016, (Last edit: 7/04/2016)</a:t>
             </a:r>
             <a:endParaRPr lang="en-US"/>
           </a:p>
@@ -3537,7 +6139,15 @@
             <p:ph type="sldNum" sz="quarter" idx="12"/>
           </p:nvPr>
         </p:nvSpPr>
-        <p:spPr/>
+        <p:spPr>
+          <a:xfrm rot="16200000">
+            <a:off x="8227377" y="5885497"/>
+            <a:ext cx="1315721" cy="365125"/>
+          </a:xfrm>
+          <a:prstGeom prst="rect">
+            <a:avLst/>
+          </a:prstGeom>
+        </p:spPr>
         <p:txBody>
           <a:bodyPr/>
           <a:lstStyle/>
@@ -3574,6 +6184,11 @@
         </p:txBody>
       </p:sp>
     </p:spTree>
+    <p:extLst>
+      <p:ext uri="{BB962C8B-B14F-4D97-AF65-F5344CB8AC3E}">
+        <p14:creationId xmlns:p14="http://schemas.microsoft.com/office/powerpoint/2010/main" val="986569257"/>
+      </p:ext>
+    </p:extLst>
   </p:cSld>
   <p:clrMapOvr>
     <a:masterClrMapping/>
@@ -3794,9 +6409,9 @@
           <a:bodyPr/>
           <a:lstStyle/>
           <a:p>
-            <a:fld id="{78DE06AB-8AE5-7247-A0CA-E19CB247BDC0}" type="datetime1">
-              <a:rPr lang="en-US" smtClean="0"/>
-              <a:t>11/14/15</a:t>
+            <a:fld id="{3B614359-EF4E-284F-8806-770CCE326910}" type="datetime1">
+              <a:rPr lang="en-US" smtClean="0"/>
+              <a:t>7/4/16</a:t>
             </a:fld>
             <a:endParaRPr lang="en-US"/>
           </a:p>
@@ -3819,7 +6434,7 @@
           <a:p>
             <a:r>
               <a:rPr lang="en-US" smtClean="0"/>
-              <a:t>© EV3Lessons.com, 2015, (Last edit: 2/28/2015)</a:t>
+              <a:t>© EV3Lessons.com, 2016, (Last edit: 7/04/2016)</a:t>
             </a:r>
             <a:endParaRPr lang="en-US"/>
           </a:p>
@@ -3835,7 +6450,15 @@
             <p:ph type="sldNum" sz="quarter" idx="12"/>
           </p:nvPr>
         </p:nvSpPr>
-        <p:spPr/>
+        <p:spPr>
+          <a:xfrm rot="16200000">
+            <a:off x="8227377" y="5885497"/>
+            <a:ext cx="1315721" cy="365125"/>
+          </a:xfrm>
+          <a:prstGeom prst="rect">
+            <a:avLst/>
+          </a:prstGeom>
+        </p:spPr>
         <p:txBody>
           <a:bodyPr/>
           <a:lstStyle>
@@ -3937,6 +6560,11 @@
         </p:txBody>
       </p:sp>
     </p:spTree>
+    <p:extLst>
+      <p:ext uri="{BB962C8B-B14F-4D97-AF65-F5344CB8AC3E}">
+        <p14:creationId xmlns:p14="http://schemas.microsoft.com/office/powerpoint/2010/main" val="548263912"/>
+      </p:ext>
+    </p:extLst>
   </p:cSld>
   <p:clrMapOvr>
     <a:masterClrMapping/>
@@ -3945,7 +6573,7 @@
 </file>
 
 <file path=ppt/slideMasters/slideMaster1.xml><?xml version="1.0" encoding="utf-8"?>
-<p:sldMaster xmlns:a="http://schemas.openxmlformats.org/drawingml/2006/main" xmlns:r="http://schemas.openxmlformats.org/officeDocument/2006/relationships" xmlns:p="http://schemas.openxmlformats.org/presentationml/2006/main">
+<p:sldMaster xmlns:a="http://schemas.openxmlformats.org/drawingml/2006/main" xmlns:r="http://schemas.openxmlformats.org/officeDocument/2006/relationships" xmlns:p="http://schemas.openxmlformats.org/presentationml/2006/main" preserve="1">
   <p:cSld>
     <p:bg>
       <p:bgRef idx="1001">
@@ -3992,7 +6620,7 @@
           <a:lstStyle/>
           <a:p>
             <a:r>
-              <a:rPr lang="en-US" dirty="0" smtClean="0"/>
+              <a:rPr lang="en-US" smtClean="0"/>
               <a:t>Click to edit Master title style</a:t>
             </a:r>
             <a:endParaRPr lang="en-US" dirty="0"/>
@@ -4092,9 +6720,9 @@
             </a:lvl1pPr>
           </a:lstStyle>
           <a:p>
-            <a:fld id="{3018E712-267D-EA4C-905C-040E5E25E716}" type="datetime1">
-              <a:rPr lang="en-US" smtClean="0"/>
-              <a:t>11/14/15</a:t>
+            <a:fld id="{E271E826-0063-304C-BEE7-0BA6065310EA}" type="datetime1">
+              <a:rPr lang="en-US" smtClean="0"/>
+              <a:t>7/4/16</a:t>
             </a:fld>
             <a:endParaRPr lang="en-US"/>
           </a:p>
@@ -4133,7 +6761,7 @@
           <a:p>
             <a:r>
               <a:rPr lang="en-US" smtClean="0"/>
-              <a:t>© EV3Lessons.com, 2015, (Last edit: 2/28/2015)</a:t>
+              <a:t>© EV3Lessons.com, 2016, (Last edit: 7/04/2016)</a:t>
             </a:r>
             <a:endParaRPr lang="en-US"/>
           </a:p>
@@ -4141,7 +6769,7 @@
       </p:sp>
       <p:sp>
         <p:nvSpPr>
-          <p:cNvPr id="6" name="Slide Number Placeholder 5"/>
+          <p:cNvPr id="9" name="Slide Number Placeholder 6"/>
           <p:cNvSpPr>
             <a:spLocks noGrp="1"/>
           </p:cNvSpPr>
@@ -4151,24 +6779,16 @@
         </p:nvSpPr>
         <p:spPr>
           <a:xfrm>
-            <a:off x="8297523" y="6354445"/>
-            <a:ext cx="703601" cy="365125"/>
+            <a:off x="8477026" y="6358106"/>
+            <a:ext cx="666974" cy="365125"/>
           </a:xfrm>
           <a:prstGeom prst="rect">
             <a:avLst/>
           </a:prstGeom>
         </p:spPr>
         <p:txBody>
-          <a:bodyPr vert="horz" lIns="91440" tIns="45720" rIns="91440" bIns="45720" rtlCol="0" anchor="ctr"/>
-          <a:lstStyle>
-            <a:lvl1pPr algn="l">
-              <a:defRPr sz="2400" b="1">
-                <a:solidFill>
-                  <a:schemeClr val="tx2"/>
-                </a:solidFill>
-              </a:defRPr>
-            </a:lvl1pPr>
-          </a:lstStyle>
+          <a:bodyPr/>
+          <a:lstStyle/>
           <a:p>
             <a:fld id="{4DBC7FC8-25FB-FC45-8177-2B991DA6778C}" type="slidenum">
               <a:rPr lang="en-US" smtClean="0"/>
@@ -4180,9 +6800,9 @@
       </p:sp>
       <p:sp>
         <p:nvSpPr>
-          <p:cNvPr id="9" name="Rectangle 8"/>
+          <p:cNvPr id="10" name="Rectangle 9"/>
           <p:cNvSpPr/>
-          <p:nvPr userDrawn="1"/>
+          <p:nvPr/>
         </p:nvSpPr>
         <p:spPr>
           <a:xfrm>
@@ -4215,113 +6835,12 @@
             <a:schemeClr val="lt1"/>
           </a:fontRef>
         </p:style>
-        <p:txBody>
-          <a:bodyPr/>
-          <a:lstStyle>
-            <a:defPPr>
-              <a:defRPr lang="en-US"/>
-            </a:defPPr>
-            <a:lvl1pPr marL="0" algn="l" defTabSz="457200" rtl="0" eaLnBrk="1" latinLnBrk="0" hangingPunct="1">
-              <a:defRPr sz="1800" kern="1200">
-                <a:solidFill>
-                  <a:schemeClr val="lt1"/>
-                </a:solidFill>
-                <a:latin typeface="+mn-lt"/>
-                <a:ea typeface="+mn-ea"/>
-                <a:cs typeface="+mn-cs"/>
-              </a:defRPr>
-            </a:lvl1pPr>
-            <a:lvl2pPr marL="457200" algn="l" defTabSz="457200" rtl="0" eaLnBrk="1" latinLnBrk="0" hangingPunct="1">
-              <a:defRPr sz="1800" kern="1200">
-                <a:solidFill>
-                  <a:schemeClr val="lt1"/>
-                </a:solidFill>
-                <a:latin typeface="+mn-lt"/>
-                <a:ea typeface="+mn-ea"/>
-                <a:cs typeface="+mn-cs"/>
-              </a:defRPr>
-            </a:lvl2pPr>
-            <a:lvl3pPr marL="914400" algn="l" defTabSz="457200" rtl="0" eaLnBrk="1" latinLnBrk="0" hangingPunct="1">
-              <a:defRPr sz="1800" kern="1200">
-                <a:solidFill>
-                  <a:schemeClr val="lt1"/>
-                </a:solidFill>
-                <a:latin typeface="+mn-lt"/>
-                <a:ea typeface="+mn-ea"/>
-                <a:cs typeface="+mn-cs"/>
-              </a:defRPr>
-            </a:lvl3pPr>
-            <a:lvl4pPr marL="1371600" algn="l" defTabSz="457200" rtl="0" eaLnBrk="1" latinLnBrk="0" hangingPunct="1">
-              <a:defRPr sz="1800" kern="1200">
-                <a:solidFill>
-                  <a:schemeClr val="lt1"/>
-                </a:solidFill>
-                <a:latin typeface="+mn-lt"/>
-                <a:ea typeface="+mn-ea"/>
-                <a:cs typeface="+mn-cs"/>
-              </a:defRPr>
-            </a:lvl4pPr>
-            <a:lvl5pPr marL="1828800" algn="l" defTabSz="457200" rtl="0" eaLnBrk="1" latinLnBrk="0" hangingPunct="1">
-              <a:defRPr sz="1800" kern="1200">
-                <a:solidFill>
-                  <a:schemeClr val="lt1"/>
-                </a:solidFill>
-                <a:latin typeface="+mn-lt"/>
-                <a:ea typeface="+mn-ea"/>
-                <a:cs typeface="+mn-cs"/>
-              </a:defRPr>
-            </a:lvl5pPr>
-            <a:lvl6pPr marL="2286000" algn="l" defTabSz="457200" rtl="0" eaLnBrk="1" latinLnBrk="0" hangingPunct="1">
-              <a:defRPr sz="1800" kern="1200">
-                <a:solidFill>
-                  <a:schemeClr val="lt1"/>
-                </a:solidFill>
-                <a:latin typeface="+mn-lt"/>
-                <a:ea typeface="+mn-ea"/>
-                <a:cs typeface="+mn-cs"/>
-              </a:defRPr>
-            </a:lvl6pPr>
-            <a:lvl7pPr marL="2743200" algn="l" defTabSz="457200" rtl="0" eaLnBrk="1" latinLnBrk="0" hangingPunct="1">
-              <a:defRPr sz="1800" kern="1200">
-                <a:solidFill>
-                  <a:schemeClr val="lt1"/>
-                </a:solidFill>
-                <a:latin typeface="+mn-lt"/>
-                <a:ea typeface="+mn-ea"/>
-                <a:cs typeface="+mn-cs"/>
-              </a:defRPr>
-            </a:lvl7pPr>
-            <a:lvl8pPr marL="3200400" algn="l" defTabSz="457200" rtl="0" eaLnBrk="1" latinLnBrk="0" hangingPunct="1">
-              <a:defRPr sz="1800" kern="1200">
-                <a:solidFill>
-                  <a:schemeClr val="lt1"/>
-                </a:solidFill>
-                <a:latin typeface="+mn-lt"/>
-                <a:ea typeface="+mn-ea"/>
-                <a:cs typeface="+mn-cs"/>
-              </a:defRPr>
-            </a:lvl8pPr>
-            <a:lvl9pPr marL="3657600" algn="l" defTabSz="457200" rtl="0" eaLnBrk="1" latinLnBrk="0" hangingPunct="1">
-              <a:defRPr sz="1800" kern="1200">
-                <a:solidFill>
-                  <a:schemeClr val="lt1"/>
-                </a:solidFill>
-                <a:latin typeface="+mn-lt"/>
-                <a:ea typeface="+mn-ea"/>
-                <a:cs typeface="+mn-cs"/>
-              </a:defRPr>
-            </a:lvl9pPr>
-          </a:lstStyle>
-          <a:p>
-            <a:endParaRPr lang="en-US"/>
-          </a:p>
-        </p:txBody>
-      </p:sp>
-      <p:sp>
-        <p:nvSpPr>
-          <p:cNvPr id="10" name="Rectangle 9"/>
+      </p:sp>
+      <p:sp>
+        <p:nvSpPr>
+          <p:cNvPr id="11" name="Rectangle 10"/>
           <p:cNvSpPr/>
-          <p:nvPr userDrawn="1"/>
+          <p:nvPr/>
         </p:nvSpPr>
         <p:spPr>
           <a:xfrm>
@@ -4354,117 +6873,16 @@
             <a:schemeClr val="lt1"/>
           </a:fontRef>
         </p:style>
-        <p:txBody>
-          <a:bodyPr/>
-          <a:lstStyle>
-            <a:defPPr>
-              <a:defRPr lang="en-US"/>
-            </a:defPPr>
-            <a:lvl1pPr marL="0" algn="l" defTabSz="457200" rtl="0" eaLnBrk="1" latinLnBrk="0" hangingPunct="1">
-              <a:defRPr sz="1800" kern="1200">
-                <a:solidFill>
-                  <a:schemeClr val="lt1"/>
-                </a:solidFill>
-                <a:latin typeface="+mn-lt"/>
-                <a:ea typeface="+mn-ea"/>
-                <a:cs typeface="+mn-cs"/>
-              </a:defRPr>
-            </a:lvl1pPr>
-            <a:lvl2pPr marL="457200" algn="l" defTabSz="457200" rtl="0" eaLnBrk="1" latinLnBrk="0" hangingPunct="1">
-              <a:defRPr sz="1800" kern="1200">
-                <a:solidFill>
-                  <a:schemeClr val="lt1"/>
-                </a:solidFill>
-                <a:latin typeface="+mn-lt"/>
-                <a:ea typeface="+mn-ea"/>
-                <a:cs typeface="+mn-cs"/>
-              </a:defRPr>
-            </a:lvl2pPr>
-            <a:lvl3pPr marL="914400" algn="l" defTabSz="457200" rtl="0" eaLnBrk="1" latinLnBrk="0" hangingPunct="1">
-              <a:defRPr sz="1800" kern="1200">
-                <a:solidFill>
-                  <a:schemeClr val="lt1"/>
-                </a:solidFill>
-                <a:latin typeface="+mn-lt"/>
-                <a:ea typeface="+mn-ea"/>
-                <a:cs typeface="+mn-cs"/>
-              </a:defRPr>
-            </a:lvl3pPr>
-            <a:lvl4pPr marL="1371600" algn="l" defTabSz="457200" rtl="0" eaLnBrk="1" latinLnBrk="0" hangingPunct="1">
-              <a:defRPr sz="1800" kern="1200">
-                <a:solidFill>
-                  <a:schemeClr val="lt1"/>
-                </a:solidFill>
-                <a:latin typeface="+mn-lt"/>
-                <a:ea typeface="+mn-ea"/>
-                <a:cs typeface="+mn-cs"/>
-              </a:defRPr>
-            </a:lvl4pPr>
-            <a:lvl5pPr marL="1828800" algn="l" defTabSz="457200" rtl="0" eaLnBrk="1" latinLnBrk="0" hangingPunct="1">
-              <a:defRPr sz="1800" kern="1200">
-                <a:solidFill>
-                  <a:schemeClr val="lt1"/>
-                </a:solidFill>
-                <a:latin typeface="+mn-lt"/>
-                <a:ea typeface="+mn-ea"/>
-                <a:cs typeface="+mn-cs"/>
-              </a:defRPr>
-            </a:lvl5pPr>
-            <a:lvl6pPr marL="2286000" algn="l" defTabSz="457200" rtl="0" eaLnBrk="1" latinLnBrk="0" hangingPunct="1">
-              <a:defRPr sz="1800" kern="1200">
-                <a:solidFill>
-                  <a:schemeClr val="lt1"/>
-                </a:solidFill>
-                <a:latin typeface="+mn-lt"/>
-                <a:ea typeface="+mn-ea"/>
-                <a:cs typeface="+mn-cs"/>
-              </a:defRPr>
-            </a:lvl6pPr>
-            <a:lvl7pPr marL="2743200" algn="l" defTabSz="457200" rtl="0" eaLnBrk="1" latinLnBrk="0" hangingPunct="1">
-              <a:defRPr sz="1800" kern="1200">
-                <a:solidFill>
-                  <a:schemeClr val="lt1"/>
-                </a:solidFill>
-                <a:latin typeface="+mn-lt"/>
-                <a:ea typeface="+mn-ea"/>
-                <a:cs typeface="+mn-cs"/>
-              </a:defRPr>
-            </a:lvl7pPr>
-            <a:lvl8pPr marL="3200400" algn="l" defTabSz="457200" rtl="0" eaLnBrk="1" latinLnBrk="0" hangingPunct="1">
-              <a:defRPr sz="1800" kern="1200">
-                <a:solidFill>
-                  <a:schemeClr val="lt1"/>
-                </a:solidFill>
-                <a:latin typeface="+mn-lt"/>
-                <a:ea typeface="+mn-ea"/>
-                <a:cs typeface="+mn-cs"/>
-              </a:defRPr>
-            </a:lvl8pPr>
-            <a:lvl9pPr marL="3657600" algn="l" defTabSz="457200" rtl="0" eaLnBrk="1" latinLnBrk="0" hangingPunct="1">
-              <a:defRPr sz="1800" kern="1200">
-                <a:solidFill>
-                  <a:schemeClr val="lt1"/>
-                </a:solidFill>
-                <a:latin typeface="+mn-lt"/>
-                <a:ea typeface="+mn-ea"/>
-                <a:cs typeface="+mn-cs"/>
-              </a:defRPr>
-            </a:lvl9pPr>
-          </a:lstStyle>
-          <a:p>
-            <a:endParaRPr lang="en-US"/>
-          </a:p>
-        </p:txBody>
-      </p:sp>
-      <p:sp>
-        <p:nvSpPr>
-          <p:cNvPr id="11" name="Rectangle 10"/>
+      </p:sp>
+      <p:sp>
+        <p:nvSpPr>
+          <p:cNvPr id="12" name="Rectangle 11"/>
           <p:cNvSpPr/>
-          <p:nvPr userDrawn="1"/>
+          <p:nvPr/>
         </p:nvSpPr>
         <p:spPr>
           <a:xfrm>
-            <a:off x="8912380" y="0"/>
+            <a:off x="8904666" y="0"/>
             <a:ext cx="91440" cy="6858000"/>
           </a:xfrm>
           <a:prstGeom prst="rect">
@@ -4493,6 +6911,44 @@
             <a:schemeClr val="lt1"/>
           </a:fontRef>
         </p:style>
+      </p:sp>
+      <p:sp>
+        <p:nvSpPr>
+          <p:cNvPr id="13" name="Rectangle 12"/>
+          <p:cNvSpPr/>
+          <p:nvPr userDrawn="1"/>
+        </p:nvSpPr>
+        <p:spPr>
+          <a:xfrm>
+            <a:off x="8996106" y="2895600"/>
+            <a:ext cx="147895" cy="3962400"/>
+          </a:xfrm>
+          <a:prstGeom prst="rect">
+            <a:avLst/>
+          </a:prstGeom>
+          <a:solidFill>
+            <a:srgbClr val="92D050"/>
+          </a:solidFill>
+          <a:ln>
+            <a:noFill/>
+          </a:ln>
+        </p:spPr>
+        <p:style>
+          <a:lnRef idx="2">
+            <a:schemeClr val="accent1">
+              <a:shade val="50000"/>
+            </a:schemeClr>
+          </a:lnRef>
+          <a:fillRef idx="1">
+            <a:schemeClr val="accent1"/>
+          </a:fillRef>
+          <a:effectRef idx="0">
+            <a:schemeClr val="accent1"/>
+          </a:effectRef>
+          <a:fontRef idx="minor">
+            <a:schemeClr val="lt1"/>
+          </a:fontRef>
+        </p:style>
         <p:txBody>
           <a:bodyPr/>
           <a:lstStyle>
@@ -4595,22 +7051,312 @@
           </a:p>
         </p:txBody>
       </p:sp>
+      <p:sp>
+        <p:nvSpPr>
+          <p:cNvPr id="14" name="Rectangle 13"/>
+          <p:cNvSpPr/>
+          <p:nvPr userDrawn="1"/>
+        </p:nvSpPr>
+        <p:spPr>
+          <a:xfrm>
+            <a:off x="8959042" y="0"/>
+            <a:ext cx="184958" cy="2895600"/>
+          </a:xfrm>
+          <a:prstGeom prst="rect">
+            <a:avLst/>
+          </a:prstGeom>
+          <a:solidFill>
+            <a:srgbClr val="7030A0"/>
+          </a:solidFill>
+          <a:ln>
+            <a:noFill/>
+          </a:ln>
+        </p:spPr>
+        <p:style>
+          <a:lnRef idx="2">
+            <a:schemeClr val="accent1">
+              <a:shade val="50000"/>
+            </a:schemeClr>
+          </a:lnRef>
+          <a:fillRef idx="1">
+            <a:schemeClr val="accent1"/>
+          </a:fillRef>
+          <a:effectRef idx="0">
+            <a:schemeClr val="accent1"/>
+          </a:effectRef>
+          <a:fontRef idx="minor">
+            <a:schemeClr val="lt1"/>
+          </a:fontRef>
+        </p:style>
+        <p:txBody>
+          <a:bodyPr/>
+          <a:lstStyle>
+            <a:defPPr>
+              <a:defRPr lang="en-US"/>
+            </a:defPPr>
+            <a:lvl1pPr marL="0" algn="l" defTabSz="457200" rtl="0" eaLnBrk="1" latinLnBrk="0" hangingPunct="1">
+              <a:defRPr sz="1800" kern="1200">
+                <a:solidFill>
+                  <a:schemeClr val="lt1"/>
+                </a:solidFill>
+                <a:latin typeface="+mn-lt"/>
+                <a:ea typeface="+mn-ea"/>
+                <a:cs typeface="+mn-cs"/>
+              </a:defRPr>
+            </a:lvl1pPr>
+            <a:lvl2pPr marL="457200" algn="l" defTabSz="457200" rtl="0" eaLnBrk="1" latinLnBrk="0" hangingPunct="1">
+              <a:defRPr sz="1800" kern="1200">
+                <a:solidFill>
+                  <a:schemeClr val="lt1"/>
+                </a:solidFill>
+                <a:latin typeface="+mn-lt"/>
+                <a:ea typeface="+mn-ea"/>
+                <a:cs typeface="+mn-cs"/>
+              </a:defRPr>
+            </a:lvl2pPr>
+            <a:lvl3pPr marL="914400" algn="l" defTabSz="457200" rtl="0" eaLnBrk="1" latinLnBrk="0" hangingPunct="1">
+              <a:defRPr sz="1800" kern="1200">
+                <a:solidFill>
+                  <a:schemeClr val="lt1"/>
+                </a:solidFill>
+                <a:latin typeface="+mn-lt"/>
+                <a:ea typeface="+mn-ea"/>
+                <a:cs typeface="+mn-cs"/>
+              </a:defRPr>
+            </a:lvl3pPr>
+            <a:lvl4pPr marL="1371600" algn="l" defTabSz="457200" rtl="0" eaLnBrk="1" latinLnBrk="0" hangingPunct="1">
+              <a:defRPr sz="1800" kern="1200">
+                <a:solidFill>
+                  <a:schemeClr val="lt1"/>
+                </a:solidFill>
+                <a:latin typeface="+mn-lt"/>
+                <a:ea typeface="+mn-ea"/>
+                <a:cs typeface="+mn-cs"/>
+              </a:defRPr>
+            </a:lvl4pPr>
+            <a:lvl5pPr marL="1828800" algn="l" defTabSz="457200" rtl="0" eaLnBrk="1" latinLnBrk="0" hangingPunct="1">
+              <a:defRPr sz="1800" kern="1200">
+                <a:solidFill>
+                  <a:schemeClr val="lt1"/>
+                </a:solidFill>
+                <a:latin typeface="+mn-lt"/>
+                <a:ea typeface="+mn-ea"/>
+                <a:cs typeface="+mn-cs"/>
+              </a:defRPr>
+            </a:lvl5pPr>
+            <a:lvl6pPr marL="2286000" algn="l" defTabSz="457200" rtl="0" eaLnBrk="1" latinLnBrk="0" hangingPunct="1">
+              <a:defRPr sz="1800" kern="1200">
+                <a:solidFill>
+                  <a:schemeClr val="lt1"/>
+                </a:solidFill>
+                <a:latin typeface="+mn-lt"/>
+                <a:ea typeface="+mn-ea"/>
+                <a:cs typeface="+mn-cs"/>
+              </a:defRPr>
+            </a:lvl6pPr>
+            <a:lvl7pPr marL="2743200" algn="l" defTabSz="457200" rtl="0" eaLnBrk="1" latinLnBrk="0" hangingPunct="1">
+              <a:defRPr sz="1800" kern="1200">
+                <a:solidFill>
+                  <a:schemeClr val="lt1"/>
+                </a:solidFill>
+                <a:latin typeface="+mn-lt"/>
+                <a:ea typeface="+mn-ea"/>
+                <a:cs typeface="+mn-cs"/>
+              </a:defRPr>
+            </a:lvl7pPr>
+            <a:lvl8pPr marL="3200400" algn="l" defTabSz="457200" rtl="0" eaLnBrk="1" latinLnBrk="0" hangingPunct="1">
+              <a:defRPr sz="1800" kern="1200">
+                <a:solidFill>
+                  <a:schemeClr val="lt1"/>
+                </a:solidFill>
+                <a:latin typeface="+mn-lt"/>
+                <a:ea typeface="+mn-ea"/>
+                <a:cs typeface="+mn-cs"/>
+              </a:defRPr>
+            </a:lvl8pPr>
+            <a:lvl9pPr marL="3657600" algn="l" defTabSz="457200" rtl="0" eaLnBrk="1" latinLnBrk="0" hangingPunct="1">
+              <a:defRPr sz="1800" kern="1200">
+                <a:solidFill>
+                  <a:schemeClr val="lt1"/>
+                </a:solidFill>
+                <a:latin typeface="+mn-lt"/>
+                <a:ea typeface="+mn-ea"/>
+                <a:cs typeface="+mn-cs"/>
+              </a:defRPr>
+            </a:lvl9pPr>
+          </a:lstStyle>
+          <a:p>
+            <a:endParaRPr lang="en-US"/>
+          </a:p>
+        </p:txBody>
+      </p:sp>
+      <p:sp>
+        <p:nvSpPr>
+          <p:cNvPr id="15" name="Rectangle 14"/>
+          <p:cNvSpPr/>
+          <p:nvPr userDrawn="1"/>
+        </p:nvSpPr>
+        <p:spPr>
+          <a:xfrm>
+            <a:off x="8912380" y="0"/>
+            <a:ext cx="91440" cy="6858000"/>
+          </a:xfrm>
+          <a:prstGeom prst="rect">
+            <a:avLst/>
+          </a:prstGeom>
+          <a:solidFill>
+            <a:srgbClr val="0070C0"/>
+          </a:solidFill>
+          <a:ln>
+            <a:noFill/>
+          </a:ln>
+        </p:spPr>
+        <p:style>
+          <a:lnRef idx="2">
+            <a:schemeClr val="accent1">
+              <a:shade val="50000"/>
+            </a:schemeClr>
+          </a:lnRef>
+          <a:fillRef idx="1">
+            <a:schemeClr val="accent1"/>
+          </a:fillRef>
+          <a:effectRef idx="0">
+            <a:schemeClr val="accent1"/>
+          </a:effectRef>
+          <a:fontRef idx="minor">
+            <a:schemeClr val="lt1"/>
+          </a:fontRef>
+        </p:style>
+        <p:txBody>
+          <a:bodyPr/>
+          <a:lstStyle>
+            <a:defPPr>
+              <a:defRPr lang="en-US"/>
+            </a:defPPr>
+            <a:lvl1pPr marL="0" algn="l" defTabSz="457200" rtl="0" eaLnBrk="1" latinLnBrk="0" hangingPunct="1">
+              <a:defRPr sz="1800" kern="1200">
+                <a:solidFill>
+                  <a:schemeClr val="lt1"/>
+                </a:solidFill>
+                <a:latin typeface="+mn-lt"/>
+                <a:ea typeface="+mn-ea"/>
+                <a:cs typeface="+mn-cs"/>
+              </a:defRPr>
+            </a:lvl1pPr>
+            <a:lvl2pPr marL="457200" algn="l" defTabSz="457200" rtl="0" eaLnBrk="1" latinLnBrk="0" hangingPunct="1">
+              <a:defRPr sz="1800" kern="1200">
+                <a:solidFill>
+                  <a:schemeClr val="lt1"/>
+                </a:solidFill>
+                <a:latin typeface="+mn-lt"/>
+                <a:ea typeface="+mn-ea"/>
+                <a:cs typeface="+mn-cs"/>
+              </a:defRPr>
+            </a:lvl2pPr>
+            <a:lvl3pPr marL="914400" algn="l" defTabSz="457200" rtl="0" eaLnBrk="1" latinLnBrk="0" hangingPunct="1">
+              <a:defRPr sz="1800" kern="1200">
+                <a:solidFill>
+                  <a:schemeClr val="lt1"/>
+                </a:solidFill>
+                <a:latin typeface="+mn-lt"/>
+                <a:ea typeface="+mn-ea"/>
+                <a:cs typeface="+mn-cs"/>
+              </a:defRPr>
+            </a:lvl3pPr>
+            <a:lvl4pPr marL="1371600" algn="l" defTabSz="457200" rtl="0" eaLnBrk="1" latinLnBrk="0" hangingPunct="1">
+              <a:defRPr sz="1800" kern="1200">
+                <a:solidFill>
+                  <a:schemeClr val="lt1"/>
+                </a:solidFill>
+                <a:latin typeface="+mn-lt"/>
+                <a:ea typeface="+mn-ea"/>
+                <a:cs typeface="+mn-cs"/>
+              </a:defRPr>
+            </a:lvl4pPr>
+            <a:lvl5pPr marL="1828800" algn="l" defTabSz="457200" rtl="0" eaLnBrk="1" latinLnBrk="0" hangingPunct="1">
+              <a:defRPr sz="1800" kern="1200">
+                <a:solidFill>
+                  <a:schemeClr val="lt1"/>
+                </a:solidFill>
+                <a:latin typeface="+mn-lt"/>
+                <a:ea typeface="+mn-ea"/>
+                <a:cs typeface="+mn-cs"/>
+              </a:defRPr>
+            </a:lvl5pPr>
+            <a:lvl6pPr marL="2286000" algn="l" defTabSz="457200" rtl="0" eaLnBrk="1" latinLnBrk="0" hangingPunct="1">
+              <a:defRPr sz="1800" kern="1200">
+                <a:solidFill>
+                  <a:schemeClr val="lt1"/>
+                </a:solidFill>
+                <a:latin typeface="+mn-lt"/>
+                <a:ea typeface="+mn-ea"/>
+                <a:cs typeface="+mn-cs"/>
+              </a:defRPr>
+            </a:lvl6pPr>
+            <a:lvl7pPr marL="2743200" algn="l" defTabSz="457200" rtl="0" eaLnBrk="1" latinLnBrk="0" hangingPunct="1">
+              <a:defRPr sz="1800" kern="1200">
+                <a:solidFill>
+                  <a:schemeClr val="lt1"/>
+                </a:solidFill>
+                <a:latin typeface="+mn-lt"/>
+                <a:ea typeface="+mn-ea"/>
+                <a:cs typeface="+mn-cs"/>
+              </a:defRPr>
+            </a:lvl7pPr>
+            <a:lvl8pPr marL="3200400" algn="l" defTabSz="457200" rtl="0" eaLnBrk="1" latinLnBrk="0" hangingPunct="1">
+              <a:defRPr sz="1800" kern="1200">
+                <a:solidFill>
+                  <a:schemeClr val="lt1"/>
+                </a:solidFill>
+                <a:latin typeface="+mn-lt"/>
+                <a:ea typeface="+mn-ea"/>
+                <a:cs typeface="+mn-cs"/>
+              </a:defRPr>
+            </a:lvl8pPr>
+            <a:lvl9pPr marL="3657600" algn="l" defTabSz="457200" rtl="0" eaLnBrk="1" latinLnBrk="0" hangingPunct="1">
+              <a:defRPr sz="1800" kern="1200">
+                <a:solidFill>
+                  <a:schemeClr val="lt1"/>
+                </a:solidFill>
+                <a:latin typeface="+mn-lt"/>
+                <a:ea typeface="+mn-ea"/>
+                <a:cs typeface="+mn-cs"/>
+              </a:defRPr>
+            </a:lvl9pPr>
+          </a:lstStyle>
+          <a:p>
+            <a:endParaRPr lang="en-US"/>
+          </a:p>
+        </p:txBody>
+      </p:sp>
     </p:spTree>
+    <p:extLst>
+      <p:ext uri="{BB962C8B-B14F-4D97-AF65-F5344CB8AC3E}">
+        <p14:creationId xmlns:p14="http://schemas.microsoft.com/office/powerpoint/2010/main" val="277676301"/>
+      </p:ext>
+    </p:extLst>
   </p:cSld>
   <p:clrMap bg1="lt1" tx1="dk1" bg2="lt2" tx2="dk2" accent1="accent1" accent2="accent2" accent3="accent3" accent4="accent4" accent5="accent5" accent6="accent6" hlink="hlink" folHlink="folHlink"/>
   <p:sldLayoutIdLst>
-    <p:sldLayoutId id="2147483715" r:id="rId1"/>
-    <p:sldLayoutId id="2147483716" r:id="rId2"/>
-    <p:sldLayoutId id="2147483717" r:id="rId3"/>
-    <p:sldLayoutId id="2147483718" r:id="rId4"/>
-    <p:sldLayoutId id="2147483719" r:id="rId5"/>
-    <p:sldLayoutId id="2147483720" r:id="rId6"/>
-    <p:sldLayoutId id="2147483721" r:id="rId7"/>
-    <p:sldLayoutId id="2147483722" r:id="rId8"/>
-    <p:sldLayoutId id="2147483723" r:id="rId9"/>
-    <p:sldLayoutId id="2147483724" r:id="rId10"/>
-    <p:sldLayoutId id="2147483725" r:id="rId11"/>
+    <p:sldLayoutId id="2147483727" r:id="rId1"/>
+    <p:sldLayoutId id="2147483728" r:id="rId2"/>
+    <p:sldLayoutId id="2147483729" r:id="rId3"/>
+    <p:sldLayoutId id="2147483730" r:id="rId4"/>
+    <p:sldLayoutId id="2147483731" r:id="rId5"/>
+    <p:sldLayoutId id="2147483732" r:id="rId6"/>
+    <p:sldLayoutId id="2147483733" r:id="rId7"/>
+    <p:sldLayoutId id="2147483734" r:id="rId8"/>
+    <p:sldLayoutId id="2147483735" r:id="rId9"/>
+    <p:sldLayoutId id="2147483736" r:id="rId10"/>
+    <p:sldLayoutId id="2147483737" r:id="rId11"/>
   </p:sldLayoutIdLst>
+  <p:timing>
+    <p:tnLst>
+      <p:par>
+        <p:cTn id="1" dur="indefinite" restart="never" nodeType="tmRoot"/>
+      </p:par>
+    </p:tnLst>
+  </p:timing>
   <p:hf hdr="0" dt="0"/>
   <p:txStyles>
     <p:titleStyle>
@@ -4892,6 +7638,551 @@
 </p:sldMaster>
 </file>
 
+<file path=ppt/slideMasters/slideMaster2.xml><?xml version="1.0" encoding="utf-8"?>
+<p:sldMaster xmlns:a="http://schemas.openxmlformats.org/drawingml/2006/main" xmlns:r="http://schemas.openxmlformats.org/officeDocument/2006/relationships" xmlns:p="http://schemas.openxmlformats.org/presentationml/2006/main" preserve="1">
+  <p:cSld>
+    <p:bg>
+      <p:bgRef idx="1001">
+        <a:schemeClr val="bg1"/>
+      </p:bgRef>
+    </p:bg>
+    <p:spTree>
+      <p:nvGrpSpPr>
+        <p:cNvPr id="1" name=""/>
+        <p:cNvGrpSpPr/>
+        <p:nvPr/>
+      </p:nvGrpSpPr>
+      <p:grpSpPr>
+        <a:xfrm>
+          <a:off x="0" y="0"/>
+          <a:ext cx="0" cy="0"/>
+          <a:chOff x="0" y="0"/>
+          <a:chExt cx="0" cy="0"/>
+        </a:xfrm>
+      </p:grpSpPr>
+      <p:sp>
+        <p:nvSpPr>
+          <p:cNvPr id="2" name="Title Placeholder 1"/>
+          <p:cNvSpPr>
+            <a:spLocks noGrp="1"/>
+          </p:cNvSpPr>
+          <p:nvPr>
+            <p:ph type="title"/>
+          </p:nvPr>
+        </p:nvSpPr>
+        <p:spPr>
+          <a:xfrm>
+            <a:off x="628650" y="365125"/>
+            <a:ext cx="7886700" cy="1325563"/>
+          </a:xfrm>
+          <a:prstGeom prst="rect">
+            <a:avLst/>
+          </a:prstGeom>
+        </p:spPr>
+        <p:txBody>
+          <a:bodyPr vert="horz" lIns="91440" tIns="45720" rIns="91440" bIns="45720" rtlCol="0" anchor="ctr">
+            <a:normAutofit/>
+          </a:bodyPr>
+          <a:lstStyle/>
+          <a:p>
+            <a:r>
+              <a:rPr lang="en-US" smtClean="0"/>
+              <a:t>Click to edit Master title style</a:t>
+            </a:r>
+            <a:endParaRPr lang="en-US"/>
+          </a:p>
+        </p:txBody>
+      </p:sp>
+      <p:sp>
+        <p:nvSpPr>
+          <p:cNvPr id="3" name="Text Placeholder 2"/>
+          <p:cNvSpPr>
+            <a:spLocks noGrp="1"/>
+          </p:cNvSpPr>
+          <p:nvPr>
+            <p:ph type="body" idx="1"/>
+          </p:nvPr>
+        </p:nvSpPr>
+        <p:spPr>
+          <a:xfrm>
+            <a:off x="628650" y="1825625"/>
+            <a:ext cx="7886700" cy="4351338"/>
+          </a:xfrm>
+          <a:prstGeom prst="rect">
+            <a:avLst/>
+          </a:prstGeom>
+        </p:spPr>
+        <p:txBody>
+          <a:bodyPr vert="horz" lIns="91440" tIns="45720" rIns="91440" bIns="45720" rtlCol="0">
+            <a:normAutofit/>
+          </a:bodyPr>
+          <a:lstStyle/>
+          <a:p>
+            <a:pPr lvl="0"/>
+            <a:r>
+              <a:rPr lang="en-US" smtClean="0"/>
+              <a:t>Click to edit Master text styles</a:t>
+            </a:r>
+          </a:p>
+          <a:p>
+            <a:pPr lvl="1"/>
+            <a:r>
+              <a:rPr lang="en-US" smtClean="0"/>
+              <a:t>Second level</a:t>
+            </a:r>
+          </a:p>
+          <a:p>
+            <a:pPr lvl="2"/>
+            <a:r>
+              <a:rPr lang="en-US" smtClean="0"/>
+              <a:t>Third level</a:t>
+            </a:r>
+          </a:p>
+          <a:p>
+            <a:pPr lvl="3"/>
+            <a:r>
+              <a:rPr lang="en-US" smtClean="0"/>
+              <a:t>Fourth level</a:t>
+            </a:r>
+          </a:p>
+          <a:p>
+            <a:pPr lvl="4"/>
+            <a:r>
+              <a:rPr lang="en-US" smtClean="0"/>
+              <a:t>Fifth level</a:t>
+            </a:r>
+            <a:endParaRPr lang="en-US"/>
+          </a:p>
+        </p:txBody>
+      </p:sp>
+      <p:sp>
+        <p:nvSpPr>
+          <p:cNvPr id="4" name="Date Placeholder 3"/>
+          <p:cNvSpPr>
+            <a:spLocks noGrp="1"/>
+          </p:cNvSpPr>
+          <p:nvPr>
+            <p:ph type="dt" sz="half" idx="2"/>
+          </p:nvPr>
+        </p:nvSpPr>
+        <p:spPr>
+          <a:xfrm>
+            <a:off x="628650" y="6356350"/>
+            <a:ext cx="2057400" cy="365125"/>
+          </a:xfrm>
+          <a:prstGeom prst="rect">
+            <a:avLst/>
+          </a:prstGeom>
+        </p:spPr>
+        <p:txBody>
+          <a:bodyPr vert="horz" lIns="91440" tIns="45720" rIns="91440" bIns="45720" rtlCol="0" anchor="ctr"/>
+          <a:lstStyle>
+            <a:lvl1pPr algn="l">
+              <a:defRPr sz="1200">
+                <a:solidFill>
+                  <a:schemeClr val="tx1">
+                    <a:tint val="75000"/>
+                  </a:schemeClr>
+                </a:solidFill>
+              </a:defRPr>
+            </a:lvl1pPr>
+          </a:lstStyle>
+          <a:p>
+            <a:fld id="{99414BAA-423C-F045-B8BC-4F35D36808C6}" type="datetime1">
+              <a:rPr lang="en-US" smtClean="0"/>
+              <a:t>7/4/16</a:t>
+            </a:fld>
+            <a:endParaRPr lang="en-US"/>
+          </a:p>
+        </p:txBody>
+      </p:sp>
+      <p:sp>
+        <p:nvSpPr>
+          <p:cNvPr id="5" name="Footer Placeholder 4"/>
+          <p:cNvSpPr>
+            <a:spLocks noGrp="1"/>
+          </p:cNvSpPr>
+          <p:nvPr>
+            <p:ph type="ftr" sz="quarter" idx="3"/>
+          </p:nvPr>
+        </p:nvSpPr>
+        <p:spPr>
+          <a:xfrm>
+            <a:off x="3028950" y="6356350"/>
+            <a:ext cx="3086100" cy="365125"/>
+          </a:xfrm>
+          <a:prstGeom prst="rect">
+            <a:avLst/>
+          </a:prstGeom>
+        </p:spPr>
+        <p:txBody>
+          <a:bodyPr vert="horz" lIns="91440" tIns="45720" rIns="91440" bIns="45720" rtlCol="0" anchor="ctr"/>
+          <a:lstStyle>
+            <a:lvl1pPr algn="ctr">
+              <a:defRPr sz="1200">
+                <a:solidFill>
+                  <a:schemeClr val="tx1">
+                    <a:tint val="75000"/>
+                  </a:schemeClr>
+                </a:solidFill>
+              </a:defRPr>
+            </a:lvl1pPr>
+          </a:lstStyle>
+          <a:p>
+            <a:r>
+              <a:rPr lang="en-US" smtClean="0"/>
+              <a:t>© EV3Lessons.com, 2016, (Last edit: 7/04/2016)</a:t>
+            </a:r>
+            <a:endParaRPr lang="en-US"/>
+          </a:p>
+        </p:txBody>
+      </p:sp>
+      <p:sp>
+        <p:nvSpPr>
+          <p:cNvPr id="6" name="Slide Number Placeholder 5"/>
+          <p:cNvSpPr>
+            <a:spLocks noGrp="1"/>
+          </p:cNvSpPr>
+          <p:nvPr>
+            <p:ph type="sldNum" sz="quarter" idx="4"/>
+          </p:nvPr>
+        </p:nvSpPr>
+        <p:spPr>
+          <a:xfrm>
+            <a:off x="6457950" y="6356350"/>
+            <a:ext cx="2057400" cy="365125"/>
+          </a:xfrm>
+          <a:prstGeom prst="rect">
+            <a:avLst/>
+          </a:prstGeom>
+        </p:spPr>
+        <p:txBody>
+          <a:bodyPr vert="horz" lIns="91440" tIns="45720" rIns="91440" bIns="45720" rtlCol="0" anchor="ctr"/>
+          <a:lstStyle>
+            <a:lvl1pPr algn="r">
+              <a:defRPr sz="1200">
+                <a:solidFill>
+                  <a:schemeClr val="tx1">
+                    <a:tint val="75000"/>
+                  </a:schemeClr>
+                </a:solidFill>
+              </a:defRPr>
+            </a:lvl1pPr>
+          </a:lstStyle>
+          <a:p>
+            <a:fld id="{DE42E464-3EB8-43C8-8768-9E2AD4F497B7}" type="slidenum">
+              <a:rPr lang="en-US" smtClean="0"/>
+              <a:t>‹#›</a:t>
+            </a:fld>
+            <a:endParaRPr lang="en-US"/>
+          </a:p>
+        </p:txBody>
+      </p:sp>
+    </p:spTree>
+    <p:extLst>
+      <p:ext uri="{BB962C8B-B14F-4D97-AF65-F5344CB8AC3E}">
+        <p14:creationId xmlns:p14="http://schemas.microsoft.com/office/powerpoint/2010/main" val="1878338113"/>
+      </p:ext>
+    </p:extLst>
+  </p:cSld>
+  <p:clrMap bg1="lt1" tx1="dk1" bg2="lt2" tx2="dk2" accent1="accent1" accent2="accent2" accent3="accent3" accent4="accent4" accent5="accent5" accent6="accent6" hlink="hlink" folHlink="folHlink"/>
+  <p:sldLayoutIdLst>
+    <p:sldLayoutId id="2147483739" r:id="rId1"/>
+    <p:sldLayoutId id="2147483740" r:id="rId2"/>
+    <p:sldLayoutId id="2147483741" r:id="rId3"/>
+    <p:sldLayoutId id="2147483742" r:id="rId4"/>
+    <p:sldLayoutId id="2147483743" r:id="rId5"/>
+    <p:sldLayoutId id="2147483744" r:id="rId6"/>
+    <p:sldLayoutId id="2147483745" r:id="rId7"/>
+    <p:sldLayoutId id="2147483746" r:id="rId8"/>
+    <p:sldLayoutId id="2147483747" r:id="rId9"/>
+    <p:sldLayoutId id="2147483748" r:id="rId10"/>
+    <p:sldLayoutId id="2147483749" r:id="rId11"/>
+  </p:sldLayoutIdLst>
+  <p:hf hdr="0" dt="0"/>
+  <p:txStyles>
+    <p:titleStyle>
+      <a:lvl1pPr algn="l" defTabSz="914400" rtl="0" eaLnBrk="1" latinLnBrk="0" hangingPunct="1">
+        <a:lnSpc>
+          <a:spcPct val="90000"/>
+        </a:lnSpc>
+        <a:spcBef>
+          <a:spcPct val="0"/>
+        </a:spcBef>
+        <a:buNone/>
+        <a:defRPr sz="4400" kern="1200">
+          <a:solidFill>
+            <a:schemeClr val="tx1"/>
+          </a:solidFill>
+          <a:latin typeface="+mj-lt"/>
+          <a:ea typeface="+mj-ea"/>
+          <a:cs typeface="+mj-cs"/>
+        </a:defRPr>
+      </a:lvl1pPr>
+    </p:titleStyle>
+    <p:bodyStyle>
+      <a:lvl1pPr marL="228600" indent="-228600" algn="l" defTabSz="914400" rtl="0" eaLnBrk="1" latinLnBrk="0" hangingPunct="1">
+        <a:lnSpc>
+          <a:spcPct val="90000"/>
+        </a:lnSpc>
+        <a:spcBef>
+          <a:spcPts val="1000"/>
+        </a:spcBef>
+        <a:buFont typeface="Arial" panose="020B0604020202020204" pitchFamily="34" charset="0"/>
+        <a:buChar char="•"/>
+        <a:defRPr sz="2800" kern="1200">
+          <a:solidFill>
+            <a:schemeClr val="tx1"/>
+          </a:solidFill>
+          <a:latin typeface="+mn-lt"/>
+          <a:ea typeface="+mn-ea"/>
+          <a:cs typeface="+mn-cs"/>
+        </a:defRPr>
+      </a:lvl1pPr>
+      <a:lvl2pPr marL="685800" indent="-228600" algn="l" defTabSz="914400" rtl="0" eaLnBrk="1" latinLnBrk="0" hangingPunct="1">
+        <a:lnSpc>
+          <a:spcPct val="90000"/>
+        </a:lnSpc>
+        <a:spcBef>
+          <a:spcPts val="500"/>
+        </a:spcBef>
+        <a:buFont typeface="Arial" panose="020B0604020202020204" pitchFamily="34" charset="0"/>
+        <a:buChar char="•"/>
+        <a:defRPr sz="2400" kern="1200">
+          <a:solidFill>
+            <a:schemeClr val="tx1"/>
+          </a:solidFill>
+          <a:latin typeface="+mn-lt"/>
+          <a:ea typeface="+mn-ea"/>
+          <a:cs typeface="+mn-cs"/>
+        </a:defRPr>
+      </a:lvl2pPr>
+      <a:lvl3pPr marL="1143000" indent="-228600" algn="l" defTabSz="914400" rtl="0" eaLnBrk="1" latinLnBrk="0" hangingPunct="1">
+        <a:lnSpc>
+          <a:spcPct val="90000"/>
+        </a:lnSpc>
+        <a:spcBef>
+          <a:spcPts val="500"/>
+        </a:spcBef>
+        <a:buFont typeface="Arial" panose="020B0604020202020204" pitchFamily="34" charset="0"/>
+        <a:buChar char="•"/>
+        <a:defRPr sz="2000" kern="1200">
+          <a:solidFill>
+            <a:schemeClr val="tx1"/>
+          </a:solidFill>
+          <a:latin typeface="+mn-lt"/>
+          <a:ea typeface="+mn-ea"/>
+          <a:cs typeface="+mn-cs"/>
+        </a:defRPr>
+      </a:lvl3pPr>
+      <a:lvl4pPr marL="1600200" indent="-228600" algn="l" defTabSz="914400" rtl="0" eaLnBrk="1" latinLnBrk="0" hangingPunct="1">
+        <a:lnSpc>
+          <a:spcPct val="90000"/>
+        </a:lnSpc>
+        <a:spcBef>
+          <a:spcPts val="500"/>
+        </a:spcBef>
+        <a:buFont typeface="Arial" panose="020B0604020202020204" pitchFamily="34" charset="0"/>
+        <a:buChar char="•"/>
+        <a:defRPr sz="1800" kern="1200">
+          <a:solidFill>
+            <a:schemeClr val="tx1"/>
+          </a:solidFill>
+          <a:latin typeface="+mn-lt"/>
+          <a:ea typeface="+mn-ea"/>
+          <a:cs typeface="+mn-cs"/>
+        </a:defRPr>
+      </a:lvl4pPr>
+      <a:lvl5pPr marL="2057400" indent="-228600" algn="l" defTabSz="914400" rtl="0" eaLnBrk="1" latinLnBrk="0" hangingPunct="1">
+        <a:lnSpc>
+          <a:spcPct val="90000"/>
+        </a:lnSpc>
+        <a:spcBef>
+          <a:spcPts val="500"/>
+        </a:spcBef>
+        <a:buFont typeface="Arial" panose="020B0604020202020204" pitchFamily="34" charset="0"/>
+        <a:buChar char="•"/>
+        <a:defRPr sz="1800" kern="1200">
+          <a:solidFill>
+            <a:schemeClr val="tx1"/>
+          </a:solidFill>
+          <a:latin typeface="+mn-lt"/>
+          <a:ea typeface="+mn-ea"/>
+          <a:cs typeface="+mn-cs"/>
+        </a:defRPr>
+      </a:lvl5pPr>
+      <a:lvl6pPr marL="2514600" indent="-228600" algn="l" defTabSz="914400" rtl="0" eaLnBrk="1" latinLnBrk="0" hangingPunct="1">
+        <a:lnSpc>
+          <a:spcPct val="90000"/>
+        </a:lnSpc>
+        <a:spcBef>
+          <a:spcPts val="500"/>
+        </a:spcBef>
+        <a:buFont typeface="Arial" panose="020B0604020202020204" pitchFamily="34" charset="0"/>
+        <a:buChar char="•"/>
+        <a:defRPr sz="1800" kern="1200">
+          <a:solidFill>
+            <a:schemeClr val="tx1"/>
+          </a:solidFill>
+          <a:latin typeface="+mn-lt"/>
+          <a:ea typeface="+mn-ea"/>
+          <a:cs typeface="+mn-cs"/>
+        </a:defRPr>
+      </a:lvl6pPr>
+      <a:lvl7pPr marL="2971800" indent="-228600" algn="l" defTabSz="914400" rtl="0" eaLnBrk="1" latinLnBrk="0" hangingPunct="1">
+        <a:lnSpc>
+          <a:spcPct val="90000"/>
+        </a:lnSpc>
+        <a:spcBef>
+          <a:spcPts val="500"/>
+        </a:spcBef>
+        <a:buFont typeface="Arial" panose="020B0604020202020204" pitchFamily="34" charset="0"/>
+        <a:buChar char="•"/>
+        <a:defRPr sz="1800" kern="1200">
+          <a:solidFill>
+            <a:schemeClr val="tx1"/>
+          </a:solidFill>
+          <a:latin typeface="+mn-lt"/>
+          <a:ea typeface="+mn-ea"/>
+          <a:cs typeface="+mn-cs"/>
+        </a:defRPr>
+      </a:lvl7pPr>
+      <a:lvl8pPr marL="3429000" indent="-228600" algn="l" defTabSz="914400" rtl="0" eaLnBrk="1" latinLnBrk="0" hangingPunct="1">
+        <a:lnSpc>
+          <a:spcPct val="90000"/>
+        </a:lnSpc>
+        <a:spcBef>
+          <a:spcPts val="500"/>
+        </a:spcBef>
+        <a:buFont typeface="Arial" panose="020B0604020202020204" pitchFamily="34" charset="0"/>
+        <a:buChar char="•"/>
+        <a:defRPr sz="1800" kern="1200">
+          <a:solidFill>
+            <a:schemeClr val="tx1"/>
+          </a:solidFill>
+          <a:latin typeface="+mn-lt"/>
+          <a:ea typeface="+mn-ea"/>
+          <a:cs typeface="+mn-cs"/>
+        </a:defRPr>
+      </a:lvl8pPr>
+      <a:lvl9pPr marL="3886200" indent="-228600" algn="l" defTabSz="914400" rtl="0" eaLnBrk="1" latinLnBrk="0" hangingPunct="1">
+        <a:lnSpc>
+          <a:spcPct val="90000"/>
+        </a:lnSpc>
+        <a:spcBef>
+          <a:spcPts val="500"/>
+        </a:spcBef>
+        <a:buFont typeface="Arial" panose="020B0604020202020204" pitchFamily="34" charset="0"/>
+        <a:buChar char="•"/>
+        <a:defRPr sz="1800" kern="1200">
+          <a:solidFill>
+            <a:schemeClr val="tx1"/>
+          </a:solidFill>
+          <a:latin typeface="+mn-lt"/>
+          <a:ea typeface="+mn-ea"/>
+          <a:cs typeface="+mn-cs"/>
+        </a:defRPr>
+      </a:lvl9pPr>
+    </p:bodyStyle>
+    <p:otherStyle>
+      <a:defPPr>
+        <a:defRPr lang="en-US"/>
+      </a:defPPr>
+      <a:lvl1pPr marL="0" algn="l" defTabSz="914400" rtl="0" eaLnBrk="1" latinLnBrk="0" hangingPunct="1">
+        <a:defRPr sz="1800" kern="1200">
+          <a:solidFill>
+            <a:schemeClr val="tx1"/>
+          </a:solidFill>
+          <a:latin typeface="+mn-lt"/>
+          <a:ea typeface="+mn-ea"/>
+          <a:cs typeface="+mn-cs"/>
+        </a:defRPr>
+      </a:lvl1pPr>
+      <a:lvl2pPr marL="457200" algn="l" defTabSz="914400" rtl="0" eaLnBrk="1" latinLnBrk="0" hangingPunct="1">
+        <a:defRPr sz="1800" kern="1200">
+          <a:solidFill>
+            <a:schemeClr val="tx1"/>
+          </a:solidFill>
+          <a:latin typeface="+mn-lt"/>
+          <a:ea typeface="+mn-ea"/>
+          <a:cs typeface="+mn-cs"/>
+        </a:defRPr>
+      </a:lvl2pPr>
+      <a:lvl3pPr marL="914400" algn="l" defTabSz="914400" rtl="0" eaLnBrk="1" latinLnBrk="0" hangingPunct="1">
+        <a:defRPr sz="1800" kern="1200">
+          <a:solidFill>
+            <a:schemeClr val="tx1"/>
+          </a:solidFill>
+          <a:latin typeface="+mn-lt"/>
+          <a:ea typeface="+mn-ea"/>
+          <a:cs typeface="+mn-cs"/>
+        </a:defRPr>
+      </a:lvl3pPr>
+      <a:lvl4pPr marL="1371600" algn="l" defTabSz="914400" rtl="0" eaLnBrk="1" latinLnBrk="0" hangingPunct="1">
+        <a:defRPr sz="1800" kern="1200">
+          <a:solidFill>
+            <a:schemeClr val="tx1"/>
+          </a:solidFill>
+          <a:latin typeface="+mn-lt"/>
+          <a:ea typeface="+mn-ea"/>
+          <a:cs typeface="+mn-cs"/>
+        </a:defRPr>
+      </a:lvl4pPr>
+      <a:lvl5pPr marL="1828800" algn="l" defTabSz="914400" rtl="0" eaLnBrk="1" latinLnBrk="0" hangingPunct="1">
+        <a:defRPr sz="1800" kern="1200">
+          <a:solidFill>
+            <a:schemeClr val="tx1"/>
+          </a:solidFill>
+          <a:latin typeface="+mn-lt"/>
+          <a:ea typeface="+mn-ea"/>
+          <a:cs typeface="+mn-cs"/>
+        </a:defRPr>
+      </a:lvl5pPr>
+      <a:lvl6pPr marL="2286000" algn="l" defTabSz="914400" rtl="0" eaLnBrk="1" latinLnBrk="0" hangingPunct="1">
+        <a:defRPr sz="1800" kern="1200">
+          <a:solidFill>
+            <a:schemeClr val="tx1"/>
+          </a:solidFill>
+          <a:latin typeface="+mn-lt"/>
+          <a:ea typeface="+mn-ea"/>
+          <a:cs typeface="+mn-cs"/>
+        </a:defRPr>
+      </a:lvl6pPr>
+      <a:lvl7pPr marL="2743200" algn="l" defTabSz="914400" rtl="0" eaLnBrk="1" latinLnBrk="0" hangingPunct="1">
+        <a:defRPr sz="1800" kern="1200">
+          <a:solidFill>
+            <a:schemeClr val="tx1"/>
+          </a:solidFill>
+          <a:latin typeface="+mn-lt"/>
+          <a:ea typeface="+mn-ea"/>
+          <a:cs typeface="+mn-cs"/>
+        </a:defRPr>
+      </a:lvl7pPr>
+      <a:lvl8pPr marL="3200400" algn="l" defTabSz="914400" rtl="0" eaLnBrk="1" latinLnBrk="0" hangingPunct="1">
+        <a:defRPr sz="1800" kern="1200">
+          <a:solidFill>
+            <a:schemeClr val="tx1"/>
+          </a:solidFill>
+          <a:latin typeface="+mn-lt"/>
+          <a:ea typeface="+mn-ea"/>
+          <a:cs typeface="+mn-cs"/>
+        </a:defRPr>
+      </a:lvl8pPr>
+      <a:lvl9pPr marL="3657600" algn="l" defTabSz="914400" rtl="0" eaLnBrk="1" latinLnBrk="0" hangingPunct="1">
+        <a:defRPr sz="1800" kern="1200">
+          <a:solidFill>
+            <a:schemeClr val="tx1"/>
+          </a:solidFill>
+          <a:latin typeface="+mn-lt"/>
+          <a:ea typeface="+mn-ea"/>
+          <a:cs typeface="+mn-cs"/>
+        </a:defRPr>
+      </a:lvl9pPr>
+    </p:otherStyle>
+  </p:txStyles>
+</p:sldMaster>
+</file>
+
 <file path=ppt/slides/slide1.xml><?xml version="1.0" encoding="utf-8"?>
 <p:sld xmlns:a="http://schemas.openxmlformats.org/drawingml/2006/main" xmlns:r="http://schemas.openxmlformats.org/officeDocument/2006/relationships" xmlns:p="http://schemas.openxmlformats.org/presentationml/2006/main">
   <p:cSld>
@@ -4911,7 +8202,30 @@
       </p:grpSpPr>
       <p:sp>
         <p:nvSpPr>
-          <p:cNvPr id="2" name="Title 1"/>
+          <p:cNvPr id="2" name="Subtitle 1"/>
+          <p:cNvSpPr>
+            <a:spLocks noGrp="1"/>
+          </p:cNvSpPr>
+          <p:nvPr>
+            <p:ph type="subTitle" idx="1"/>
+          </p:nvPr>
+        </p:nvSpPr>
+        <p:spPr/>
+        <p:txBody>
+          <a:bodyPr/>
+          <a:lstStyle/>
+          <a:p>
+            <a:r>
+              <a:rPr lang="en-US" dirty="0" smtClean="0"/>
+              <a:t>Final Challenges</a:t>
+            </a:r>
+            <a:endParaRPr lang="en-US" dirty="0"/>
+          </a:p>
+        </p:txBody>
+      </p:sp>
+      <p:sp>
+        <p:nvSpPr>
+          <p:cNvPr id="3" name="Title 2"/>
           <p:cNvSpPr>
             <a:spLocks noGrp="1"/>
           </p:cNvSpPr>
@@ -4919,199 +8233,30 @@
             <p:ph type="ctrTitle"/>
           </p:nvPr>
         </p:nvSpPr>
-        <p:spPr>
-          <a:xfrm>
-            <a:off x="402305" y="311631"/>
-            <a:ext cx="4182799" cy="1923569"/>
-          </a:xfrm>
-        </p:spPr>
+        <p:spPr/>
         <p:txBody>
           <a:bodyPr/>
           <a:lstStyle/>
           <a:p>
             <a:pPr algn="ctr"/>
             <a:r>
-              <a:rPr lang="en-US" sz="3200" dirty="0" smtClean="0"/>
-              <a:t>BEGINNER EV3 PROGRAMMING</a:t>
-            </a:r>
-            <a:r>
-              <a:rPr lang="en-US" sz="4000" dirty="0" smtClean="0"/>
-              <a:t/>
-            </a:r>
-            <a:br>
-              <a:rPr lang="en-US" sz="4000" dirty="0" smtClean="0"/>
-            </a:br>
-            <a:r>
-              <a:rPr lang="en-US" sz="3200" dirty="0" smtClean="0"/>
-              <a:t>Lesson</a:t>
-            </a:r>
-            <a:endParaRPr lang="en-US" sz="3200" dirty="0"/>
-          </a:p>
-        </p:txBody>
-      </p:sp>
-      <p:sp>
-        <p:nvSpPr>
-          <p:cNvPr id="7" name="TextBox 6"/>
-          <p:cNvSpPr txBox="1"/>
-          <p:nvPr/>
-        </p:nvSpPr>
-        <p:spPr>
-          <a:xfrm>
-            <a:off x="1487501" y="5949643"/>
-            <a:ext cx="4750545" cy="523220"/>
-          </a:xfrm>
-          <a:prstGeom prst="rect">
-            <a:avLst/>
-          </a:prstGeom>
-          <a:noFill/>
-        </p:spPr>
-        <p:txBody>
-          <a:bodyPr wrap="square" rtlCol="0">
-            <a:spAutoFit/>
-          </a:bodyPr>
-          <a:lstStyle/>
-          <a:p>
-            <a:r>
-              <a:rPr lang="en-US" sz="2800" dirty="0" smtClean="0"/>
-              <a:t>By: Droids Robotics</a:t>
-            </a:r>
-          </a:p>
-        </p:txBody>
-      </p:sp>
-      <p:sp>
-        <p:nvSpPr>
-          <p:cNvPr id="4" name="TextBox 3"/>
-          <p:cNvSpPr txBox="1"/>
-          <p:nvPr/>
-        </p:nvSpPr>
-        <p:spPr>
-          <a:xfrm>
-            <a:off x="550088" y="2713113"/>
-            <a:ext cx="8187512" cy="1384995"/>
-          </a:xfrm>
-          <a:prstGeom prst="rect">
-            <a:avLst/>
-          </a:prstGeom>
-          <a:noFill/>
-        </p:spPr>
-        <p:txBody>
-          <a:bodyPr wrap="square" rtlCol="0">
-            <a:spAutoFit/>
-          </a:bodyPr>
-          <a:lstStyle/>
-          <a:p>
-            <a:r>
-              <a:rPr lang="en-US" sz="2800" dirty="0" smtClean="0">
-                <a:solidFill>
-                  <a:srgbClr val="FF0000"/>
-                </a:solidFill>
-              </a:rPr>
-              <a:t>Topics Covered:</a:t>
-            </a:r>
-          </a:p>
-          <a:p>
-            <a:r>
-              <a:rPr lang="en-US" sz="2800" dirty="0" smtClean="0">
-                <a:solidFill>
-                  <a:srgbClr val="FF0000"/>
-                </a:solidFill>
-              </a:rPr>
-              <a:t>Final Challenges</a:t>
-            </a:r>
-          </a:p>
-          <a:p>
-            <a:endParaRPr lang="en-US" sz="2800" dirty="0"/>
-          </a:p>
-        </p:txBody>
-      </p:sp>
-      <p:pic>
-        <p:nvPicPr>
-          <p:cNvPr id="1026" name="Picture 2" descr="EV3Lessons.com"/>
-          <p:cNvPicPr>
-            <a:picLocks noChangeAspect="1" noChangeArrowheads="1"/>
-          </p:cNvPicPr>
-          <p:nvPr/>
-        </p:nvPicPr>
-        <p:blipFill>
-          <a:blip r:embed="rId3">
-            <a:extLst>
-              <a:ext uri="{28A0092B-C50C-407E-A947-70E740481C1C}">
-                <a14:useLocalDpi xmlns:a14="http://schemas.microsoft.com/office/drawing/2010/main" val="0"/>
-              </a:ext>
-            </a:extLst>
-          </a:blip>
-          <a:srcRect/>
-          <a:stretch>
-            <a:fillRect/>
-          </a:stretch>
-        </p:blipFill>
-        <p:spPr bwMode="auto">
-          <a:xfrm>
-            <a:off x="4585105" y="436041"/>
-            <a:ext cx="4231698" cy="1571774"/>
-          </a:xfrm>
-          <a:prstGeom prst="rect">
-            <a:avLst/>
-          </a:prstGeom>
-          <a:noFill/>
-          <a:extLst>
-            <a:ext uri="{909E8E84-426E-40dd-AFC4-6F175D3DCCD1}">
-              <a14:hiddenFill xmlns="" xmlns:a14="http://schemas.microsoft.com/office/drawing/2010/main">
-                <a:solidFill>
-                  <a:srgbClr val="FFFFFF"/>
-                </a:solidFill>
-              </a14:hiddenFill>
-            </a:ext>
-          </a:extLst>
-        </p:spPr>
-      </p:pic>
-      <p:pic>
-        <p:nvPicPr>
-          <p:cNvPr id="5" name="Picture 4"/>
-          <p:cNvPicPr>
-            <a:picLocks noChangeAspect="1"/>
-          </p:cNvPicPr>
-          <p:nvPr/>
-        </p:nvPicPr>
-        <p:blipFill>
-          <a:blip r:embed="rId4">
-            <a:extLst>
-              <a:ext uri="{28A0092B-C50C-407E-A947-70E740481C1C}">
-                <a14:useLocalDpi xmlns:a14="http://schemas.microsoft.com/office/drawing/2010/main" val="0"/>
-              </a:ext>
-            </a:extLst>
-          </a:blip>
-          <a:stretch>
-            <a:fillRect/>
-          </a:stretch>
-        </p:blipFill>
-        <p:spPr>
-          <a:xfrm>
-            <a:off x="341232" y="5297213"/>
-            <a:ext cx="1146269" cy="1096597"/>
-          </a:xfrm>
-          <a:prstGeom prst="rect">
-            <a:avLst/>
-          </a:prstGeom>
-        </p:spPr>
-      </p:pic>
+              <a:rPr lang="en-US" dirty="0" smtClean="0"/>
+              <a:t>BEGINNER PROGRAMMING LESSON</a:t>
+            </a:r>
+            <a:endParaRPr lang="en-US" dirty="0"/>
+          </a:p>
+        </p:txBody>
+      </p:sp>
     </p:spTree>
     <p:extLst>
       <p:ext uri="{BB962C8B-B14F-4D97-AF65-F5344CB8AC3E}">
-        <p14:creationId xmlns:p14="http://schemas.microsoft.com/office/powerpoint/2010/main" val="125882730"/>
+        <p14:creationId xmlns:p14="http://schemas.microsoft.com/office/powerpoint/2010/main" val="1002967640"/>
       </p:ext>
     </p:extLst>
   </p:cSld>
   <p:clrMapOvr>
     <a:masterClrMapping/>
   </p:clrMapOvr>
-  <p:timing>
-    <p:tnLst>
-      <p:par>
-        <p:cTn id="1" dur="indefinite" restart="never" nodeType="tmRoot"/>
-      </p:par>
-    </p:tnLst>
-  </p:timing>
 </p:sld>
 </file>
 
@@ -5178,7 +8323,7 @@
         </p:spPr>
         <p:txBody>
           <a:bodyPr>
-            <a:normAutofit/>
+            <a:normAutofit lnSpcReduction="10000"/>
           </a:bodyPr>
           <a:lstStyle/>
           <a:p>
@@ -5216,7 +8361,15 @@
             </a:pPr>
             <a:r>
               <a:rPr lang="en-US" b="0" dirty="0" smtClean="0"/>
-              <a:t>You can also use old First Lego League Mats for practice.  They are sometimes available on eBay or other teams.</a:t>
+              <a:t>You can also use old </a:t>
+            </a:r>
+            <a:r>
+              <a:rPr lang="en-US" b="0" dirty="0" smtClean="0"/>
+              <a:t>FIRST LEGO </a:t>
+            </a:r>
+            <a:r>
+              <a:rPr lang="en-US" b="0" dirty="0" smtClean="0"/>
+              <a:t>League Mats for practice.  They are sometimes available on eBay or other teams.</a:t>
             </a:r>
           </a:p>
           <a:p>
@@ -5241,7 +8394,7 @@
           <a:p>
             <a:r>
               <a:rPr lang="en-US" smtClean="0"/>
-              <a:t>© EV3Lessons.com, 2015, (Last edit: 2/28/2015)</a:t>
+              <a:t>© EV3Lessons.com, 2016, (Last edit: 7/04/2016)</a:t>
             </a:r>
             <a:endParaRPr lang="en-US" dirty="0"/>
           </a:p>
@@ -5282,7 +8435,7 @@
           <a:blip r:embed="rId2">
             <a:extLst>
               <a:ext uri="{28A0092B-C50C-407E-A947-70E740481C1C}">
-                <a14:useLocalDpi xmlns:a14="http://schemas.microsoft.com/office/drawing/2010/main" val="0"/>
+                <a14:useLocalDpi xmlns:a14="http://schemas.microsoft.com/office/drawing/2010/main"/>
               </a:ext>
             </a:extLst>
           </a:blip>
@@ -5292,7 +8445,7 @@
         </p:blipFill>
         <p:spPr>
           <a:xfrm>
-            <a:off x="4579936" y="1145453"/>
+            <a:off x="4579936" y="997226"/>
             <a:ext cx="4071485" cy="2703720"/>
           </a:xfrm>
           <a:prstGeom prst="rect">
@@ -5486,20 +8639,39 @@
             </a:lvl9pPr>
           </a:lstStyle>
           <a:p>
-            <a:pPr marL="342900" indent="-342900">
-              <a:buFont typeface="Arial" panose="020B0604020202020204" pitchFamily="34" charset="0"/>
-              <a:buChar char="•"/>
-            </a:pPr>
-            <a:r>
-              <a:rPr lang="en-US" b="0" dirty="0" smtClean="0"/>
-              <a:t>The following slides have a few examples of challenges that incorporate the Beginner Lessons.</a:t>
-            </a:r>
-          </a:p>
-          <a:p>
             <a:endParaRPr lang="en-US" b="0" dirty="0" smtClean="0"/>
           </a:p>
         </p:txBody>
       </p:sp>
+      <p:pic>
+        <p:nvPicPr>
+          <p:cNvPr id="9" name="Picture 8"/>
+          <p:cNvPicPr>
+            <a:picLocks noChangeAspect="1"/>
+          </p:cNvPicPr>
+          <p:nvPr/>
+        </p:nvPicPr>
+        <p:blipFill rotWithShape="1">
+          <a:blip r:embed="rId3" cstate="print">
+            <a:extLst>
+              <a:ext uri="{28A0092B-C50C-407E-A947-70E740481C1C}">
+                <a14:useLocalDpi xmlns:a14="http://schemas.microsoft.com/office/drawing/2010/main"/>
+              </a:ext>
+            </a:extLst>
+          </a:blip>
+          <a:srcRect/>
+          <a:stretch/>
+        </p:blipFill>
+        <p:spPr>
+          <a:xfrm>
+            <a:off x="4579936" y="3776545"/>
+            <a:ext cx="4071485" cy="2649272"/>
+          </a:xfrm>
+          <a:prstGeom prst="rect">
+            <a:avLst/>
+          </a:prstGeom>
+        </p:spPr>
+      </p:pic>
     </p:spTree>
     <p:extLst>
       <p:ext uri="{BB962C8B-B14F-4D97-AF65-F5344CB8AC3E}">
@@ -5540,6 +8712,195 @@
             <p:ph type="title"/>
           </p:nvPr>
         </p:nvSpPr>
+        <p:spPr/>
+        <p:txBody>
+          <a:bodyPr/>
+          <a:lstStyle/>
+          <a:p>
+            <a:r>
+              <a:rPr lang="en-US" dirty="0" smtClean="0"/>
+              <a:t>Challenges in this Lesson</a:t>
+            </a:r>
+            <a:endParaRPr lang="en-US" dirty="0"/>
+          </a:p>
+        </p:txBody>
+      </p:sp>
+      <p:sp>
+        <p:nvSpPr>
+          <p:cNvPr id="3" name="Content Placeholder 2"/>
+          <p:cNvSpPr>
+            <a:spLocks noGrp="1"/>
+          </p:cNvSpPr>
+          <p:nvPr>
+            <p:ph idx="1"/>
+          </p:nvPr>
+        </p:nvSpPr>
+        <p:spPr>
+          <a:xfrm>
+            <a:off x="457198" y="1332645"/>
+            <a:ext cx="3429001" cy="4632057"/>
+          </a:xfrm>
+        </p:spPr>
+        <p:txBody>
+          <a:bodyPr>
+            <a:normAutofit fontScale="92500" lnSpcReduction="10000"/>
+          </a:bodyPr>
+          <a:lstStyle/>
+          <a:p>
+            <a:pPr marL="342900" indent="-342900">
+              <a:buFont typeface="Arial" charset="0"/>
+              <a:buChar char="•"/>
+            </a:pPr>
+            <a:r>
+              <a:rPr lang="en-US" b="0" dirty="0"/>
+              <a:t>The following slides have a few examples of challenges that incorporate the Beginner Lessons.</a:t>
+            </a:r>
+          </a:p>
+          <a:p>
+            <a:pPr marL="342900" indent="-342900">
+              <a:buFont typeface="Arial" charset="0"/>
+              <a:buChar char="•"/>
+            </a:pPr>
+            <a:r>
+              <a:rPr lang="en-US" b="0" dirty="0" smtClean="0"/>
+              <a:t>Solutions are not provided. Students should use everything they have discovered in the Beginner Lessons series to solve the missions</a:t>
+            </a:r>
+          </a:p>
+          <a:p>
+            <a:pPr marL="342900" indent="-342900">
+              <a:buFont typeface="Arial" charset="0"/>
+              <a:buChar char="•"/>
+            </a:pPr>
+            <a:endParaRPr lang="en-US" b="0" dirty="0"/>
+          </a:p>
+          <a:p>
+            <a:pPr marL="342900" indent="-342900">
+              <a:buFont typeface="Arial" charset="0"/>
+              <a:buChar char="•"/>
+            </a:pPr>
+            <a:r>
+              <a:rPr lang="en-US" b="0" dirty="0" smtClean="0"/>
+              <a:t>Image on the right features EV3Lessons.com’s training mats.</a:t>
+            </a:r>
+            <a:endParaRPr lang="en-US" b="0" dirty="0"/>
+          </a:p>
+        </p:txBody>
+      </p:sp>
+      <p:sp>
+        <p:nvSpPr>
+          <p:cNvPr id="4" name="Footer Placeholder 3"/>
+          <p:cNvSpPr>
+            <a:spLocks noGrp="1"/>
+          </p:cNvSpPr>
+          <p:nvPr>
+            <p:ph type="ftr" sz="quarter" idx="11"/>
+          </p:nvPr>
+        </p:nvSpPr>
+        <p:spPr/>
+        <p:txBody>
+          <a:bodyPr/>
+          <a:lstStyle/>
+          <a:p>
+            <a:r>
+              <a:rPr lang="en-US" smtClean="0"/>
+              <a:t>© EV3Lessons.com, 2016, (Last edit: 7/04/2016)</a:t>
+            </a:r>
+            <a:endParaRPr lang="en-US"/>
+          </a:p>
+        </p:txBody>
+      </p:sp>
+      <p:sp>
+        <p:nvSpPr>
+          <p:cNvPr id="5" name="Slide Number Placeholder 4"/>
+          <p:cNvSpPr>
+            <a:spLocks noGrp="1"/>
+          </p:cNvSpPr>
+          <p:nvPr>
+            <p:ph type="sldNum" sz="quarter" idx="12"/>
+          </p:nvPr>
+        </p:nvSpPr>
+        <p:spPr/>
+        <p:txBody>
+          <a:bodyPr/>
+          <a:lstStyle/>
+          <a:p>
+            <a:fld id="{4DBC7FC8-25FB-FC45-8177-2B991DA6778C}" type="slidenum">
+              <a:rPr lang="en-US" smtClean="0"/>
+              <a:t>3</a:t>
+            </a:fld>
+            <a:endParaRPr lang="en-US" dirty="0"/>
+          </a:p>
+        </p:txBody>
+      </p:sp>
+      <p:pic>
+        <p:nvPicPr>
+          <p:cNvPr id="6" name="Picture 5"/>
+          <p:cNvPicPr>
+            <a:picLocks noChangeAspect="1"/>
+          </p:cNvPicPr>
+          <p:nvPr/>
+        </p:nvPicPr>
+        <p:blipFill rotWithShape="1">
+          <a:blip r:embed="rId2" cstate="print">
+            <a:extLst>
+              <a:ext uri="{28A0092B-C50C-407E-A947-70E740481C1C}">
+                <a14:useLocalDpi xmlns:a14="http://schemas.microsoft.com/office/drawing/2010/main"/>
+              </a:ext>
+            </a:extLst>
+          </a:blip>
+          <a:srcRect/>
+          <a:stretch/>
+        </p:blipFill>
+        <p:spPr>
+          <a:xfrm>
+            <a:off x="4025441" y="1336283"/>
+            <a:ext cx="4677233" cy="4628419"/>
+          </a:xfrm>
+          <a:prstGeom prst="rect">
+            <a:avLst/>
+          </a:prstGeom>
+        </p:spPr>
+      </p:pic>
+    </p:spTree>
+    <p:extLst>
+      <p:ext uri="{BB962C8B-B14F-4D97-AF65-F5344CB8AC3E}">
+        <p14:creationId xmlns:p14="http://schemas.microsoft.com/office/powerpoint/2010/main" val="29453762"/>
+      </p:ext>
+    </p:extLst>
+  </p:cSld>
+  <p:clrMapOvr>
+    <a:masterClrMapping/>
+  </p:clrMapOvr>
+</p:sld>
+</file>
+
+<file path=ppt/slides/slide4.xml><?xml version="1.0" encoding="utf-8"?>
+<p:sld xmlns:a="http://schemas.openxmlformats.org/drawingml/2006/main" xmlns:r="http://schemas.openxmlformats.org/officeDocument/2006/relationships" xmlns:p="http://schemas.openxmlformats.org/presentationml/2006/main">
+  <p:cSld>
+    <p:spTree>
+      <p:nvGrpSpPr>
+        <p:cNvPr id="1" name=""/>
+        <p:cNvGrpSpPr/>
+        <p:nvPr/>
+      </p:nvGrpSpPr>
+      <p:grpSpPr>
+        <a:xfrm>
+          <a:off x="0" y="0"/>
+          <a:ext cx="0" cy="0"/>
+          <a:chOff x="0" y="0"/>
+          <a:chExt cx="0" cy="0"/>
+        </a:xfrm>
+      </p:grpSpPr>
+      <p:sp>
+        <p:nvSpPr>
+          <p:cNvPr id="2" name="Title 1"/>
+          <p:cNvSpPr>
+            <a:spLocks noGrp="1"/>
+          </p:cNvSpPr>
+          <p:nvPr>
+            <p:ph type="title"/>
+          </p:nvPr>
+        </p:nvSpPr>
         <p:spPr>
           <a:xfrm>
             <a:off x="457199" y="152718"/>
@@ -5582,8 +8943,31 @@
           <a:p>
             <a:r>
               <a:rPr lang="en-US" smtClean="0"/>
-              <a:t>© EV3Lessons.com, 2015, (Last edit: 2/28/2015)</a:t>
-            </a:r>
+              <a:t>© EV3Lessons.com, 2016, (Last edit: 7/04/2016)</a:t>
+            </a:r>
+            <a:endParaRPr lang="en-US" dirty="0"/>
+          </a:p>
+        </p:txBody>
+      </p:sp>
+      <p:sp>
+        <p:nvSpPr>
+          <p:cNvPr id="21" name="Slide Number Placeholder 20"/>
+          <p:cNvSpPr>
+            <a:spLocks noGrp="1"/>
+          </p:cNvSpPr>
+          <p:nvPr>
+            <p:ph type="sldNum" sz="quarter" idx="12"/>
+          </p:nvPr>
+        </p:nvSpPr>
+        <p:spPr/>
+        <p:txBody>
+          <a:bodyPr/>
+          <a:lstStyle/>
+          <a:p>
+            <a:fld id="{4DBC7FC8-25FB-FC45-8177-2B991DA6778C}" type="slidenum">
+              <a:rPr lang="en-US" smtClean="0"/>
+              <a:t>4</a:t>
+            </a:fld>
             <a:endParaRPr lang="en-US" dirty="0"/>
           </a:p>
         </p:txBody>
@@ -5897,29 +9281,6 @@
           </a:fontRef>
         </p:style>
       </p:cxnSp>
-      <p:sp>
-        <p:nvSpPr>
-          <p:cNvPr id="21" name="Slide Number Placeholder 20"/>
-          <p:cNvSpPr>
-            <a:spLocks noGrp="1"/>
-          </p:cNvSpPr>
-          <p:nvPr>
-            <p:ph type="sldNum" sz="quarter" idx="12"/>
-          </p:nvPr>
-        </p:nvSpPr>
-        <p:spPr/>
-        <p:txBody>
-          <a:bodyPr/>
-          <a:lstStyle/>
-          <a:p>
-            <a:fld id="{4DBC7FC8-25FB-FC45-8177-2B991DA6778C}" type="slidenum">
-              <a:rPr lang="en-US" smtClean="0"/>
-              <a:t>3</a:t>
-            </a:fld>
-            <a:endParaRPr lang="en-US" dirty="0"/>
-          </a:p>
-        </p:txBody>
-      </p:sp>
       <p:cxnSp>
         <p:nvCxnSpPr>
           <p:cNvPr id="9" name="Straight Connector 8"/>
@@ -6069,7 +9430,7 @@
 </p:sld>
 </file>
 
-<file path=ppt/slides/slide4.xml><?xml version="1.0" encoding="utf-8"?>
+<file path=ppt/slides/slide5.xml><?xml version="1.0" encoding="utf-8"?>
 <p:sld xmlns:a="http://schemas.openxmlformats.org/drawingml/2006/main" xmlns:r="http://schemas.openxmlformats.org/officeDocument/2006/relationships" xmlns:p="http://schemas.openxmlformats.org/presentationml/2006/main">
   <p:cSld>
     <p:spTree>
@@ -6138,8 +9499,31 @@
           <a:p>
             <a:r>
               <a:rPr lang="en-US" smtClean="0"/>
-              <a:t>© EV3Lessons.com, 2015, (Last edit: 2/28/2015)</a:t>
-            </a:r>
+              <a:t>© EV3Lessons.com, 2016, (Last edit: 7/04/2016)</a:t>
+            </a:r>
+            <a:endParaRPr lang="en-US" dirty="0"/>
+          </a:p>
+        </p:txBody>
+      </p:sp>
+      <p:sp>
+        <p:nvSpPr>
+          <p:cNvPr id="21" name="Slide Number Placeholder 20"/>
+          <p:cNvSpPr>
+            <a:spLocks noGrp="1"/>
+          </p:cNvSpPr>
+          <p:nvPr>
+            <p:ph type="sldNum" sz="quarter" idx="12"/>
+          </p:nvPr>
+        </p:nvSpPr>
+        <p:spPr/>
+        <p:txBody>
+          <a:bodyPr/>
+          <a:lstStyle/>
+          <a:p>
+            <a:fld id="{4DBC7FC8-25FB-FC45-8177-2B991DA6778C}" type="slidenum">
+              <a:rPr lang="en-US" smtClean="0"/>
+              <a:t>5</a:t>
+            </a:fld>
             <a:endParaRPr lang="en-US" dirty="0"/>
           </a:p>
         </p:txBody>
@@ -6152,8 +9536,8 @@
         </p:nvSpPr>
         <p:spPr>
           <a:xfrm>
-            <a:off x="569334" y="1627427"/>
-            <a:ext cx="5167792" cy="4511170"/>
+            <a:off x="584122" y="1627427"/>
+            <a:ext cx="5153003" cy="4511170"/>
           </a:xfrm>
           <a:prstGeom prst="rect">
             <a:avLst/>
@@ -6279,7 +9663,7 @@
         </p:nvSpPr>
         <p:spPr>
           <a:xfrm>
-            <a:off x="584123" y="1627427"/>
+            <a:off x="605895" y="1627427"/>
             <a:ext cx="1328443" cy="1080344"/>
           </a:xfrm>
           <a:prstGeom prst="rect">
@@ -6646,29 +10030,6 @@
           </a:fontRef>
         </p:style>
       </p:cxnSp>
-      <p:sp>
-        <p:nvSpPr>
-          <p:cNvPr id="21" name="Slide Number Placeholder 20"/>
-          <p:cNvSpPr>
-            <a:spLocks noGrp="1"/>
-          </p:cNvSpPr>
-          <p:nvPr>
-            <p:ph type="sldNum" sz="quarter" idx="12"/>
-          </p:nvPr>
-        </p:nvSpPr>
-        <p:spPr/>
-        <p:txBody>
-          <a:bodyPr/>
-          <a:lstStyle/>
-          <a:p>
-            <a:fld id="{4DBC7FC8-25FB-FC45-8177-2B991DA6778C}" type="slidenum">
-              <a:rPr lang="en-US" smtClean="0"/>
-              <a:t>4</a:t>
-            </a:fld>
-            <a:endParaRPr lang="en-US" dirty="0"/>
-          </a:p>
-        </p:txBody>
-      </p:sp>
       <p:cxnSp>
         <p:nvCxnSpPr>
           <p:cNvPr id="22" name="Straight Connector 21"/>
@@ -6944,10 +10305,10 @@
           <p:nvPr/>
         </p:nvPicPr>
         <p:blipFill>
-          <a:blip r:embed="rId3">
+          <a:blip r:embed="rId3" cstate="print">
             <a:extLst>
               <a:ext uri="{28A0092B-C50C-407E-A947-70E740481C1C}">
-                <a14:useLocalDpi xmlns:a14="http://schemas.microsoft.com/office/drawing/2010/main" val="0"/>
+                <a14:useLocalDpi xmlns:a14="http://schemas.microsoft.com/office/drawing/2010/main"/>
               </a:ext>
             </a:extLst>
           </a:blip>
@@ -6967,7 +10328,7 @@
           <a:noFill/>
           <a:extLst>
             <a:ext uri="{909E8E84-426E-40dd-AFC4-6F175D3DCCD1}">
-              <a14:hiddenFill xmlns="" xmlns:a14="http://schemas.microsoft.com/office/drawing/2010/main">
+              <a14:hiddenFill xmlns:a14="http://schemas.microsoft.com/office/drawing/2010/main" xmlns="">
                 <a:solidFill>
                   <a:srgbClr val="FFFFFF"/>
                 </a:solidFill>
@@ -7032,7 +10393,7 @@
 </p:sld>
 </file>
 
-<file path=ppt/slides/slide5.xml><?xml version="1.0" encoding="utf-8"?>
+<file path=ppt/slides/slide6.xml><?xml version="1.0" encoding="utf-8"?>
 <p:sld xmlns:a="http://schemas.openxmlformats.org/drawingml/2006/main" xmlns:r="http://schemas.openxmlformats.org/officeDocument/2006/relationships" xmlns:p="http://schemas.openxmlformats.org/presentationml/2006/main">
   <p:cSld>
     <p:spTree>
@@ -7146,7 +10507,7 @@
           <a:p>
             <a:r>
               <a:rPr lang="en-US" smtClean="0"/>
-              <a:t>© EV3Lessons.com, 2015, (Last edit: 2/28/2015)</a:t>
+              <a:t>© EV3Lessons.com, 2016, (Last edit: 7/04/2016)</a:t>
             </a:r>
             <a:endParaRPr lang="en-US" dirty="0"/>
           </a:p>
@@ -7169,7 +10530,7 @@
           <a:p>
             <a:fld id="{4DBC7FC8-25FB-FC45-8177-2B991DA6778C}" type="slidenum">
               <a:rPr lang="en-US" smtClean="0"/>
-              <a:t>5</a:t>
+              <a:t>6</a:t>
             </a:fld>
             <a:endParaRPr lang="en-US" dirty="0"/>
           </a:p>
@@ -7408,7 +10769,7 @@
 </p:sld>
 </file>
 
-<file path=ppt/slides/slide6.xml><?xml version="1.0" encoding="utf-8"?>
+<file path=ppt/slides/slide7.xml><?xml version="1.0" encoding="utf-8"?>
 <p:sld xmlns:a="http://schemas.openxmlformats.org/drawingml/2006/main" xmlns:r="http://schemas.openxmlformats.org/officeDocument/2006/relationships" xmlns:p="http://schemas.openxmlformats.org/presentationml/2006/main">
   <p:cSld>
     <p:spTree>
@@ -7465,8 +10826,8 @@
         </p:nvSpPr>
         <p:spPr>
           <a:xfrm>
-            <a:off x="457200" y="1124832"/>
-            <a:ext cx="8245474" cy="4963057"/>
+            <a:off x="457200" y="1561514"/>
+            <a:ext cx="8245474" cy="4526375"/>
           </a:xfrm>
         </p:spPr>
         <p:txBody>
@@ -7481,8 +10842,13 @@
             </a:pPr>
             <a:r>
               <a:rPr lang="en-US" sz="1800" dirty="0" smtClean="0"/>
-              <a:t>This tutorial was created by Sanjay Seshan and Arvind Seshan from Droids Robotics.</a:t>
-            </a:r>
+              <a:t>This tutorial was created by Sanjay Seshan and Arvind </a:t>
+            </a:r>
+            <a:r>
+              <a:rPr lang="en-US" sz="1800" dirty="0" err="1" smtClean="0"/>
+              <a:t>Seshan</a:t>
+            </a:r>
+            <a:endParaRPr lang="en-US" sz="1800" dirty="0" smtClean="0"/>
           </a:p>
           <a:p>
             <a:pPr marL="342900" indent="-342900">
@@ -7491,23 +10857,15 @@
             </a:pPr>
             <a:r>
               <a:rPr lang="en-US" sz="1800" dirty="0" smtClean="0"/>
-              <a:t>More lessons are available at www.ev3lessons.com</a:t>
-            </a:r>
-          </a:p>
-          <a:p>
-            <a:pPr marL="342900" indent="-342900">
-              <a:buFont typeface="Arial"/>
-              <a:buChar char="•"/>
-            </a:pPr>
+              <a:t>More </a:t>
+            </a:r>
             <a:r>
               <a:rPr lang="en-US" sz="1800" dirty="0" smtClean="0"/>
-              <a:t>Author’s Email: </a:t>
-            </a:r>
-            <a:r>
-              <a:rPr lang="en-US" sz="1800" dirty="0" smtClean="0">
-                <a:hlinkClick r:id="rId2"/>
-              </a:rPr>
-              <a:t>team@droidsrobotics.org</a:t>
+              <a:t>lessons are available at </a:t>
+            </a:r>
+            <a:r>
+              <a:rPr lang="en-US" sz="1800" dirty="0" smtClean="0"/>
+              <a:t>www.ev3lessons.com</a:t>
             </a:r>
             <a:r>
               <a:rPr lang="en-US" sz="1800" b="0" dirty="0"/>
@@ -7537,9 +10895,32 @@
           <a:p>
             <a:r>
               <a:rPr lang="en-US" smtClean="0"/>
-              <a:t>© EV3Lessons.com, 2015, (Last edit: 2/28/2015)</a:t>
+              <a:t>© EV3Lessons.com, 2016, (Last edit: 7/04/2016)</a:t>
             </a:r>
             <a:endParaRPr lang="en-US" dirty="0"/>
+          </a:p>
+        </p:txBody>
+      </p:sp>
+      <p:sp>
+        <p:nvSpPr>
+          <p:cNvPr id="9" name="Slide Number Placeholder 8"/>
+          <p:cNvSpPr>
+            <a:spLocks noGrp="1"/>
+          </p:cNvSpPr>
+          <p:nvPr>
+            <p:ph type="sldNum" sz="quarter" idx="12"/>
+          </p:nvPr>
+        </p:nvSpPr>
+        <p:spPr/>
+        <p:txBody>
+          <a:bodyPr/>
+          <a:lstStyle/>
+          <a:p>
+            <a:fld id="{4DBC7FC8-25FB-FC45-8177-2B991DA6778C}" type="slidenum">
+              <a:rPr lang="en-US" smtClean="0"/>
+              <a:t>7</a:t>
+            </a:fld>
+            <a:endParaRPr lang="en-US"/>
           </a:p>
         </p:txBody>
       </p:sp>
@@ -7568,7 +10949,7 @@
           <a:effectLst/>
           <a:extLst>
             <a:ext uri="{91240B29-F687-4f45-9708-019B960494DF}">
-              <a14:hiddenLine xmlns="" xmlns:a14="http://schemas.microsoft.com/office/drawing/2010/main" w="9525">
+              <a14:hiddenLine xmlns:a14="http://schemas.microsoft.com/office/drawing/2010/main" xmlns="" w="9525">
                 <a:solidFill>
                   <a:schemeClr val="tx1"/>
                 </a:solidFill>
@@ -7578,7 +10959,7 @@
               </a14:hiddenLine>
             </a:ext>
             <a:ext uri="{AF507438-7753-43e0-B8FC-AC1667EBCBE1}">
-              <a14:hiddenEffects xmlns="" xmlns:a14="http://schemas.microsoft.com/office/drawing/2010/main">
+              <a14:hiddenEffects xmlns:a14="http://schemas.microsoft.com/office/drawing/2010/main" xmlns="">
                 <a:effectLst>
                   <a:outerShdw dist="35921" dir="2700000" algn="ctr" rotWithShape="0">
                     <a:schemeClr val="bg2"/>
@@ -7799,7 +11180,7 @@
                 </a:solidFill>
                 <a:effectLst/>
                 <a:latin typeface="Helvetica Neue"/>
-                <a:hlinkClick r:id="rId3"/>
+                <a:hlinkClick r:id="rId2"/>
               </a:rPr>
               <a:t>Creative Commons Attribution-</a:t>
             </a:r>
@@ -7813,7 +11194,7 @@
                 </a:solidFill>
                 <a:effectLst/>
                 <a:latin typeface="Helvetica Neue"/>
-                <a:hlinkClick r:id="rId3"/>
+                <a:hlinkClick r:id="rId2"/>
               </a:rPr>
               <a:t>NonCommercial</a:t>
             </a:r>
@@ -7827,7 +11208,7 @@
                 </a:solidFill>
                 <a:effectLst/>
                 <a:latin typeface="Helvetica Neue"/>
-                <a:hlinkClick r:id="rId3"/>
+                <a:hlinkClick r:id="rId2"/>
               </a:rPr>
               <a:t>-</a:t>
             </a:r>
@@ -7841,7 +11222,7 @@
                 </a:solidFill>
                 <a:effectLst/>
                 <a:latin typeface="Helvetica Neue"/>
-                <a:hlinkClick r:id="rId3"/>
+                <a:hlinkClick r:id="rId2"/>
               </a:rPr>
               <a:t>ShareAlike</a:t>
             </a:r>
@@ -7855,7 +11236,7 @@
                 </a:solidFill>
                 <a:effectLst/>
                 <a:latin typeface="Helvetica Neue"/>
-                <a:hlinkClick r:id="rId3"/>
+                <a:hlinkClick r:id="rId2"/>
               </a:rPr>
               <a:t> 4.0 International License</a:t>
             </a:r>
@@ -7900,7 +11281,7 @@
       <p:pic>
         <p:nvPicPr>
           <p:cNvPr id="2050" name="Picture 2" descr="Creative Commons License">
-            <a:hlinkClick r:id="rId3"/>
+            <a:hlinkClick r:id="rId2"/>
           </p:cNvPr>
           <p:cNvPicPr>
             <a:picLocks noChangeAspect="1" noChangeArrowheads="1"/>
@@ -7908,10 +11289,10 @@
           <p:nvPr/>
         </p:nvPicPr>
         <p:blipFill>
-          <a:blip r:embed="rId4">
+          <a:blip r:embed="rId3">
             <a:extLst>
               <a:ext uri="{28A0092B-C50C-407E-A947-70E740481C1C}">
-                <a14:useLocalDpi xmlns:a14="http://schemas.microsoft.com/office/drawing/2010/main" val="0"/>
+                <a14:useLocalDpi xmlns:a14="http://schemas.microsoft.com/office/drawing/2010/main"/>
               </a:ext>
             </a:extLst>
           </a:blip>
@@ -7931,7 +11312,7 @@
           <a:noFill/>
           <a:extLst>
             <a:ext uri="{909E8E84-426E-40dd-AFC4-6F175D3DCCD1}">
-              <a14:hiddenFill xmlns="" xmlns:a14="http://schemas.microsoft.com/office/drawing/2010/main">
+              <a14:hiddenFill xmlns:a14="http://schemas.microsoft.com/office/drawing/2010/main" xmlns="">
                 <a:solidFill>
                   <a:srgbClr val="FFFFFF"/>
                 </a:solidFill>
@@ -7940,29 +11321,6 @@
           </a:extLst>
         </p:spPr>
       </p:pic>
-      <p:sp>
-        <p:nvSpPr>
-          <p:cNvPr id="9" name="Slide Number Placeholder 8"/>
-          <p:cNvSpPr>
-            <a:spLocks noGrp="1"/>
-          </p:cNvSpPr>
-          <p:nvPr>
-            <p:ph type="sldNum" sz="quarter" idx="12"/>
-          </p:nvPr>
-        </p:nvSpPr>
-        <p:spPr/>
-        <p:txBody>
-          <a:bodyPr/>
-          <a:lstStyle/>
-          <a:p>
-            <a:fld id="{4DBC7FC8-25FB-FC45-8177-2B991DA6778C}" type="slidenum">
-              <a:rPr lang="en-US" smtClean="0"/>
-              <a:t>6</a:t>
-            </a:fld>
-            <a:endParaRPr lang="en-US"/>
-          </a:p>
-        </p:txBody>
-      </p:sp>
     </p:spTree>
     <p:extLst>
       <p:ext uri="{BB962C8B-B14F-4D97-AF65-F5344CB8AC3E}">
@@ -7984,7 +11342,7 @@
 </file>
 
 <file path=ppt/theme/theme1.xml><?xml version="1.0" encoding="utf-8"?>
-<a:theme xmlns:a="http://schemas.openxmlformats.org/drawingml/2006/main" name="Essential">
+<a:theme xmlns:a="http://schemas.openxmlformats.org/drawingml/2006/main" name="beginner">
   <a:themeElements>
     <a:clrScheme name="Essential">
       <a:dk1>
@@ -8233,11 +11591,16 @@
   </a:themeElements>
   <a:objectDefaults/>
   <a:extraClrSchemeLst/>
+  <a:extLst>
+    <a:ext uri="{05A4C25C-085E-4340-85A3-A5531E510DB2}">
+      <thm15:themeFamily xmlns:thm15="http://schemas.microsoft.com/office/thememl/2012/main" name="beginner" id="{AEF29D72-34CC-C448-A679-08550D2D21D1}" vid="{04B54D62-7BE5-DF47-9F85-5B9FEF4E3E09}"/>
+    </a:ext>
+  </a:extLst>
 </a:theme>
 </file>
 
 <file path=ppt/theme/theme2.xml><?xml version="1.0" encoding="utf-8"?>
-<a:theme xmlns:a="http://schemas.openxmlformats.org/drawingml/2006/main" name="Office Theme">
+<a:theme xmlns:a="http://schemas.openxmlformats.org/drawingml/2006/main" name="Custom Design">
   <a:themeElements>
     <a:clrScheme name="Office">
       <a:dk1>
@@ -8247,39 +11610,39 @@
         <a:sysClr val="window" lastClr="FFFFFF"/>
       </a:lt1>
       <a:dk2>
-        <a:srgbClr val="1F497D"/>
+        <a:srgbClr val="44546A"/>
       </a:dk2>
       <a:lt2>
-        <a:srgbClr val="EEECE1"/>
+        <a:srgbClr val="E7E6E6"/>
       </a:lt2>
       <a:accent1>
-        <a:srgbClr val="4F81BD"/>
+        <a:srgbClr val="5B9BD5"/>
       </a:accent1>
       <a:accent2>
-        <a:srgbClr val="C0504D"/>
+        <a:srgbClr val="ED7D31"/>
       </a:accent2>
       <a:accent3>
-        <a:srgbClr val="9BBB59"/>
+        <a:srgbClr val="A5A5A5"/>
       </a:accent3>
       <a:accent4>
-        <a:srgbClr val="8064A2"/>
+        <a:srgbClr val="FFC000"/>
       </a:accent4>
       <a:accent5>
-        <a:srgbClr val="4BACC6"/>
+        <a:srgbClr val="4472C4"/>
       </a:accent5>
       <a:accent6>
-        <a:srgbClr val="F79646"/>
+        <a:srgbClr val="70AD47"/>
       </a:accent6>
       <a:hlink>
-        <a:srgbClr val="0000FF"/>
+        <a:srgbClr val="0563C1"/>
       </a:hlink>
       <a:folHlink>
-        <a:srgbClr val="800080"/>
+        <a:srgbClr val="954F72"/>
       </a:folHlink>
     </a:clrScheme>
     <a:fontScheme name="Office">
       <a:majorFont>
-        <a:latin typeface="Calibri"/>
+        <a:latin typeface="Calibri Light"/>
         <a:ea typeface=""/>
         <a:cs typeface=""/>
         <a:font script="Jpan" typeface="ＭＳ Ｐゴシック"/>
@@ -8358,201 +11721,142 @@
           <a:gsLst>
             <a:gs pos="0">
               <a:schemeClr val="phClr">
-                <a:tint val="50000"/>
-                <a:satMod val="300000"/>
+                <a:lumMod val="110000"/>
+                <a:satMod val="105000"/>
+                <a:tint val="67000"/>
               </a:schemeClr>
             </a:gs>
-            <a:gs pos="35000">
+            <a:gs pos="50000">
               <a:schemeClr val="phClr">
-                <a:tint val="37000"/>
-                <a:satMod val="300000"/>
+                <a:lumMod val="105000"/>
+                <a:satMod val="103000"/>
+                <a:tint val="73000"/>
               </a:schemeClr>
             </a:gs>
             <a:gs pos="100000">
               <a:schemeClr val="phClr">
-                <a:tint val="15000"/>
-                <a:satMod val="350000"/>
+                <a:lumMod val="105000"/>
+                <a:satMod val="109000"/>
+                <a:tint val="81000"/>
               </a:schemeClr>
             </a:gs>
           </a:gsLst>
-          <a:lin ang="16200000" scaled="1"/>
+          <a:lin ang="5400000" scaled="0"/>
         </a:gradFill>
         <a:gradFill rotWithShape="1">
           <a:gsLst>
             <a:gs pos="0">
               <a:schemeClr val="phClr">
-                <a:tint val="100000"/>
+                <a:satMod val="103000"/>
+                <a:lumMod val="102000"/>
+                <a:tint val="94000"/>
+              </a:schemeClr>
+            </a:gs>
+            <a:gs pos="50000">
+              <a:schemeClr val="phClr">
+                <a:satMod val="110000"/>
+                <a:lumMod val="100000"/>
                 <a:shade val="100000"/>
-                <a:satMod val="130000"/>
               </a:schemeClr>
             </a:gs>
             <a:gs pos="100000">
               <a:schemeClr val="phClr">
-                <a:tint val="50000"/>
-                <a:shade val="100000"/>
-                <a:satMod val="350000"/>
+                <a:lumMod val="99000"/>
+                <a:satMod val="120000"/>
+                <a:shade val="78000"/>
               </a:schemeClr>
             </a:gs>
           </a:gsLst>
-          <a:lin ang="16200000" scaled="0"/>
+          <a:lin ang="5400000" scaled="0"/>
         </a:gradFill>
       </a:fillStyleLst>
       <a:lnStyleLst>
-        <a:ln w="9525" cap="flat" cmpd="sng" algn="ctr">
-          <a:solidFill>
-            <a:schemeClr val="phClr">
-              <a:shade val="95000"/>
-              <a:satMod val="105000"/>
-            </a:schemeClr>
-          </a:solidFill>
-          <a:prstDash val="solid"/>
-        </a:ln>
-        <a:ln w="25400" cap="flat" cmpd="sng" algn="ctr">
+        <a:ln w="6350" cap="flat" cmpd="sng" algn="ctr">
           <a:solidFill>
             <a:schemeClr val="phClr"/>
           </a:solidFill>
           <a:prstDash val="solid"/>
+          <a:miter lim="800000"/>
         </a:ln>
-        <a:ln w="38100" cap="flat" cmpd="sng" algn="ctr">
+        <a:ln w="12700" cap="flat" cmpd="sng" algn="ctr">
           <a:solidFill>
             <a:schemeClr val="phClr"/>
           </a:solidFill>
           <a:prstDash val="solid"/>
+          <a:miter lim="800000"/>
+        </a:ln>
+        <a:ln w="19050" cap="flat" cmpd="sng" algn="ctr">
+          <a:solidFill>
+            <a:schemeClr val="phClr"/>
+          </a:solidFill>
+          <a:prstDash val="solid"/>
+          <a:miter lim="800000"/>
         </a:ln>
       </a:lnStyleLst>
       <a:effectStyleLst>
         <a:effectStyle>
+          <a:effectLst/>
+        </a:effectStyle>
+        <a:effectStyle>
+          <a:effectLst/>
+        </a:effectStyle>
+        <a:effectStyle>
           <a:effectLst>
-            <a:outerShdw blurRad="40000" dist="20000" dir="5400000" rotWithShape="0">
+            <a:outerShdw blurRad="57150" dist="19050" dir="5400000" algn="ctr" rotWithShape="0">
               <a:srgbClr val="000000">
-                <a:alpha val="38000"/>
+                <a:alpha val="63000"/>
               </a:srgbClr>
             </a:outerShdw>
           </a:effectLst>
-        </a:effectStyle>
-        <a:effectStyle>
-          <a:effectLst>
-            <a:outerShdw blurRad="40000" dist="23000" dir="5400000" rotWithShape="0">
-              <a:srgbClr val="000000">
-                <a:alpha val="35000"/>
-              </a:srgbClr>
-            </a:outerShdw>
-          </a:effectLst>
-        </a:effectStyle>
-        <a:effectStyle>
-          <a:effectLst>
-            <a:outerShdw blurRad="40000" dist="23000" dir="5400000" rotWithShape="0">
-              <a:srgbClr val="000000">
-                <a:alpha val="35000"/>
-              </a:srgbClr>
-            </a:outerShdw>
-          </a:effectLst>
-          <a:scene3d>
-            <a:camera prst="orthographicFront">
-              <a:rot lat="0" lon="0" rev="0"/>
-            </a:camera>
-            <a:lightRig rig="threePt" dir="t">
-              <a:rot lat="0" lon="0" rev="1200000"/>
-            </a:lightRig>
-          </a:scene3d>
-          <a:sp3d>
-            <a:bevelT w="63500" h="25400"/>
-          </a:sp3d>
         </a:effectStyle>
       </a:effectStyleLst>
       <a:bgFillStyleLst>
         <a:solidFill>
           <a:schemeClr val="phClr"/>
         </a:solidFill>
+        <a:solidFill>
+          <a:schemeClr val="phClr">
+            <a:tint val="95000"/>
+            <a:satMod val="170000"/>
+          </a:schemeClr>
+        </a:solidFill>
         <a:gradFill rotWithShape="1">
           <a:gsLst>
             <a:gs pos="0">
               <a:schemeClr val="phClr">
-                <a:tint val="40000"/>
-                <a:satMod val="350000"/>
+                <a:tint val="93000"/>
+                <a:satMod val="150000"/>
+                <a:shade val="98000"/>
+                <a:lumMod val="102000"/>
               </a:schemeClr>
             </a:gs>
-            <a:gs pos="40000">
+            <a:gs pos="50000">
               <a:schemeClr val="phClr">
-                <a:tint val="45000"/>
-                <a:shade val="99000"/>
-                <a:satMod val="350000"/>
+                <a:tint val="98000"/>
+                <a:satMod val="130000"/>
+                <a:shade val="90000"/>
+                <a:lumMod val="103000"/>
               </a:schemeClr>
             </a:gs>
             <a:gs pos="100000">
               <a:schemeClr val="phClr">
-                <a:shade val="20000"/>
-                <a:satMod val="255000"/>
+                <a:shade val="63000"/>
+                <a:satMod val="120000"/>
               </a:schemeClr>
             </a:gs>
           </a:gsLst>
-          <a:path path="circle">
-            <a:fillToRect l="50000" t="-80000" r="50000" b="180000"/>
-          </a:path>
-        </a:gradFill>
-        <a:gradFill rotWithShape="1">
-          <a:gsLst>
-            <a:gs pos="0">
-              <a:schemeClr val="phClr">
-                <a:tint val="80000"/>
-                <a:satMod val="300000"/>
-              </a:schemeClr>
-            </a:gs>
-            <a:gs pos="100000">
-              <a:schemeClr val="phClr">
-                <a:shade val="30000"/>
-                <a:satMod val="200000"/>
-              </a:schemeClr>
-            </a:gs>
-          </a:gsLst>
-          <a:path path="circle">
-            <a:fillToRect l="50000" t="50000" r="50000" b="50000"/>
-          </a:path>
+          <a:lin ang="5400000" scaled="0"/>
         </a:gradFill>
       </a:bgFillStyleLst>
     </a:fmtScheme>
   </a:themeElements>
-  <a:objectDefaults>
-    <a:spDef>
-      <a:spPr/>
-      <a:bodyPr/>
-      <a:lstStyle/>
-      <a:style>
-        <a:lnRef idx="1">
-          <a:schemeClr val="accent1"/>
-        </a:lnRef>
-        <a:fillRef idx="3">
-          <a:schemeClr val="accent1"/>
-        </a:fillRef>
-        <a:effectRef idx="2">
-          <a:schemeClr val="accent1"/>
-        </a:effectRef>
-        <a:fontRef idx="minor">
-          <a:schemeClr val="lt1"/>
-        </a:fontRef>
-      </a:style>
-    </a:spDef>
-    <a:lnDef>
-      <a:spPr/>
-      <a:bodyPr/>
-      <a:lstStyle/>
-      <a:style>
-        <a:lnRef idx="2">
-          <a:schemeClr val="accent1"/>
-        </a:lnRef>
-        <a:fillRef idx="0">
-          <a:schemeClr val="accent1"/>
-        </a:fillRef>
-        <a:effectRef idx="1">
-          <a:schemeClr val="accent1"/>
-        </a:effectRef>
-        <a:fontRef idx="minor">
-          <a:schemeClr val="tx1"/>
-        </a:fontRef>
-      </a:style>
-    </a:lnDef>
-  </a:objectDefaults>
+  <a:objectDefaults/>
   <a:extraClrSchemeLst/>
+  <a:extLst>
+    <a:ext uri="{05A4C25C-085E-4340-85A3-A5531E510DB2}">
+      <thm15:themeFamily xmlns:thm15="http://schemas.microsoft.com/office/thememl/2012/main" name="Office Theme" id="{62F939B6-93AF-4DB8-9C6B-D6C7DFDC589F}" vid="{4A3C46E8-61CC-4603-A589-7422A47A8E4A}"/>
+    </a:ext>
+  </a:extLst>
 </a:theme>
 </file>
 
@@ -8874,4 +12178,324 @@
   </a:objectDefaults>
   <a:extraClrSchemeLst/>
 </a:theme>
+</file>
+
+<file path=ppt/theme/theme4.xml><?xml version="1.0" encoding="utf-8"?>
+<a:theme xmlns:a="http://schemas.openxmlformats.org/drawingml/2006/main" name="Office Theme">
+  <a:themeElements>
+    <a:clrScheme name="Office">
+      <a:dk1>
+        <a:sysClr val="windowText" lastClr="000000"/>
+      </a:dk1>
+      <a:lt1>
+        <a:sysClr val="window" lastClr="FFFFFF"/>
+      </a:lt1>
+      <a:dk2>
+        <a:srgbClr val="1F497D"/>
+      </a:dk2>
+      <a:lt2>
+        <a:srgbClr val="EEECE1"/>
+      </a:lt2>
+      <a:accent1>
+        <a:srgbClr val="4F81BD"/>
+      </a:accent1>
+      <a:accent2>
+        <a:srgbClr val="C0504D"/>
+      </a:accent2>
+      <a:accent3>
+        <a:srgbClr val="9BBB59"/>
+      </a:accent3>
+      <a:accent4>
+        <a:srgbClr val="8064A2"/>
+      </a:accent4>
+      <a:accent5>
+        <a:srgbClr val="4BACC6"/>
+      </a:accent5>
+      <a:accent6>
+        <a:srgbClr val="F79646"/>
+      </a:accent6>
+      <a:hlink>
+        <a:srgbClr val="0000FF"/>
+      </a:hlink>
+      <a:folHlink>
+        <a:srgbClr val="800080"/>
+      </a:folHlink>
+    </a:clrScheme>
+    <a:fontScheme name="Office">
+      <a:majorFont>
+        <a:latin typeface="Calibri"/>
+        <a:ea typeface=""/>
+        <a:cs typeface=""/>
+        <a:font script="Jpan" typeface="ＭＳ Ｐゴシック"/>
+        <a:font script="Hang" typeface="맑은 고딕"/>
+        <a:font script="Hans" typeface="宋体"/>
+        <a:font script="Hant" typeface="新細明體"/>
+        <a:font script="Arab" typeface="Times New Roman"/>
+        <a:font script="Hebr" typeface="Times New Roman"/>
+        <a:font script="Thai" typeface="Angsana New"/>
+        <a:font script="Ethi" typeface="Nyala"/>
+        <a:font script="Beng" typeface="Vrinda"/>
+        <a:font script="Gujr" typeface="Shruti"/>
+        <a:font script="Khmr" typeface="MoolBoran"/>
+        <a:font script="Knda" typeface="Tunga"/>
+        <a:font script="Guru" typeface="Raavi"/>
+        <a:font script="Cans" typeface="Euphemia"/>
+        <a:font script="Cher" typeface="Plantagenet Cherokee"/>
+        <a:font script="Yiii" typeface="Microsoft Yi Baiti"/>
+        <a:font script="Tibt" typeface="Microsoft Himalaya"/>
+        <a:font script="Thaa" typeface="MV Boli"/>
+        <a:font script="Deva" typeface="Mangal"/>
+        <a:font script="Telu" typeface="Gautami"/>
+        <a:font script="Taml" typeface="Latha"/>
+        <a:font script="Syrc" typeface="Estrangelo Edessa"/>
+        <a:font script="Orya" typeface="Kalinga"/>
+        <a:font script="Mlym" typeface="Kartika"/>
+        <a:font script="Laoo" typeface="DokChampa"/>
+        <a:font script="Sinh" typeface="Iskoola Pota"/>
+        <a:font script="Mong" typeface="Mongolian Baiti"/>
+        <a:font script="Viet" typeface="Times New Roman"/>
+        <a:font script="Uigh" typeface="Microsoft Uighur"/>
+        <a:font script="Geor" typeface="Sylfaen"/>
+      </a:majorFont>
+      <a:minorFont>
+        <a:latin typeface="Calibri"/>
+        <a:ea typeface=""/>
+        <a:cs typeface=""/>
+        <a:font script="Jpan" typeface="ＭＳ Ｐゴシック"/>
+        <a:font script="Hang" typeface="맑은 고딕"/>
+        <a:font script="Hans" typeface="宋体"/>
+        <a:font script="Hant" typeface="新細明體"/>
+        <a:font script="Arab" typeface="Arial"/>
+        <a:font script="Hebr" typeface="Arial"/>
+        <a:font script="Thai" typeface="Cordia New"/>
+        <a:font script="Ethi" typeface="Nyala"/>
+        <a:font script="Beng" typeface="Vrinda"/>
+        <a:font script="Gujr" typeface="Shruti"/>
+        <a:font script="Khmr" typeface="DaunPenh"/>
+        <a:font script="Knda" typeface="Tunga"/>
+        <a:font script="Guru" typeface="Raavi"/>
+        <a:font script="Cans" typeface="Euphemia"/>
+        <a:font script="Cher" typeface="Plantagenet Cherokee"/>
+        <a:font script="Yiii" typeface="Microsoft Yi Baiti"/>
+        <a:font script="Tibt" typeface="Microsoft Himalaya"/>
+        <a:font script="Thaa" typeface="MV Boli"/>
+        <a:font script="Deva" typeface="Mangal"/>
+        <a:font script="Telu" typeface="Gautami"/>
+        <a:font script="Taml" typeface="Latha"/>
+        <a:font script="Syrc" typeface="Estrangelo Edessa"/>
+        <a:font script="Orya" typeface="Kalinga"/>
+        <a:font script="Mlym" typeface="Kartika"/>
+        <a:font script="Laoo" typeface="DokChampa"/>
+        <a:font script="Sinh" typeface="Iskoola Pota"/>
+        <a:font script="Mong" typeface="Mongolian Baiti"/>
+        <a:font script="Viet" typeface="Arial"/>
+        <a:font script="Uigh" typeface="Microsoft Uighur"/>
+        <a:font script="Geor" typeface="Sylfaen"/>
+      </a:minorFont>
+    </a:fontScheme>
+    <a:fmtScheme name="Office">
+      <a:fillStyleLst>
+        <a:solidFill>
+          <a:schemeClr val="phClr"/>
+        </a:solidFill>
+        <a:gradFill rotWithShape="1">
+          <a:gsLst>
+            <a:gs pos="0">
+              <a:schemeClr val="phClr">
+                <a:tint val="50000"/>
+                <a:satMod val="300000"/>
+              </a:schemeClr>
+            </a:gs>
+            <a:gs pos="35000">
+              <a:schemeClr val="phClr">
+                <a:tint val="37000"/>
+                <a:satMod val="300000"/>
+              </a:schemeClr>
+            </a:gs>
+            <a:gs pos="100000">
+              <a:schemeClr val="phClr">
+                <a:tint val="15000"/>
+                <a:satMod val="350000"/>
+              </a:schemeClr>
+            </a:gs>
+          </a:gsLst>
+          <a:lin ang="16200000" scaled="1"/>
+        </a:gradFill>
+        <a:gradFill rotWithShape="1">
+          <a:gsLst>
+            <a:gs pos="0">
+              <a:schemeClr val="phClr">
+                <a:tint val="100000"/>
+                <a:shade val="100000"/>
+                <a:satMod val="130000"/>
+              </a:schemeClr>
+            </a:gs>
+            <a:gs pos="100000">
+              <a:schemeClr val="phClr">
+                <a:tint val="50000"/>
+                <a:shade val="100000"/>
+                <a:satMod val="350000"/>
+              </a:schemeClr>
+            </a:gs>
+          </a:gsLst>
+          <a:lin ang="16200000" scaled="0"/>
+        </a:gradFill>
+      </a:fillStyleLst>
+      <a:lnStyleLst>
+        <a:ln w="9525" cap="flat" cmpd="sng" algn="ctr">
+          <a:solidFill>
+            <a:schemeClr val="phClr">
+              <a:shade val="95000"/>
+              <a:satMod val="105000"/>
+            </a:schemeClr>
+          </a:solidFill>
+          <a:prstDash val="solid"/>
+        </a:ln>
+        <a:ln w="25400" cap="flat" cmpd="sng" algn="ctr">
+          <a:solidFill>
+            <a:schemeClr val="phClr"/>
+          </a:solidFill>
+          <a:prstDash val="solid"/>
+        </a:ln>
+        <a:ln w="38100" cap="flat" cmpd="sng" algn="ctr">
+          <a:solidFill>
+            <a:schemeClr val="phClr"/>
+          </a:solidFill>
+          <a:prstDash val="solid"/>
+        </a:ln>
+      </a:lnStyleLst>
+      <a:effectStyleLst>
+        <a:effectStyle>
+          <a:effectLst>
+            <a:outerShdw blurRad="40000" dist="20000" dir="5400000" rotWithShape="0">
+              <a:srgbClr val="000000">
+                <a:alpha val="38000"/>
+              </a:srgbClr>
+            </a:outerShdw>
+          </a:effectLst>
+        </a:effectStyle>
+        <a:effectStyle>
+          <a:effectLst>
+            <a:outerShdw blurRad="40000" dist="23000" dir="5400000" rotWithShape="0">
+              <a:srgbClr val="000000">
+                <a:alpha val="35000"/>
+              </a:srgbClr>
+            </a:outerShdw>
+          </a:effectLst>
+        </a:effectStyle>
+        <a:effectStyle>
+          <a:effectLst>
+            <a:outerShdw blurRad="40000" dist="23000" dir="5400000" rotWithShape="0">
+              <a:srgbClr val="000000">
+                <a:alpha val="35000"/>
+              </a:srgbClr>
+            </a:outerShdw>
+          </a:effectLst>
+          <a:scene3d>
+            <a:camera prst="orthographicFront">
+              <a:rot lat="0" lon="0" rev="0"/>
+            </a:camera>
+            <a:lightRig rig="threePt" dir="t">
+              <a:rot lat="0" lon="0" rev="1200000"/>
+            </a:lightRig>
+          </a:scene3d>
+          <a:sp3d>
+            <a:bevelT w="63500" h="25400"/>
+          </a:sp3d>
+        </a:effectStyle>
+      </a:effectStyleLst>
+      <a:bgFillStyleLst>
+        <a:solidFill>
+          <a:schemeClr val="phClr"/>
+        </a:solidFill>
+        <a:gradFill rotWithShape="1">
+          <a:gsLst>
+            <a:gs pos="0">
+              <a:schemeClr val="phClr">
+                <a:tint val="40000"/>
+                <a:satMod val="350000"/>
+              </a:schemeClr>
+            </a:gs>
+            <a:gs pos="40000">
+              <a:schemeClr val="phClr">
+                <a:tint val="45000"/>
+                <a:shade val="99000"/>
+                <a:satMod val="350000"/>
+              </a:schemeClr>
+            </a:gs>
+            <a:gs pos="100000">
+              <a:schemeClr val="phClr">
+                <a:shade val="20000"/>
+                <a:satMod val="255000"/>
+              </a:schemeClr>
+            </a:gs>
+          </a:gsLst>
+          <a:path path="circle">
+            <a:fillToRect l="50000" t="-80000" r="50000" b="180000"/>
+          </a:path>
+        </a:gradFill>
+        <a:gradFill rotWithShape="1">
+          <a:gsLst>
+            <a:gs pos="0">
+              <a:schemeClr val="phClr">
+                <a:tint val="80000"/>
+                <a:satMod val="300000"/>
+              </a:schemeClr>
+            </a:gs>
+            <a:gs pos="100000">
+              <a:schemeClr val="phClr">
+                <a:shade val="30000"/>
+                <a:satMod val="200000"/>
+              </a:schemeClr>
+            </a:gs>
+          </a:gsLst>
+          <a:path path="circle">
+            <a:fillToRect l="50000" t="50000" r="50000" b="50000"/>
+          </a:path>
+        </a:gradFill>
+      </a:bgFillStyleLst>
+    </a:fmtScheme>
+  </a:themeElements>
+  <a:objectDefaults>
+    <a:spDef>
+      <a:spPr/>
+      <a:bodyPr/>
+      <a:lstStyle/>
+      <a:style>
+        <a:lnRef idx="1">
+          <a:schemeClr val="accent1"/>
+        </a:lnRef>
+        <a:fillRef idx="3">
+          <a:schemeClr val="accent1"/>
+        </a:fillRef>
+        <a:effectRef idx="2">
+          <a:schemeClr val="accent1"/>
+        </a:effectRef>
+        <a:fontRef idx="minor">
+          <a:schemeClr val="lt1"/>
+        </a:fontRef>
+      </a:style>
+    </a:spDef>
+    <a:lnDef>
+      <a:spPr/>
+      <a:bodyPr/>
+      <a:lstStyle/>
+      <a:style>
+        <a:lnRef idx="2">
+          <a:schemeClr val="accent1"/>
+        </a:lnRef>
+        <a:fillRef idx="0">
+          <a:schemeClr val="accent1"/>
+        </a:fillRef>
+        <a:effectRef idx="1">
+          <a:schemeClr val="accent1"/>
+        </a:effectRef>
+        <a:fontRef idx="minor">
+          <a:schemeClr val="tx1"/>
+        </a:fontRef>
+      </a:style>
+    </a:lnDef>
+  </a:objectDefaults>
+  <a:extraClrSchemeLst/>
+</a:theme>
 </file>
--- a/translations/en-us/beginner/FinalChallenge.pptx
+++ b/translations/en-us/beginner/FinalChallenge.pptx
@@ -218,7 +218,7 @@
           <a:p>
             <a:fld id="{F8D9B3D7-15CB-9343-AA49-EFB5A8F33F18}" type="datetimeFigureOut">
               <a:rPr lang="en-US" smtClean="0"/>
-              <a:t>7/4/16</a:t>
+              <a:t>7/19/16</a:t>
             </a:fld>
             <a:endParaRPr lang="en-US"/>
           </a:p>
@@ -384,7 +384,7 @@
           <a:p>
             <a:fld id="{FD3EFF1E-85A1-6640-AFB9-C38833E80A84}" type="datetimeFigureOut">
               <a:rPr lang="en-US" smtClean="0"/>
-              <a:t>7/4/16</a:t>
+              <a:t>7/19/16</a:t>
             </a:fld>
             <a:endParaRPr lang="en-US"/>
           </a:p>
@@ -973,7 +973,7 @@
           <a:p>
             <a:fld id="{81304DA8-91BE-D84F-BC70-CF43F3D9CF36}" type="datetime1">
               <a:rPr lang="en-US" smtClean="0"/>
-              <a:t>7/4/16</a:t>
+              <a:t>7/19/16</a:t>
             </a:fld>
             <a:endParaRPr lang="en-US"/>
           </a:p>
@@ -1192,7 +1192,7 @@
           <a:noFill/>
           <a:extLst>
             <a:ext uri="{909E8E84-426E-40dd-AFC4-6F175D3DCCD1}">
-              <a14:hiddenFill xmlns:a14="http://schemas.microsoft.com/office/drawing/2010/main" xmlns="">
+              <a14:hiddenFill xmlns="" xmlns:a14="http://schemas.microsoft.com/office/drawing/2010/main">
                 <a:solidFill>
                   <a:srgbClr val="FFFFFF"/>
                 </a:solidFill>
@@ -1817,7 +1817,7 @@
           <a:p>
             <a:fld id="{CD1A5814-EB5C-5C43-8893-E3A1E466D3A0}" type="datetime1">
               <a:rPr lang="en-US" smtClean="0"/>
-              <a:t>7/4/16</a:t>
+              <a:t>7/19/16</a:t>
             </a:fld>
             <a:endParaRPr lang="en-US"/>
           </a:p>
@@ -2009,7 +2009,7 @@
           <a:p>
             <a:fld id="{74C6241F-BC3C-2D49-96A4-7629CBD53E4A}" type="datetime1">
               <a:rPr lang="en-US" smtClean="0"/>
-              <a:t>7/4/16</a:t>
+              <a:t>7/19/16</a:t>
             </a:fld>
             <a:endParaRPr lang="en-US"/>
           </a:p>
@@ -2213,7 +2213,7 @@
           <a:p>
             <a:fld id="{361BA138-36EF-EB49-B244-DC7F7EB12E8E}" type="datetime1">
               <a:rPr lang="en-US" smtClean="0"/>
-              <a:t>7/4/16</a:t>
+              <a:t>7/19/16</a:t>
             </a:fld>
             <a:endParaRPr lang="en-US"/>
           </a:p>
@@ -2387,7 +2387,7 @@
           <a:p>
             <a:fld id="{42258BE9-0262-064A-B226-10710A049D36}" type="datetime1">
               <a:rPr lang="en-US" smtClean="0"/>
-              <a:t>7/4/16</a:t>
+              <a:t>7/19/16</a:t>
             </a:fld>
             <a:endParaRPr lang="en-US"/>
           </a:p>
@@ -2637,7 +2637,7 @@
           <a:p>
             <a:fld id="{3CE214CE-5CD9-7748-B7E2-9EB59D6E682B}" type="datetime1">
               <a:rPr lang="en-US" smtClean="0"/>
-              <a:t>7/4/16</a:t>
+              <a:t>7/19/16</a:t>
             </a:fld>
             <a:endParaRPr lang="en-US"/>
           </a:p>
@@ -2873,7 +2873,7 @@
           <a:p>
             <a:fld id="{0311AD66-07C7-7846-BD7D-06164D63E6C5}" type="datetime1">
               <a:rPr lang="en-US" smtClean="0"/>
-              <a:t>7/4/16</a:t>
+              <a:t>7/19/16</a:t>
             </a:fld>
             <a:endParaRPr lang="en-US"/>
           </a:p>
@@ -3244,7 +3244,7 @@
           <a:p>
             <a:fld id="{C7590DDF-86FE-EB42-BEC9-3B5CC66C661A}" type="datetime1">
               <a:rPr lang="en-US" smtClean="0"/>
-              <a:t>7/4/16</a:t>
+              <a:t>7/19/16</a:t>
             </a:fld>
             <a:endParaRPr lang="en-US"/>
           </a:p>
@@ -3366,7 +3366,7 @@
           <a:p>
             <a:fld id="{871A44A7-58F8-574B-9177-DF89F5712002}" type="datetime1">
               <a:rPr lang="en-US" smtClean="0"/>
-              <a:t>7/4/16</a:t>
+              <a:t>7/19/16</a:t>
             </a:fld>
             <a:endParaRPr lang="en-US"/>
           </a:p>
@@ -3465,7 +3465,7 @@
           <a:p>
             <a:fld id="{463E8BD3-5D28-B748-8169-60ADEC58A485}" type="datetime1">
               <a:rPr lang="en-US" smtClean="0"/>
-              <a:t>7/4/16</a:t>
+              <a:t>7/19/16</a:t>
             </a:fld>
             <a:endParaRPr lang="en-US"/>
           </a:p>
@@ -3746,7 +3746,7 @@
           <a:p>
             <a:fld id="{F2E1E608-A730-9F41-B145-F3D6C32D1769}" type="datetime1">
               <a:rPr lang="en-US" smtClean="0"/>
-              <a:t>7/4/16</a:t>
+              <a:t>7/19/16</a:t>
             </a:fld>
             <a:endParaRPr lang="en-US"/>
           </a:p>
@@ -3930,7 +3930,7 @@
           <a:p>
             <a:fld id="{9B654988-891D-234B-9FFE-78D7B2394916}" type="datetime1">
               <a:rPr lang="en-US" smtClean="0"/>
-              <a:t>7/4/16</a:t>
+              <a:t>7/19/16</a:t>
             </a:fld>
             <a:endParaRPr lang="en-US"/>
           </a:p>
@@ -4206,7 +4206,7 @@
           <a:p>
             <a:fld id="{A3862105-26FA-1243-88AE-A609CEBBD0B9}" type="datetime1">
               <a:rPr lang="en-US" smtClean="0"/>
-              <a:t>7/4/16</a:t>
+              <a:t>7/19/16</a:t>
             </a:fld>
             <a:endParaRPr lang="en-US"/>
           </a:p>
@@ -4380,7 +4380,7 @@
           <a:p>
             <a:fld id="{07FD21FC-6D4E-A54C-B703-0B0020577B95}" type="datetime1">
               <a:rPr lang="en-US" smtClean="0"/>
-              <a:t>7/4/16</a:t>
+              <a:t>7/19/16</a:t>
             </a:fld>
             <a:endParaRPr lang="en-US"/>
           </a:p>
@@ -4564,7 +4564,7 @@
           <a:p>
             <a:fld id="{31F350DF-993E-FF43-B073-67B20C34026A}" type="datetime1">
               <a:rPr lang="en-US" smtClean="0"/>
-              <a:t>7/4/16</a:t>
+              <a:t>7/19/16</a:t>
             </a:fld>
             <a:endParaRPr lang="en-US"/>
           </a:p>
@@ -4822,7 +4822,7 @@
           <a:p>
             <a:fld id="{08796818-ED79-4B47-A2D9-D4E5F8DADCDC}" type="datetime1">
               <a:rPr lang="en-US" smtClean="0"/>
-              <a:t>7/4/16</a:t>
+              <a:t>7/19/16</a:t>
             </a:fld>
             <a:endParaRPr lang="en-US"/>
           </a:p>
@@ -5127,7 +5127,7 @@
           <a:p>
             <a:fld id="{B737E19C-D2C9-DE49-B914-0C9ED0DBA0C9}" type="datetime1">
               <a:rPr lang="en-US" smtClean="0"/>
-              <a:t>7/4/16</a:t>
+              <a:t>7/19/16</a:t>
             </a:fld>
             <a:endParaRPr lang="en-US"/>
           </a:p>
@@ -5590,7 +5590,7 @@
           <a:p>
             <a:fld id="{828F08B8-8BE0-4F49-B12B-68092BB9602D}" type="datetime1">
               <a:rPr lang="en-US" smtClean="0"/>
-              <a:t>7/4/16</a:t>
+              <a:t>7/19/16</a:t>
             </a:fld>
             <a:endParaRPr lang="en-US"/>
           </a:p>
@@ -5727,7 +5727,7 @@
           <a:p>
             <a:fld id="{6C0131A1-3BD9-0144-81D0-7FEB34905A5D}" type="datetime1">
               <a:rPr lang="en-US" smtClean="0"/>
-              <a:t>7/4/16</a:t>
+              <a:t>7/19/16</a:t>
             </a:fld>
             <a:endParaRPr lang="en-US"/>
           </a:p>
@@ -5841,7 +5841,7 @@
           <a:p>
             <a:fld id="{FEAC6049-EC18-304C-A850-4A817AF10918}" type="datetime1">
               <a:rPr lang="en-US" smtClean="0"/>
-              <a:t>7/4/16</a:t>
+              <a:t>7/19/16</a:t>
             </a:fld>
             <a:endParaRPr lang="en-US"/>
           </a:p>
@@ -6100,7 +6100,7 @@
           <a:p>
             <a:fld id="{F7E2C4BB-7842-3B41-9752-C3E084454838}" type="datetime1">
               <a:rPr lang="en-US" smtClean="0"/>
-              <a:t>7/4/16</a:t>
+              <a:t>7/19/16</a:t>
             </a:fld>
             <a:endParaRPr lang="en-US"/>
           </a:p>
@@ -6411,7 +6411,7 @@
           <a:p>
             <a:fld id="{3B614359-EF4E-284F-8806-770CCE326910}" type="datetime1">
               <a:rPr lang="en-US" smtClean="0"/>
-              <a:t>7/4/16</a:t>
+              <a:t>7/19/16</a:t>
             </a:fld>
             <a:endParaRPr lang="en-US"/>
           </a:p>
@@ -6722,7 +6722,7 @@
           <a:p>
             <a:fld id="{E271E826-0063-304C-BEE7-0BA6065310EA}" type="datetime1">
               <a:rPr lang="en-US" smtClean="0"/>
-              <a:t>7/4/16</a:t>
+              <a:t>7/19/16</a:t>
             </a:fld>
             <a:endParaRPr lang="en-US"/>
           </a:p>
@@ -7790,7 +7790,7 @@
           <a:p>
             <a:fld id="{99414BAA-423C-F045-B8BC-4F35D36808C6}" type="datetime1">
               <a:rPr lang="en-US" smtClean="0"/>
-              <a:t>7/4/16</a:t>
+              <a:t>7/19/16</a:t>
             </a:fld>
             <a:endParaRPr lang="en-US"/>
           </a:p>
@@ -8247,6 +8247,35 @@
           </a:p>
         </p:txBody>
       </p:sp>
+      <p:pic>
+        <p:nvPicPr>
+          <p:cNvPr id="4" name="Picture 3"/>
+          <p:cNvPicPr>
+            <a:picLocks noChangeAspect="1"/>
+          </p:cNvPicPr>
+          <p:nvPr/>
+        </p:nvPicPr>
+        <p:blipFill rotWithShape="1">
+          <a:blip r:embed="rId2">
+            <a:extLst>
+              <a:ext uri="{28A0092B-C50C-407E-A947-70E740481C1C}">
+                <a14:useLocalDpi xmlns:a14="http://schemas.microsoft.com/office/drawing/2010/main" val="0"/>
+              </a:ext>
+            </a:extLst>
+          </a:blip>
+          <a:srcRect l="4523" t="17619" r="3095" b="25000"/>
+          <a:stretch/>
+        </p:blipFill>
+        <p:spPr>
+          <a:xfrm>
+            <a:off x="3711108" y="4592409"/>
+            <a:ext cx="1700816" cy="1056435"/>
+          </a:xfrm>
+          <a:prstGeom prst="rect">
+            <a:avLst/>
+          </a:prstGeom>
+        </p:spPr>
+      </p:pic>
     </p:spTree>
     <p:extLst>
       <p:ext uri="{BB962C8B-B14F-4D97-AF65-F5344CB8AC3E}">
@@ -8361,15 +8390,7 @@
             </a:pPr>
             <a:r>
               <a:rPr lang="en-US" b="0" dirty="0" smtClean="0"/>
-              <a:t>You can also use old </a:t>
-            </a:r>
-            <a:r>
-              <a:rPr lang="en-US" b="0" dirty="0" smtClean="0"/>
-              <a:t>FIRST LEGO </a:t>
-            </a:r>
-            <a:r>
-              <a:rPr lang="en-US" b="0" dirty="0" smtClean="0"/>
-              <a:t>League Mats for practice.  They are sometimes available on eBay or other teams.</a:t>
+              <a:t>You can also use old FIRST LEGO League Mats for practice.  They are sometimes available on eBay or other teams.</a:t>
             </a:r>
           </a:p>
           <a:p>
@@ -10328,7 +10349,7 @@
           <a:noFill/>
           <a:extLst>
             <a:ext uri="{909E8E84-426E-40dd-AFC4-6F175D3DCCD1}">
-              <a14:hiddenFill xmlns:a14="http://schemas.microsoft.com/office/drawing/2010/main" xmlns="">
+              <a14:hiddenFill xmlns="" xmlns:a14="http://schemas.microsoft.com/office/drawing/2010/main">
                 <a:solidFill>
                   <a:srgbClr val="FFFFFF"/>
                 </a:solidFill>
@@ -10857,15 +10878,7 @@
             </a:pPr>
             <a:r>
               <a:rPr lang="en-US" sz="1800" dirty="0" smtClean="0"/>
-              <a:t>More </a:t>
-            </a:r>
-            <a:r>
-              <a:rPr lang="en-US" sz="1800" dirty="0" smtClean="0"/>
-              <a:t>lessons are available at </a:t>
-            </a:r>
-            <a:r>
-              <a:rPr lang="en-US" sz="1800" dirty="0" smtClean="0"/>
-              <a:t>www.ev3lessons.com</a:t>
+              <a:t>More lessons are available at www.ev3lessons.com</a:t>
             </a:r>
             <a:r>
               <a:rPr lang="en-US" sz="1800" b="0" dirty="0"/>
@@ -10949,7 +10962,7 @@
           <a:effectLst/>
           <a:extLst>
             <a:ext uri="{91240B29-F687-4f45-9708-019B960494DF}">
-              <a14:hiddenLine xmlns:a14="http://schemas.microsoft.com/office/drawing/2010/main" xmlns="" w="9525">
+              <a14:hiddenLine xmlns="" xmlns:a14="http://schemas.microsoft.com/office/drawing/2010/main" w="9525">
                 <a:solidFill>
                   <a:schemeClr val="tx1"/>
                 </a:solidFill>
@@ -10959,7 +10972,7 @@
               </a14:hiddenLine>
             </a:ext>
             <a:ext uri="{AF507438-7753-43e0-B8FC-AC1667EBCBE1}">
-              <a14:hiddenEffects xmlns:a14="http://schemas.microsoft.com/office/drawing/2010/main" xmlns="">
+              <a14:hiddenEffects xmlns="" xmlns:a14="http://schemas.microsoft.com/office/drawing/2010/main">
                 <a:effectLst>
                   <a:outerShdw dist="35921" dir="2700000" algn="ctr" rotWithShape="0">
                     <a:schemeClr val="bg2"/>
@@ -11312,7 +11325,7 @@
           <a:noFill/>
           <a:extLst>
             <a:ext uri="{909E8E84-426E-40dd-AFC4-6F175D3DCCD1}">
-              <a14:hiddenFill xmlns:a14="http://schemas.microsoft.com/office/drawing/2010/main" xmlns="">
+              <a14:hiddenFill xmlns="" xmlns:a14="http://schemas.microsoft.com/office/drawing/2010/main">
                 <a:solidFill>
                   <a:srgbClr val="FFFFFF"/>
                 </a:solidFill>
